--- a/Samsung/Lesson7/Arrays.pptx
+++ b/Samsung/Lesson7/Arrays.pptx
@@ -353,7 +353,7 @@
             <a:fld id="{5586B75A-687E-405C-8A0B-8D00578BA2C3}" type="datetimeFigureOut">
               <a:rPr lang="en-US" dirty="0"/>
               <a:pPr/>
-              <a:t>10/10/2020</a:t>
+              <a:t>10/12/2020</a:t>
             </a:fld>
             <a:endParaRPr lang="en-US" dirty="0"/>
           </a:p>
@@ -520,7 +520,7 @@
             <a:fld id="{5586B75A-687E-405C-8A0B-8D00578BA2C3}" type="datetimeFigureOut">
               <a:rPr lang="en-US" dirty="0"/>
               <a:pPr/>
-              <a:t>10/10/2020</a:t>
+              <a:t>10/12/2020</a:t>
             </a:fld>
             <a:endParaRPr lang="en-US" dirty="0"/>
           </a:p>
@@ -697,7 +697,7 @@
             <a:fld id="{5586B75A-687E-405C-8A0B-8D00578BA2C3}" type="datetimeFigureOut">
               <a:rPr lang="en-US" dirty="0"/>
               <a:pPr/>
-              <a:t>10/10/2020</a:t>
+              <a:t>10/12/2020</a:t>
             </a:fld>
             <a:endParaRPr lang="en-US" dirty="0"/>
           </a:p>
@@ -864,7 +864,7 @@
             <a:fld id="{5586B75A-687E-405C-8A0B-8D00578BA2C3}" type="datetimeFigureOut">
               <a:rPr lang="en-US" dirty="0"/>
               <a:pPr/>
-              <a:t>10/10/2020</a:t>
+              <a:t>10/12/2020</a:t>
             </a:fld>
             <a:endParaRPr lang="en-US" dirty="0"/>
           </a:p>
@@ -1119,7 +1119,7 @@
             <a:fld id="{5586B75A-687E-405C-8A0B-8D00578BA2C3}" type="datetimeFigureOut">
               <a:rPr lang="en-US" dirty="0"/>
               <a:pPr/>
-              <a:t>10/10/2020</a:t>
+              <a:t>10/12/2020</a:t>
             </a:fld>
             <a:endParaRPr lang="en-US" dirty="0"/>
           </a:p>
@@ -1404,7 +1404,7 @@
             <a:fld id="{5586B75A-687E-405C-8A0B-8D00578BA2C3}" type="datetimeFigureOut">
               <a:rPr lang="en-US" dirty="0"/>
               <a:pPr/>
-              <a:t>10/10/2020</a:t>
+              <a:t>10/12/2020</a:t>
             </a:fld>
             <a:endParaRPr lang="en-US" dirty="0"/>
           </a:p>
@@ -1843,7 +1843,7 @@
             <a:fld id="{5586B75A-687E-405C-8A0B-8D00578BA2C3}" type="datetimeFigureOut">
               <a:rPr lang="en-US" dirty="0"/>
               <a:pPr/>
-              <a:t>10/10/2020</a:t>
+              <a:t>10/12/2020</a:t>
             </a:fld>
             <a:endParaRPr lang="en-US" dirty="0"/>
           </a:p>
@@ -1958,7 +1958,7 @@
             <a:fld id="{5586B75A-687E-405C-8A0B-8D00578BA2C3}" type="datetimeFigureOut">
               <a:rPr lang="en-US" dirty="0"/>
               <a:pPr/>
-              <a:t>10/10/2020</a:t>
+              <a:t>10/12/2020</a:t>
             </a:fld>
             <a:endParaRPr lang="en-US" dirty="0"/>
           </a:p>
@@ -2050,7 +2050,7 @@
             <a:fld id="{5586B75A-687E-405C-8A0B-8D00578BA2C3}" type="datetimeFigureOut">
               <a:rPr lang="en-US" dirty="0"/>
               <a:pPr/>
-              <a:t>10/10/2020</a:t>
+              <a:t>10/12/2020</a:t>
             </a:fld>
             <a:endParaRPr lang="en-US" dirty="0"/>
           </a:p>
@@ -2335,7 +2335,7 @@
             <a:fld id="{5586B75A-687E-405C-8A0B-8D00578BA2C3}" type="datetimeFigureOut">
               <a:rPr lang="en-US" dirty="0"/>
               <a:pPr/>
-              <a:t>10/10/2020</a:t>
+              <a:t>10/12/2020</a:t>
             </a:fld>
             <a:endParaRPr lang="en-US" dirty="0"/>
           </a:p>
@@ -2605,7 +2605,7 @@
             <a:fld id="{5586B75A-687E-405C-8A0B-8D00578BA2C3}" type="datetimeFigureOut">
               <a:rPr lang="en-US" dirty="0"/>
               <a:pPr/>
-              <a:t>10/10/2020</a:t>
+              <a:t>10/12/2020</a:t>
             </a:fld>
             <a:endParaRPr lang="en-US" dirty="0"/>
           </a:p>
@@ -2899,7 +2899,7 @@
             <a:fld id="{5586B75A-687E-405C-8A0B-8D00578BA2C3}" type="datetimeFigureOut">
               <a:rPr lang="en-US" dirty="0"/>
               <a:pPr/>
-              <a:t>10/10/2020</a:t>
+              <a:t>10/12/2020</a:t>
             </a:fld>
             <a:endParaRPr lang="en-US" dirty="0"/>
           </a:p>
@@ -3388,10 +3388,10 @@
       </p:grpSpPr>
       <p:sp useBgFill="1">
         <p:nvSpPr>
-          <p:cNvPr id="2060" name="Rectangle 142">
+          <p:cNvPr id="192" name="Rectangle 191">
             <a:extLst>
               <a:ext uri="{FF2B5EF4-FFF2-40B4-BE49-F238E27FC236}">
-                <a16:creationId xmlns:a16="http://schemas.microsoft.com/office/drawing/2014/main" id="{0F2F231C-9E36-40B0-A4AD-D3AD1E81F065}"/>
+                <a16:creationId xmlns:a16="http://schemas.microsoft.com/office/drawing/2014/main" id="{90EB472E-7CA6-4C2D-81E9-CD39A44F0B83}"/>
               </a:ext>
               <a:ext uri="{C183D7F6-B498-43B3-948B-1728B52AA6E4}">
                 <adec:decorative xmlns:adec="http://schemas.microsoft.com/office/drawing/2017/decorative" val="1"/>
@@ -3412,7 +3412,7 @@
         <p:spPr>
           <a:xfrm>
             <a:off x="0" y="0"/>
-            <a:ext cx="12191999" cy="6858000"/>
+            <a:ext cx="12192000" cy="6858000"/>
           </a:xfrm>
           <a:prstGeom prst="rect">
             <a:avLst/>
@@ -3442,16 +3442,16 @@
           <a:lstStyle/>
           <a:p>
             <a:pPr algn="ctr"/>
-            <a:endParaRPr lang="en-US"/>
+            <a:endParaRPr lang="en-US" dirty="0"/>
           </a:p>
         </p:txBody>
       </p:sp>
       <p:sp>
         <p:nvSpPr>
-          <p:cNvPr id="2061" name="Rectangle 144">
+          <p:cNvPr id="193" name="Rectangle 192">
             <a:extLst>
               <a:ext uri="{FF2B5EF4-FFF2-40B4-BE49-F238E27FC236}">
-                <a16:creationId xmlns:a16="http://schemas.microsoft.com/office/drawing/2014/main" id="{AC80E3FC-06A2-4801-8281-7E4E063B73F9}"/>
+                <a16:creationId xmlns:a16="http://schemas.microsoft.com/office/drawing/2014/main" id="{AE0A0486-F672-4FEF-A0A9-E6C3B7E3A545}"/>
               </a:ext>
               <a:ext uri="{C183D7F6-B498-43B3-948B-1728B52AA6E4}">
                 <adec:decorative xmlns:adec="http://schemas.microsoft.com/office/drawing/2017/decorative" val="1"/>
@@ -3471,8 +3471,73 @@
         </p:nvSpPr>
         <p:spPr>
           <a:xfrm>
-            <a:off x="1" y="761999"/>
-            <a:ext cx="4642228" cy="5334001"/>
+            <a:off x="0" y="761999"/>
+            <a:ext cx="3289875" cy="5334001"/>
+          </a:xfrm>
+          <a:prstGeom prst="rect">
+            <a:avLst/>
+          </a:prstGeom>
+          <a:solidFill>
+            <a:srgbClr val="C8C8C8">
+              <a:alpha val="70000"/>
+            </a:srgbClr>
+          </a:solidFill>
+          <a:ln>
+            <a:noFill/>
+          </a:ln>
+        </p:spPr>
+        <p:style>
+          <a:lnRef idx="2">
+            <a:schemeClr val="accent1">
+              <a:shade val="50000"/>
+            </a:schemeClr>
+          </a:lnRef>
+          <a:fillRef idx="1">
+            <a:schemeClr val="accent1"/>
+          </a:fillRef>
+          <a:effectRef idx="0">
+            <a:schemeClr val="accent1"/>
+          </a:effectRef>
+          <a:fontRef idx="minor">
+            <a:schemeClr val="lt1"/>
+          </a:fontRef>
+        </p:style>
+        <p:txBody>
+          <a:bodyPr rtlCol="0" anchor="ctr"/>
+          <a:lstStyle/>
+          <a:p>
+            <a:pPr algn="ctr"/>
+            <a:endParaRPr lang="en-US"/>
+          </a:p>
+        </p:txBody>
+      </p:sp>
+      <p:sp>
+        <p:nvSpPr>
+          <p:cNvPr id="194" name="Rectangle 193">
+            <a:extLst>
+              <a:ext uri="{FF2B5EF4-FFF2-40B4-BE49-F238E27FC236}">
+                <a16:creationId xmlns:a16="http://schemas.microsoft.com/office/drawing/2014/main" id="{4689BC21-5566-4B70-91EA-44B4299CB337}"/>
+              </a:ext>
+              <a:ext uri="{C183D7F6-B498-43B3-948B-1728B52AA6E4}">
+                <adec:decorative xmlns:adec="http://schemas.microsoft.com/office/drawing/2017/decorative" val="1"/>
+              </a:ext>
+            </a:extLst>
+          </p:cNvPr>
+          <p:cNvSpPr>
+            <a:spLocks noGrp="1" noRot="1" noChangeAspect="1" noMove="1" noResize="1" noEditPoints="1" noAdjustHandles="1" noChangeArrowheads="1" noChangeShapeType="1" noTextEdit="1"/>
+          </p:cNvSpPr>
+          <p:nvPr>
+            <p:extLst>
+              <p:ext uri="{386F3935-93C4-4BCD-93E2-E3B085C9AB24}">
+                <p16:designElem xmlns:p16="http://schemas.microsoft.com/office/powerpoint/2015/main" val="1"/>
+              </p:ext>
+            </p:extLst>
+          </p:nvPr>
+        </p:nvSpPr>
+        <p:spPr>
+          <a:xfrm>
+            <a:off x="3411870" y="761999"/>
+            <a:ext cx="8790301" cy="3810001"/>
           </a:xfrm>
           <a:prstGeom prst="rect">
             <a:avLst/>
@@ -3519,34 +3584,34 @@
         </p:nvSpPr>
         <p:spPr>
           <a:xfrm>
-            <a:off x="485128" y="1298448"/>
-            <a:ext cx="3843409" cy="3255264"/>
+            <a:off x="3722622" y="1298448"/>
+            <a:ext cx="7187529" cy="2951819"/>
           </a:xfrm>
         </p:spPr>
         <p:txBody>
-          <a:bodyPr>
+          <a:bodyPr anchor="b">
             <a:normAutofit/>
           </a:bodyPr>
           <a:lstStyle/>
           <a:p>
             <a:r>
-              <a:rPr lang="ru-RU" dirty="0"/>
+              <a:rPr lang="ru-RU" sz="5800"/>
               <a:t>Массивы в</a:t>
             </a:r>
             <a:r>
-              <a:rPr lang="en-US" dirty="0"/>
+              <a:rPr lang="en-US" sz="5800"/>
               <a:t> Java</a:t>
             </a:r>
-            <a:endParaRPr lang="ru-RU" dirty="0"/>
+            <a:endParaRPr lang="ru-RU" sz="5800"/>
           </a:p>
         </p:txBody>
       </p:sp>
       <p:sp>
         <p:nvSpPr>
-          <p:cNvPr id="2062" name="Rectangle 146">
+          <p:cNvPr id="195" name="Rectangle 194">
             <a:extLst>
               <a:ext uri="{FF2B5EF4-FFF2-40B4-BE49-F238E27FC236}">
-                <a16:creationId xmlns:a16="http://schemas.microsoft.com/office/drawing/2014/main" id="{6993D2C4-33A7-4A1E-B168-F4C7A6922AE9}"/>
+                <a16:creationId xmlns:a16="http://schemas.microsoft.com/office/drawing/2014/main" id="{7F1FCE6A-97BC-41EB-809A-50936E0F940B}"/>
               </a:ext>
               <a:ext uri="{C183D7F6-B498-43B3-948B-1728B52AA6E4}">
                 <adec:decorative xmlns:adec="http://schemas.microsoft.com/office/drawing/2017/decorative" val="1"/>
@@ -3566,79 +3631,14 @@
         </p:nvSpPr>
         <p:spPr>
           <a:xfrm>
-            <a:off x="9408840" y="758952"/>
-            <a:ext cx="2079069" cy="2344272"/>
+            <a:off x="3400889" y="4684418"/>
+            <a:ext cx="8801282" cy="1411582"/>
           </a:xfrm>
           <a:prstGeom prst="rect">
             <a:avLst/>
           </a:prstGeom>
           <a:solidFill>
-            <a:schemeClr val="accent1"/>
-          </a:solidFill>
-          <a:ln>
-            <a:noFill/>
-          </a:ln>
-        </p:spPr>
-        <p:style>
-          <a:lnRef idx="2">
-            <a:schemeClr val="accent1">
-              <a:shade val="50000"/>
-            </a:schemeClr>
-          </a:lnRef>
-          <a:fillRef idx="1">
-            <a:schemeClr val="accent1"/>
-          </a:fillRef>
-          <a:effectRef idx="0">
-            <a:schemeClr val="accent1"/>
-          </a:effectRef>
-          <a:fontRef idx="minor">
-            <a:schemeClr val="lt1"/>
-          </a:fontRef>
-        </p:style>
-        <p:txBody>
-          <a:bodyPr rtlCol="0" anchor="ctr"/>
-          <a:lstStyle/>
-          <a:p>
-            <a:pPr algn="ctr"/>
-            <a:endParaRPr lang="en-US"/>
-          </a:p>
-        </p:txBody>
-      </p:sp>
-      <p:sp>
-        <p:nvSpPr>
-          <p:cNvPr id="149" name="Rectangle 148">
-            <a:extLst>
-              <a:ext uri="{FF2B5EF4-FFF2-40B4-BE49-F238E27FC236}">
-                <a16:creationId xmlns:a16="http://schemas.microsoft.com/office/drawing/2014/main" id="{4554E15C-DA50-4F0F-A416-E3B088C75711}"/>
-              </a:ext>
-              <a:ext uri="{C183D7F6-B498-43B3-948B-1728B52AA6E4}">
-                <adec:decorative xmlns:adec="http://schemas.microsoft.com/office/drawing/2017/decorative" val="1"/>
-              </a:ext>
-            </a:extLst>
-          </p:cNvPr>
-          <p:cNvSpPr>
-            <a:spLocks noGrp="1" noRot="1" noChangeAspect="1" noMove="1" noResize="1" noEditPoints="1" noAdjustHandles="1" noChangeArrowheads="1" noChangeShapeType="1" noTextEdit="1"/>
-          </p:cNvSpPr>
-          <p:nvPr>
-            <p:extLst>
-              <p:ext uri="{386F3935-93C4-4BCD-93E2-E3B085C9AB24}">
-                <p16:designElem xmlns:p16="http://schemas.microsoft.com/office/powerpoint/2015/main" val="1"/>
-              </p:ext>
-            </p:extLst>
-          </p:nvPr>
-        </p:nvSpPr>
-        <p:spPr>
-          <a:xfrm>
-            <a:off x="11815864" y="758952"/>
-            <a:ext cx="384048" cy="5330952"/>
-          </a:xfrm>
-          <a:prstGeom prst="rect">
-            <a:avLst/>
-          </a:prstGeom>
-          <a:solidFill>
-            <a:srgbClr val="C8C8C8">
-              <a:alpha val="49804"/>
-            </a:srgbClr>
+            <a:srgbClr val="595959"/>
           </a:solidFill>
           <a:ln>
             <a:noFill/>
@@ -4743,6 +4743,17 @@
 <file path=ppt/slides/slide11.xml><?xml version="1.0" encoding="utf-8"?>
 <p:sld xmlns:a="http://schemas.openxmlformats.org/drawingml/2006/main" xmlns:r="http://schemas.openxmlformats.org/officeDocument/2006/relationships" xmlns:p="http://schemas.openxmlformats.org/presentationml/2006/main">
   <p:cSld>
+    <p:bg>
+      <p:bgPr>
+        <a:solidFill>
+          <a:schemeClr val="bg1">
+            <a:tint val="95000"/>
+            <a:satMod val="170000"/>
+          </a:schemeClr>
+        </a:solidFill>
+        <a:effectLst/>
+      </p:bgPr>
+    </p:bg>
     <p:spTree>
       <p:nvGrpSpPr>
         <p:cNvPr id="1" name=""/>
@@ -4757,6 +4768,123 @@
           <a:chExt cx="0" cy="0"/>
         </a:xfrm>
       </p:grpSpPr>
+      <p:sp useBgFill="1">
+        <p:nvSpPr>
+          <p:cNvPr id="75" name="Rectangle 74">
+            <a:extLst>
+              <a:ext uri="{FF2B5EF4-FFF2-40B4-BE49-F238E27FC236}">
+                <a16:creationId xmlns:a16="http://schemas.microsoft.com/office/drawing/2014/main" id="{4B392D36-B685-45E0-B197-6EE5D748093B}"/>
+              </a:ext>
+              <a:ext uri="{C183D7F6-B498-43B3-948B-1728B52AA6E4}">
+                <adec:decorative xmlns:adec="http://schemas.microsoft.com/office/drawing/2017/decorative" val="1"/>
+              </a:ext>
+            </a:extLst>
+          </p:cNvPr>
+          <p:cNvSpPr>
+            <a:spLocks noGrp="1" noRot="1" noChangeAspect="1" noMove="1" noResize="1" noEditPoints="1" noAdjustHandles="1" noChangeArrowheads="1" noChangeShapeType="1" noTextEdit="1"/>
+          </p:cNvSpPr>
+          <p:nvPr>
+            <p:extLst>
+              <p:ext uri="{386F3935-93C4-4BCD-93E2-E3B085C9AB24}">
+                <p16:designElem xmlns:p16="http://schemas.microsoft.com/office/powerpoint/2015/main" val="1"/>
+              </p:ext>
+            </p:extLst>
+          </p:nvPr>
+        </p:nvSpPr>
+        <p:spPr>
+          <a:xfrm>
+            <a:off x="0" y="0"/>
+            <a:ext cx="12191999" cy="6858000"/>
+          </a:xfrm>
+          <a:prstGeom prst="rect">
+            <a:avLst/>
+          </a:prstGeom>
+          <a:ln>
+            <a:noFill/>
+          </a:ln>
+        </p:spPr>
+        <p:style>
+          <a:lnRef idx="2">
+            <a:schemeClr val="accent1">
+              <a:shade val="50000"/>
+            </a:schemeClr>
+          </a:lnRef>
+          <a:fillRef idx="1">
+            <a:schemeClr val="accent1"/>
+          </a:fillRef>
+          <a:effectRef idx="0">
+            <a:schemeClr val="accent1"/>
+          </a:effectRef>
+          <a:fontRef idx="minor">
+            <a:schemeClr val="lt1"/>
+          </a:fontRef>
+        </p:style>
+        <p:txBody>
+          <a:bodyPr rtlCol="0" anchor="ctr"/>
+          <a:lstStyle/>
+          <a:p>
+            <a:pPr algn="ctr"/>
+            <a:endParaRPr lang="en-US"/>
+          </a:p>
+        </p:txBody>
+      </p:sp>
+      <p:sp>
+        <p:nvSpPr>
+          <p:cNvPr id="77" name="Rectangle 76">
+            <a:extLst>
+              <a:ext uri="{FF2B5EF4-FFF2-40B4-BE49-F238E27FC236}">
+                <a16:creationId xmlns:a16="http://schemas.microsoft.com/office/drawing/2014/main" id="{9DCA8533-CC5E-4754-9A04-047EDE49E0F9}"/>
+              </a:ext>
+              <a:ext uri="{C183D7F6-B498-43B3-948B-1728B52AA6E4}">
+                <adec:decorative xmlns:adec="http://schemas.microsoft.com/office/drawing/2017/decorative" val="1"/>
+              </a:ext>
+            </a:extLst>
+          </p:cNvPr>
+          <p:cNvSpPr>
+            <a:spLocks noGrp="1" noRot="1" noChangeAspect="1" noMove="1" noResize="1" noEditPoints="1" noAdjustHandles="1" noChangeArrowheads="1" noChangeShapeType="1" noTextEdit="1"/>
+          </p:cNvSpPr>
+          <p:nvPr>
+            <p:extLst>
+              <p:ext uri="{386F3935-93C4-4BCD-93E2-E3B085C9AB24}">
+                <p16:designElem xmlns:p16="http://schemas.microsoft.com/office/powerpoint/2015/main" val="1"/>
+              </p:ext>
+            </p:extLst>
+          </p:nvPr>
+        </p:nvSpPr>
+        <p:spPr>
+          <a:xfrm>
+            <a:off x="0" y="4367639"/>
+            <a:ext cx="11707367" cy="1852186"/>
+          </a:xfrm>
+          <a:prstGeom prst="rect">
+            <a:avLst/>
+          </a:prstGeom>
+          <a:solidFill>
+            <a:srgbClr val="878A8B">
+              <a:alpha val="90000"/>
+            </a:srgbClr>
+          </a:solidFill>
+          <a:ln>
+            <a:noFill/>
+          </a:ln>
+        </p:spPr>
+        <p:style>
+          <a:lnRef idx="2">
+            <a:schemeClr val="accent1">
+              <a:shade val="50000"/>
+            </a:schemeClr>
+          </a:lnRef>
+          <a:fillRef idx="1">
+            <a:schemeClr val="accent1"/>
+          </a:fillRef>
+          <a:effectRef idx="0">
+            <a:schemeClr val="accent1"/>
+          </a:effectRef>
+          <a:fontRef idx="minor">
+            <a:schemeClr val="lt1"/>
+          </a:fontRef>
+        </p:style>
+      </p:sp>
       <p:sp>
         <p:nvSpPr>
           <p:cNvPr id="28" name="Заголовок 1">
@@ -4773,8 +4901,8 @@
         </p:nvSpPr>
         <p:spPr>
           <a:xfrm>
-            <a:off x="2415365" y="4503037"/>
-            <a:ext cx="6597884" cy="1293305"/>
+            <a:off x="1069848" y="4590661"/>
+            <a:ext cx="10210862" cy="1065690"/>
           </a:xfrm>
           <a:prstGeom prst="rect">
             <a:avLst/>
@@ -4782,7 +4910,7 @@
         </p:spPr>
         <p:txBody>
           <a:bodyPr vert="horz" lIns="91440" tIns="45720" rIns="91440" bIns="45720" rtlCol="0" anchor="b">
-            <a:normAutofit fontScale="85000" lnSpcReduction="10000"/>
+            <a:normAutofit/>
           </a:bodyPr>
           <a:lstStyle>
             <a:lvl1pPr algn="l" defTabSz="914400" rtl="0" eaLnBrk="1" latinLnBrk="0" hangingPunct="1">
@@ -4813,58 +4941,13 @@
               </a:buClr>
             </a:pPr>
             <a:r>
-              <a:rPr lang="ru-RU" dirty="0"/>
+              <a:rPr lang="en-US"/>
               <a:t>Многомерные массивы</a:t>
             </a:r>
             <a:endParaRPr lang="en-US" dirty="0"/>
           </a:p>
         </p:txBody>
       </p:sp>
-      <p:pic>
-        <p:nvPicPr>
-          <p:cNvPr id="1026" name="Picture 2" descr="PPT - Синтаксис языка VBA PowerPoint Presentation, free download -  ID:6410276">
-            <a:extLst>
-              <a:ext uri="{FF2B5EF4-FFF2-40B4-BE49-F238E27FC236}">
-                <a16:creationId xmlns:a16="http://schemas.microsoft.com/office/drawing/2014/main" id="{1895A2B8-C63B-4418-BCB3-7C806FFEC8BD}"/>
-              </a:ext>
-            </a:extLst>
-          </p:cNvPr>
-          <p:cNvPicPr>
-            <a:picLocks noChangeAspect="1" noChangeArrowheads="1"/>
-          </p:cNvPicPr>
-          <p:nvPr/>
-        </p:nvPicPr>
-        <p:blipFill rotWithShape="1">
-          <a:blip r:embed="rId2">
-            <a:extLst>
-              <a:ext uri="{28A0092B-C50C-407E-A947-70E740481C1C}">
-                <a14:useLocalDpi xmlns:a14="http://schemas.microsoft.com/office/drawing/2010/main" val="0"/>
-              </a:ext>
-            </a:extLst>
-          </a:blip>
-          <a:srcRect l="59629" t="50370" r="12963" b="15480"/>
-          <a:stretch/>
-        </p:blipFill>
-        <p:spPr bwMode="auto">
-          <a:xfrm>
-            <a:off x="6299201" y="1370760"/>
-            <a:ext cx="2506133" cy="2341943"/>
-          </a:xfrm>
-          <a:prstGeom prst="rect">
-            <a:avLst/>
-          </a:prstGeom>
-          <a:noFill/>
-          <a:extLst>
-            <a:ext uri="{909E8E84-426E-40DD-AFC4-6F175D3DCCD1}">
-              <a14:hiddenFill xmlns:a14="http://schemas.microsoft.com/office/drawing/2010/main">
-                <a:solidFill>
-                  <a:srgbClr val="FFFFFF"/>
-                </a:solidFill>
-              </a14:hiddenFill>
-            </a:ext>
-          </a:extLst>
-        </p:spPr>
-      </p:pic>
       <p:pic>
         <p:nvPicPr>
           <p:cNvPr id="1028" name="Picture 4" descr="PPT - Синтаксис языка VBA PowerPoint Presentation, free download -  ID:6410276">
@@ -4892,8 +4975,8 @@
         </p:blipFill>
         <p:spPr bwMode="auto">
           <a:xfrm>
-            <a:off x="327378" y="1122404"/>
-            <a:ext cx="2506133" cy="496712"/>
+            <a:off x="346651" y="2932235"/>
+            <a:ext cx="3331905" cy="660383"/>
           </a:xfrm>
           <a:prstGeom prst="rect">
             <a:avLst/>
@@ -4937,8 +5020,8 @@
         </p:blipFill>
         <p:spPr bwMode="auto">
           <a:xfrm>
-            <a:off x="2760133" y="2656689"/>
-            <a:ext cx="1806223" cy="1715912"/>
+            <a:off x="4368706" y="1740431"/>
+            <a:ext cx="2555970" cy="1852187"/>
           </a:xfrm>
           <a:prstGeom prst="rect">
             <a:avLst/>
@@ -4955,96 +5038,51 @@
           </a:extLst>
         </p:spPr>
       </p:pic>
-      <p:cxnSp>
-        <p:nvCxnSpPr>
-          <p:cNvPr id="4" name="Прямая со стрелкой 3">
+      <p:pic>
+        <p:nvPicPr>
+          <p:cNvPr id="1026" name="Picture 2" descr="PPT - Синтаксис языка VBA PowerPoint Presentation, free download -  ID:6410276">
             <a:extLst>
               <a:ext uri="{FF2B5EF4-FFF2-40B4-BE49-F238E27FC236}">
-                <a16:creationId xmlns:a16="http://schemas.microsoft.com/office/drawing/2014/main" id="{D83465C9-5617-499B-9D14-D6BC37D337FE}"/>
+                <a16:creationId xmlns:a16="http://schemas.microsoft.com/office/drawing/2014/main" id="{1895A2B8-C63B-4418-BCB3-7C806FFEC8BD}"/>
               </a:ext>
             </a:extLst>
           </p:cNvPr>
-          <p:cNvCxnSpPr/>
+          <p:cNvPicPr>
+            <a:picLocks noChangeAspect="1" noChangeArrowheads="1"/>
+          </p:cNvPicPr>
           <p:nvPr/>
-        </p:nvCxnSpPr>
-        <p:spPr>
+        </p:nvPicPr>
+        <p:blipFill rotWithShape="1">
+          <a:blip r:embed="rId2">
+            <a:extLst>
+              <a:ext uri="{28A0092B-C50C-407E-A947-70E740481C1C}">
+                <a14:useLocalDpi xmlns:a14="http://schemas.microsoft.com/office/drawing/2010/main" val="0"/>
+              </a:ext>
+            </a:extLst>
+          </a:blip>
+          <a:srcRect l="59629" t="50370" r="12963" b="15480"/>
+          <a:stretch/>
+        </p:blipFill>
+        <p:spPr bwMode="auto">
           <a:xfrm>
-            <a:off x="1580444" y="1919111"/>
-            <a:ext cx="834921" cy="622620"/>
+            <a:off x="8033328" y="599284"/>
+            <a:ext cx="3260054" cy="3046489"/>
           </a:xfrm>
-          <a:prstGeom prst="straightConnector1">
+          <a:prstGeom prst="rect">
             <a:avLst/>
           </a:prstGeom>
-          <a:ln>
-            <a:solidFill>
-              <a:schemeClr val="bg1">
-                <a:alpha val="50000"/>
-              </a:schemeClr>
-            </a:solidFill>
-            <a:tailEnd type="triangle"/>
-          </a:ln>
+          <a:noFill/>
+          <a:extLst>
+            <a:ext uri="{909E8E84-426E-40DD-AFC4-6F175D3DCCD1}">
+              <a14:hiddenFill xmlns:a14="http://schemas.microsoft.com/office/drawing/2010/main">
+                <a:solidFill>
+                  <a:srgbClr val="FFFFFF"/>
+                </a:solidFill>
+              </a14:hiddenFill>
+            </a:ext>
+          </a:extLst>
         </p:spPr>
-        <p:style>
-          <a:lnRef idx="3">
-            <a:schemeClr val="dk1"/>
-          </a:lnRef>
-          <a:fillRef idx="0">
-            <a:schemeClr val="dk1"/>
-          </a:fillRef>
-          <a:effectRef idx="2">
-            <a:schemeClr val="dk1"/>
-          </a:effectRef>
-          <a:fontRef idx="minor">
-            <a:schemeClr val="tx1"/>
-          </a:fontRef>
-        </p:style>
-      </p:cxnSp>
-      <p:cxnSp>
-        <p:nvCxnSpPr>
-          <p:cNvPr id="11" name="Прямая со стрелкой 10">
-            <a:extLst>
-              <a:ext uri="{FF2B5EF4-FFF2-40B4-BE49-F238E27FC236}">
-                <a16:creationId xmlns:a16="http://schemas.microsoft.com/office/drawing/2014/main" id="{F000D065-45FB-4B8D-BF55-EEB045AA4F2D}"/>
-              </a:ext>
-            </a:extLst>
-          </p:cNvPr>
-          <p:cNvCxnSpPr>
-            <a:cxnSpLocks/>
-          </p:cNvCxnSpPr>
-          <p:nvPr/>
-        </p:nvCxnSpPr>
-        <p:spPr>
-          <a:xfrm flipV="1">
-            <a:off x="4867640" y="2438400"/>
-            <a:ext cx="1228360" cy="651683"/>
-          </a:xfrm>
-          <a:prstGeom prst="straightConnector1">
-            <a:avLst/>
-          </a:prstGeom>
-          <a:ln>
-            <a:solidFill>
-              <a:schemeClr val="bg1">
-                <a:alpha val="50000"/>
-              </a:schemeClr>
-            </a:solidFill>
-            <a:tailEnd type="triangle"/>
-          </a:ln>
-        </p:spPr>
-        <p:style>
-          <a:lnRef idx="3">
-            <a:schemeClr val="dk1"/>
-          </a:lnRef>
-          <a:fillRef idx="0">
-            <a:schemeClr val="dk1"/>
-          </a:fillRef>
-          <a:effectRef idx="2">
-            <a:schemeClr val="dk1"/>
-          </a:effectRef>
-          <a:fontRef idx="minor">
-            <a:schemeClr val="tx1"/>
-          </a:fontRef>
-        </p:style>
-      </p:cxnSp>
+      </p:pic>
     </p:spTree>
     <p:extLst>
       <p:ext uri="{BB962C8B-B14F-4D97-AF65-F5344CB8AC3E}">
@@ -5053,7 +5091,7 @@
     </p:extLst>
   </p:cSld>
   <p:clrMapOvr>
-    <a:masterClrMapping/>
+    <a:overrideClrMapping bg1="dk1" tx1="lt1" bg2="dk2" tx2="lt2" accent1="accent1" accent2="accent2" accent3="accent3" accent4="accent4" accent5="accent5" accent6="accent6" hlink="hlink" folHlink="folHlink"/>
   </p:clrMapOvr>
 </p:sld>
 </file>
@@ -5460,6 +5498,233 @@
       </p:grpSpPr>
       <p:sp>
         <p:nvSpPr>
+          <p:cNvPr id="135" name="Rectangle 134">
+            <a:extLst>
+              <a:ext uri="{FF2B5EF4-FFF2-40B4-BE49-F238E27FC236}">
+                <a16:creationId xmlns:a16="http://schemas.microsoft.com/office/drawing/2014/main" id="{4F645BF8-7885-4398-80BC-4C0DF24F5CEE}"/>
+              </a:ext>
+              <a:ext uri="{C183D7F6-B498-43B3-948B-1728B52AA6E4}">
+                <adec:decorative xmlns:adec="http://schemas.microsoft.com/office/drawing/2017/decorative" val="1"/>
+              </a:ext>
+            </a:extLst>
+          </p:cNvPr>
+          <p:cNvSpPr>
+            <a:spLocks noGrp="1" noRot="1" noChangeAspect="1" noMove="1" noResize="1" noEditPoints="1" noAdjustHandles="1" noChangeArrowheads="1" noChangeShapeType="1" noTextEdit="1"/>
+          </p:cNvSpPr>
+          <p:nvPr>
+            <p:extLst>
+              <p:ext uri="{386F3935-93C4-4BCD-93E2-E3B085C9AB24}">
+                <p16:designElem xmlns:p16="http://schemas.microsoft.com/office/powerpoint/2015/main" val="1"/>
+              </p:ext>
+            </p:extLst>
+          </p:nvPr>
+        </p:nvSpPr>
+        <p:spPr>
+          <a:xfrm>
+            <a:off x="1" y="758952"/>
+            <a:ext cx="3443590" cy="5330952"/>
+          </a:xfrm>
+          <a:prstGeom prst="rect">
+            <a:avLst/>
+          </a:prstGeom>
+          <a:solidFill>
+            <a:schemeClr val="accent1"/>
+          </a:solidFill>
+          <a:ln>
+            <a:noFill/>
+          </a:ln>
+        </p:spPr>
+        <p:style>
+          <a:lnRef idx="2">
+            <a:schemeClr val="accent1">
+              <a:shade val="50000"/>
+            </a:schemeClr>
+          </a:lnRef>
+          <a:fillRef idx="1">
+            <a:schemeClr val="accent1"/>
+          </a:fillRef>
+          <a:effectRef idx="0">
+            <a:schemeClr val="accent1"/>
+          </a:effectRef>
+          <a:fontRef idx="minor">
+            <a:schemeClr val="lt1"/>
+          </a:fontRef>
+        </p:style>
+      </p:sp>
+      <p:sp>
+        <p:nvSpPr>
+          <p:cNvPr id="137" name="Rectangle 136">
+            <a:extLst>
+              <a:ext uri="{FF2B5EF4-FFF2-40B4-BE49-F238E27FC236}">
+                <a16:creationId xmlns:a16="http://schemas.microsoft.com/office/drawing/2014/main" id="{3212FB65-CD2B-4005-B910-132DCE19FCC7}"/>
+              </a:ext>
+              <a:ext uri="{C183D7F6-B498-43B3-948B-1728B52AA6E4}">
+                <adec:decorative xmlns:adec="http://schemas.microsoft.com/office/drawing/2017/decorative" val="1"/>
+              </a:ext>
+            </a:extLst>
+          </p:cNvPr>
+          <p:cNvSpPr>
+            <a:spLocks noGrp="1" noRot="1" noChangeAspect="1" noMove="1" noResize="1" noEditPoints="1" noAdjustHandles="1" noChangeArrowheads="1" noChangeShapeType="1" noTextEdit="1"/>
+          </p:cNvSpPr>
+          <p:nvPr>
+            <p:extLst>
+              <p:ext uri="{386F3935-93C4-4BCD-93E2-E3B085C9AB24}">
+                <p16:designElem xmlns:p16="http://schemas.microsoft.com/office/powerpoint/2015/main" val="1"/>
+              </p:ext>
+            </p:extLst>
+          </p:nvPr>
+        </p:nvSpPr>
+        <p:spPr>
+          <a:xfrm>
+            <a:off x="11815864" y="758952"/>
+            <a:ext cx="384048" cy="5330952"/>
+          </a:xfrm>
+          <a:prstGeom prst="rect">
+            <a:avLst/>
+          </a:prstGeom>
+          <a:solidFill>
+            <a:srgbClr val="C8C8C8">
+              <a:alpha val="49804"/>
+            </a:srgbClr>
+          </a:solidFill>
+          <a:ln>
+            <a:noFill/>
+          </a:ln>
+        </p:spPr>
+        <p:style>
+          <a:lnRef idx="2">
+            <a:schemeClr val="accent1">
+              <a:shade val="50000"/>
+            </a:schemeClr>
+          </a:lnRef>
+          <a:fillRef idx="1">
+            <a:schemeClr val="accent1"/>
+          </a:fillRef>
+          <a:effectRef idx="0">
+            <a:schemeClr val="accent1"/>
+          </a:effectRef>
+          <a:fontRef idx="minor">
+            <a:schemeClr val="lt1"/>
+          </a:fontRef>
+        </p:style>
+      </p:sp>
+      <p:sp useBgFill="1">
+        <p:nvSpPr>
+          <p:cNvPr id="139" name="Rectangle 138">
+            <a:extLst>
+              <a:ext uri="{FF2B5EF4-FFF2-40B4-BE49-F238E27FC236}">
+                <a16:creationId xmlns:a16="http://schemas.microsoft.com/office/drawing/2014/main" id="{EE9F5D7F-1BBC-4096-ADA7-AA9C9E4D2868}"/>
+              </a:ext>
+              <a:ext uri="{C183D7F6-B498-43B3-948B-1728B52AA6E4}">
+                <adec:decorative xmlns:adec="http://schemas.microsoft.com/office/drawing/2017/decorative" val="1"/>
+              </a:ext>
+            </a:extLst>
+          </p:cNvPr>
+          <p:cNvSpPr>
+            <a:spLocks noGrp="1" noRot="1" noChangeAspect="1" noMove="1" noResize="1" noEditPoints="1" noAdjustHandles="1" noChangeArrowheads="1" noChangeShapeType="1" noTextEdit="1"/>
+          </p:cNvSpPr>
+          <p:nvPr>
+            <p:extLst>
+              <p:ext uri="{386F3935-93C4-4BCD-93E2-E3B085C9AB24}">
+                <p16:designElem xmlns:p16="http://schemas.microsoft.com/office/powerpoint/2015/main" val="1"/>
+              </p:ext>
+            </p:extLst>
+          </p:nvPr>
+        </p:nvSpPr>
+        <p:spPr>
+          <a:xfrm>
+            <a:off x="0" y="0"/>
+            <a:ext cx="12192000" cy="6858000"/>
+          </a:xfrm>
+          <a:prstGeom prst="rect">
+            <a:avLst/>
+          </a:prstGeom>
+          <a:ln>
+            <a:noFill/>
+          </a:ln>
+        </p:spPr>
+        <p:style>
+          <a:lnRef idx="2">
+            <a:schemeClr val="accent1">
+              <a:shade val="50000"/>
+            </a:schemeClr>
+          </a:lnRef>
+          <a:fillRef idx="1">
+            <a:schemeClr val="accent1"/>
+          </a:fillRef>
+          <a:effectRef idx="0">
+            <a:schemeClr val="accent1"/>
+          </a:effectRef>
+          <a:fontRef idx="minor">
+            <a:schemeClr val="lt1"/>
+          </a:fontRef>
+        </p:style>
+        <p:txBody>
+          <a:bodyPr rtlCol="0" anchor="ctr"/>
+          <a:lstStyle/>
+          <a:p>
+            <a:pPr algn="ctr"/>
+            <a:endParaRPr lang="en-US"/>
+          </a:p>
+        </p:txBody>
+      </p:sp>
+      <p:sp>
+        <p:nvSpPr>
+          <p:cNvPr id="141" name="Rectangle 140">
+            <a:extLst>
+              <a:ext uri="{FF2B5EF4-FFF2-40B4-BE49-F238E27FC236}">
+                <a16:creationId xmlns:a16="http://schemas.microsoft.com/office/drawing/2014/main" id="{06D370DD-716B-4528-B475-331F84CEA5A1}"/>
+              </a:ext>
+              <a:ext uri="{C183D7F6-B498-43B3-948B-1728B52AA6E4}">
+                <adec:decorative xmlns:adec="http://schemas.microsoft.com/office/drawing/2017/decorative" val="1"/>
+              </a:ext>
+            </a:extLst>
+          </p:cNvPr>
+          <p:cNvSpPr>
+            <a:spLocks noGrp="1" noRot="1" noChangeAspect="1" noMove="1" noResize="1" noEditPoints="1" noAdjustHandles="1" noChangeArrowheads="1" noChangeShapeType="1" noTextEdit="1"/>
+          </p:cNvSpPr>
+          <p:nvPr>
+            <p:extLst>
+              <p:ext uri="{386F3935-93C4-4BCD-93E2-E3B085C9AB24}">
+                <p16:designElem xmlns:p16="http://schemas.microsoft.com/office/powerpoint/2015/main" val="1"/>
+              </p:ext>
+            </p:extLst>
+          </p:nvPr>
+        </p:nvSpPr>
+        <p:spPr>
+          <a:xfrm>
+            <a:off x="5139514" y="758953"/>
+            <a:ext cx="7052486" cy="5330952"/>
+          </a:xfrm>
+          <a:prstGeom prst="rect">
+            <a:avLst/>
+          </a:prstGeom>
+          <a:solidFill>
+            <a:schemeClr val="accent1"/>
+          </a:solidFill>
+          <a:ln>
+            <a:noFill/>
+          </a:ln>
+        </p:spPr>
+        <p:style>
+          <a:lnRef idx="2">
+            <a:schemeClr val="accent1">
+              <a:shade val="50000"/>
+            </a:schemeClr>
+          </a:lnRef>
+          <a:fillRef idx="1">
+            <a:schemeClr val="accent1"/>
+          </a:fillRef>
+          <a:effectRef idx="0">
+            <a:schemeClr val="accent1"/>
+          </a:effectRef>
+          <a:fontRef idx="minor">
+            <a:schemeClr val="lt1"/>
+          </a:fontRef>
+        </p:style>
+      </p:sp>
+      <p:sp>
+        <p:nvSpPr>
           <p:cNvPr id="6" name="CustomShape 2">
             <a:extLst>
               <a:ext uri="{FF2B5EF4-FFF2-40B4-BE49-F238E27FC236}">
@@ -5472,16 +5737,12 @@
         </p:nvSpPr>
         <p:spPr>
           <a:xfrm>
-            <a:off x="465900" y="542670"/>
-            <a:ext cx="7881120" cy="757440"/>
+            <a:off x="5451642" y="1123837"/>
+            <a:ext cx="6451110" cy="1255469"/>
           </a:xfrm>
           <a:prstGeom prst="rect">
             <a:avLst/>
           </a:prstGeom>
-          <a:noFill/>
-          <a:ln>
-            <a:noFill/>
-          </a:ln>
         </p:spPr>
         <p:style>
           <a:lnRef idx="0">
@@ -5496,23 +5757,26 @@
           <a:fontRef idx="minor"/>
         </p:style>
         <p:txBody>
-          <a:bodyPr lIns="90000" tIns="45000" rIns="90000" bIns="45000" anchor="ctr">
+          <a:bodyPr vert="horz" lIns="91440" tIns="45720" rIns="91440" bIns="45720" rtlCol="0" anchor="ctr">
             <a:normAutofit/>
           </a:bodyPr>
           <a:lstStyle/>
           <a:p>
-            <a:pPr algn="ctr">
+            <a:pPr defTabSz="914400">
               <a:lnSpc>
                 <a:spcPct val="90000"/>
               </a:lnSpc>
+              <a:spcBef>
+                <a:spcPct val="0"/>
+              </a:spcBef>
+              <a:spcAft>
+                <a:spcPts val="600"/>
+              </a:spcAft>
             </a:pPr>
             <a:r>
-              <a:rPr lang="ru-RU" sz="3700" b="1" spc="-100" dirty="0">
-                <a:solidFill>
-                  <a:schemeClr val="accent4">
-                    <a:lumMod val="60000"/>
-                    <a:lumOff val="40000"/>
-                  </a:schemeClr>
+              <a:rPr lang="en-US" sz="3600" b="1" spc="-60">
+                <a:solidFill>
+                  <a:srgbClr val="FFFFFF"/>
                 </a:solidFill>
                 <a:latin typeface="+mj-lt"/>
                 <a:ea typeface="+mj-ea"/>
@@ -5522,6 +5786,63 @@
             </a:r>
           </a:p>
         </p:txBody>
+      </p:sp>
+      <p:sp>
+        <p:nvSpPr>
+          <p:cNvPr id="143" name="Rectangle 142">
+            <a:extLst>
+              <a:ext uri="{FF2B5EF4-FFF2-40B4-BE49-F238E27FC236}">
+                <a16:creationId xmlns:a16="http://schemas.microsoft.com/office/drawing/2014/main" id="{E79D076F-656A-4CD9-83AD-AF8F4B28CA49}"/>
+              </a:ext>
+              <a:ext uri="{C183D7F6-B498-43B3-948B-1728B52AA6E4}">
+                <adec:decorative xmlns:adec="http://schemas.microsoft.com/office/drawing/2017/decorative" val="1"/>
+              </a:ext>
+            </a:extLst>
+          </p:cNvPr>
+          <p:cNvSpPr>
+            <a:spLocks noGrp="1" noRot="1" noChangeAspect="1" noMove="1" noResize="1" noEditPoints="1" noAdjustHandles="1" noChangeArrowheads="1" noChangeShapeType="1" noTextEdit="1"/>
+          </p:cNvSpPr>
+          <p:nvPr>
+            <p:extLst>
+              <p:ext uri="{386F3935-93C4-4BCD-93E2-E3B085C9AB24}">
+                <p16:designElem xmlns:p16="http://schemas.microsoft.com/office/powerpoint/2015/main" val="1"/>
+              </p:ext>
+            </p:extLst>
+          </p:nvPr>
+        </p:nvSpPr>
+        <p:spPr>
+          <a:xfrm>
+            <a:off x="-7912" y="758952"/>
+            <a:ext cx="384048" cy="5330952"/>
+          </a:xfrm>
+          <a:prstGeom prst="rect">
+            <a:avLst/>
+          </a:prstGeom>
+          <a:solidFill>
+            <a:srgbClr val="C8C8C8">
+              <a:alpha val="49804"/>
+            </a:srgbClr>
+          </a:solidFill>
+          <a:ln>
+            <a:noFill/>
+          </a:ln>
+        </p:spPr>
+        <p:style>
+          <a:lnRef idx="2">
+            <a:schemeClr val="accent1">
+              <a:shade val="50000"/>
+            </a:schemeClr>
+          </a:lnRef>
+          <a:fillRef idx="1">
+            <a:schemeClr val="accent1"/>
+          </a:fillRef>
+          <a:effectRef idx="0">
+            <a:schemeClr val="accent1"/>
+          </a:effectRef>
+          <a:fontRef idx="minor">
+            <a:schemeClr val="lt1"/>
+          </a:fontRef>
+        </p:style>
       </p:sp>
       <p:pic>
         <p:nvPicPr>
@@ -5537,7 +5858,7 @@
           </p:cNvPicPr>
           <p:nvPr/>
         </p:nvPicPr>
-        <p:blipFill>
+        <p:blipFill rotWithShape="1">
           <a:blip r:embed="rId2">
             <a:extLst>
               <a:ext uri="{28A0092B-C50C-407E-A947-70E740481C1C}">
@@ -5545,15 +5866,13 @@
               </a:ext>
             </a:extLst>
           </a:blip>
-          <a:srcRect/>
-          <a:stretch>
-            <a:fillRect/>
-          </a:stretch>
+          <a:srcRect b="597"/>
+          <a:stretch/>
         </p:blipFill>
         <p:spPr bwMode="auto">
           <a:xfrm>
-            <a:off x="357542" y="1217055"/>
-            <a:ext cx="6765748" cy="4663110"/>
+            <a:off x="580730" y="1751571"/>
+            <a:ext cx="4354191" cy="2986454"/>
           </a:xfrm>
           <a:prstGeom prst="rect">
             <a:avLst/>
@@ -5584,261 +5903,243 @@
         </p:nvSpPr>
         <p:spPr>
           <a:xfrm>
-            <a:off x="7405511" y="1080017"/>
-            <a:ext cx="4144737" cy="2793072"/>
+            <a:off x="5451644" y="2510395"/>
+            <a:ext cx="6451109" cy="3274586"/>
           </a:xfrm>
           <a:prstGeom prst="rect">
             <a:avLst/>
           </a:prstGeom>
-          <a:noFill/>
         </p:spPr>
         <p:txBody>
-          <a:bodyPr wrap="square">
-            <a:spAutoFit/>
+          <a:bodyPr vert="horz" lIns="91440" tIns="45720" rIns="91440" bIns="45720" rtlCol="0" anchor="t">
+            <a:normAutofit/>
           </a:bodyPr>
           <a:lstStyle/>
           <a:p>
-            <a:r>
-              <a:rPr lang="ru-RU" sz="1800" b="0" strike="noStrike" spc="-1" dirty="0" err="1">
-                <a:solidFill>
-                  <a:srgbClr val="000000"/>
-                </a:solidFill>
-                <a:latin typeface="Calibri Light"/>
-                <a:ea typeface="Consolas"/>
-              </a:rPr>
-              <a:t>int</a:t>
-            </a:r>
-            <a:r>
-              <a:rPr lang="ru-RU" sz="1800" b="0" strike="noStrike" spc="-1" dirty="0">
-                <a:solidFill>
-                  <a:srgbClr val="000000"/>
-                </a:solidFill>
-                <a:latin typeface="Calibri Light"/>
-                <a:ea typeface="Consolas"/>
-              </a:rPr>
-              <a:t>[]</a:t>
-            </a:r>
-            <a:r>
-              <a:rPr lang="en-US" sz="1800" b="0" strike="noStrike" spc="-1" dirty="0">
-                <a:solidFill>
-                  <a:srgbClr val="000000"/>
-                </a:solidFill>
-                <a:latin typeface="Calibri Light"/>
-                <a:ea typeface="Consolas"/>
-              </a:rPr>
-              <a:t>[]</a:t>
-            </a:r>
-            <a:r>
-              <a:rPr lang="ru-RU" sz="1800" b="0" strike="noStrike" spc="-1" dirty="0">
-                <a:solidFill>
-                  <a:srgbClr val="000000"/>
-                </a:solidFill>
-                <a:latin typeface="Calibri Light"/>
-                <a:ea typeface="Consolas"/>
-              </a:rPr>
-              <a:t> </a:t>
-            </a:r>
-            <a:r>
-              <a:rPr lang="ru-RU" sz="1800" b="0" strike="noStrike" spc="-1" dirty="0" err="1">
-                <a:solidFill>
-                  <a:srgbClr val="000000"/>
-                </a:solidFill>
-                <a:latin typeface="Calibri Light"/>
-                <a:ea typeface="Consolas"/>
-              </a:rPr>
-              <a:t>array</a:t>
-            </a:r>
-            <a:r>
-              <a:rPr lang="ru-RU" sz="1800" b="0" strike="noStrike" spc="-1" dirty="0">
-                <a:solidFill>
-                  <a:srgbClr val="000000"/>
-                </a:solidFill>
-                <a:latin typeface="Calibri Light"/>
-                <a:ea typeface="Consolas"/>
-              </a:rPr>
-              <a:t> = </a:t>
-            </a:r>
-            <a:r>
-              <a:rPr lang="ru-RU" sz="1800" b="0" strike="noStrike" spc="-1" dirty="0" err="1">
-                <a:solidFill>
-                  <a:srgbClr val="000000"/>
-                </a:solidFill>
-                <a:latin typeface="Calibri Light"/>
-                <a:ea typeface="Consolas"/>
-              </a:rPr>
-              <a:t>new</a:t>
-            </a:r>
-            <a:r>
-              <a:rPr lang="ru-RU" sz="1800" b="0" strike="noStrike" spc="-1" dirty="0">
-                <a:solidFill>
-                  <a:srgbClr val="000000"/>
-                </a:solidFill>
-                <a:latin typeface="Calibri Light"/>
-                <a:ea typeface="Consolas"/>
-              </a:rPr>
-              <a:t> </a:t>
-            </a:r>
-            <a:r>
-              <a:rPr lang="ru-RU" sz="1800" b="0" strike="noStrike" spc="-1" dirty="0" err="1">
-                <a:solidFill>
-                  <a:srgbClr val="000000"/>
-                </a:solidFill>
-                <a:latin typeface="Calibri Light"/>
-                <a:ea typeface="Consolas"/>
-              </a:rPr>
-              <a:t>int</a:t>
-            </a:r>
-            <a:r>
-              <a:rPr lang="ru-RU" sz="1800" b="0" strike="noStrike" spc="-1" dirty="0">
-                <a:solidFill>
-                  <a:srgbClr val="000000"/>
-                </a:solidFill>
-                <a:latin typeface="Calibri Light"/>
-                <a:ea typeface="Consolas"/>
-              </a:rPr>
-              <a:t>[</a:t>
-            </a:r>
-            <a:r>
-              <a:rPr lang="en-US" sz="1800" b="0" strike="noStrike" spc="-1" dirty="0">
-                <a:solidFill>
-                  <a:srgbClr val="000000"/>
-                </a:solidFill>
-                <a:latin typeface="Calibri Light"/>
-                <a:ea typeface="Consolas"/>
-              </a:rPr>
-              <a:t>3][</a:t>
-            </a:r>
-            <a:r>
-              <a:rPr lang="en-US" spc="-1" dirty="0">
-                <a:solidFill>
-                  <a:srgbClr val="000000"/>
-                </a:solidFill>
-                <a:latin typeface="Calibri Light"/>
-                <a:ea typeface="Consolas"/>
+            <a:pPr indent="-182880" defTabSz="914400">
+              <a:lnSpc>
+                <a:spcPct val="90000"/>
+              </a:lnSpc>
+              <a:spcAft>
+                <a:spcPts val="600"/>
+              </a:spcAft>
+              <a:buClr>
+                <a:schemeClr val="accent1"/>
+              </a:buClr>
+              <a:buFont typeface="Wingdings 2" pitchFamily="18" charset="2"/>
+              <a:buChar char=""/>
+            </a:pPr>
+            <a:r>
+              <a:rPr lang="en-US" sz="2400" b="0" strike="noStrike" spc="-1" dirty="0">
+                <a:solidFill>
+                  <a:srgbClr val="FFFFFF"/>
+                </a:solidFill>
+                <a:latin typeface="Arial" panose="020B0604020202020204" pitchFamily="34" charset="0"/>
+                <a:cs typeface="Arial" panose="020B0604020202020204" pitchFamily="34" charset="0"/>
+              </a:rPr>
+              <a:t>int[][] array = new int[3][</a:t>
+            </a:r>
+            <a:r>
+              <a:rPr lang="en-US" sz="2400" spc="-1" dirty="0">
+                <a:solidFill>
+                  <a:srgbClr val="FFFFFF"/>
+                </a:solidFill>
+                <a:latin typeface="Arial" panose="020B0604020202020204" pitchFamily="34" charset="0"/>
+                <a:cs typeface="Arial" panose="020B0604020202020204" pitchFamily="34" charset="0"/>
               </a:rPr>
               <a:t>4</a:t>
             </a:r>
             <a:r>
-              <a:rPr lang="ru-RU" sz="1800" b="0" strike="noStrike" spc="-1" dirty="0">
-                <a:solidFill>
-                  <a:srgbClr val="000000"/>
-                </a:solidFill>
-                <a:latin typeface="Calibri Light"/>
-                <a:ea typeface="Consolas"/>
+              <a:rPr lang="en-US" sz="2400" b="0" strike="noStrike" spc="-1" dirty="0">
+                <a:solidFill>
+                  <a:srgbClr val="FFFFFF"/>
+                </a:solidFill>
+                <a:latin typeface="Arial" panose="020B0604020202020204" pitchFamily="34" charset="0"/>
+                <a:cs typeface="Arial" panose="020B0604020202020204" pitchFamily="34" charset="0"/>
               </a:rPr>
               <a:t>];</a:t>
             </a:r>
-            <a:endParaRPr lang="en-US" sz="1800" b="0" strike="noStrike" spc="-1" dirty="0">
+          </a:p>
+          <a:p>
+            <a:pPr indent="-182880" defTabSz="914400">
+              <a:lnSpc>
+                <a:spcPct val="90000"/>
+              </a:lnSpc>
+              <a:spcAft>
+                <a:spcPts val="600"/>
+              </a:spcAft>
+              <a:buClr>
+                <a:schemeClr val="accent1"/>
+              </a:buClr>
+              <a:buFont typeface="Wingdings 2" pitchFamily="18" charset="2"/>
+              <a:buChar char=""/>
+            </a:pPr>
+            <a:endParaRPr lang="en-US" sz="2400" b="0" strike="noStrike" spc="-1" dirty="0">
               <a:solidFill>
-                <a:srgbClr val="000000"/>
+                <a:srgbClr val="FFFFFF"/>
               </a:solidFill>
-              <a:latin typeface="Calibri Light"/>
-              <a:ea typeface="Consolas"/>
+              <a:latin typeface="Arial" panose="020B0604020202020204" pitchFamily="34" charset="0"/>
+              <a:cs typeface="Arial" panose="020B0604020202020204" pitchFamily="34" charset="0"/>
             </a:endParaRPr>
           </a:p>
           <a:p>
-            <a:endParaRPr lang="en-US" sz="1800" b="0" strike="noStrike" spc="-1" dirty="0">
+            <a:pPr indent="-182880" defTabSz="914400">
+              <a:lnSpc>
+                <a:spcPct val="90000"/>
+              </a:lnSpc>
+              <a:spcAft>
+                <a:spcPts val="600"/>
+              </a:spcAft>
+              <a:buClr>
+                <a:schemeClr val="accent1"/>
+              </a:buClr>
+              <a:buFont typeface="Wingdings 2" pitchFamily="18" charset="2"/>
+              <a:buChar char=""/>
+            </a:pPr>
+            <a:r>
+              <a:rPr lang="en-US" sz="2400" spc="-1" dirty="0">
+                <a:solidFill>
+                  <a:srgbClr val="FFFFFF"/>
+                </a:solidFill>
+                <a:latin typeface="Arial" panose="020B0604020202020204" pitchFamily="34" charset="0"/>
+                <a:cs typeface="Arial" panose="020B0604020202020204" pitchFamily="34" charset="0"/>
+              </a:rPr>
+              <a:t>int[] a = new int[] { 0, 1, 2, 3, 4, 5 };</a:t>
+            </a:r>
+          </a:p>
+          <a:p>
+            <a:pPr indent="-182880" defTabSz="914400">
+              <a:lnSpc>
+                <a:spcPct val="90000"/>
+              </a:lnSpc>
+              <a:spcAft>
+                <a:spcPts val="600"/>
+              </a:spcAft>
+              <a:buClr>
+                <a:schemeClr val="accent1"/>
+              </a:buClr>
+              <a:buFont typeface="Wingdings 2" pitchFamily="18" charset="2"/>
+              <a:buChar char=""/>
+            </a:pPr>
+            <a:r>
+              <a:rPr lang="en-US" sz="2400" spc="-1" dirty="0">
+                <a:solidFill>
+                  <a:srgbClr val="FFFFFF"/>
+                </a:solidFill>
+                <a:latin typeface="Arial" panose="020B0604020202020204" pitchFamily="34" charset="0"/>
+                <a:cs typeface="Arial" panose="020B0604020202020204" pitchFamily="34" charset="0"/>
+              </a:rPr>
+              <a:t>int[][] a = { { 0, 1, 2 }, { 3, 4, 5 } };</a:t>
+            </a:r>
+          </a:p>
+          <a:p>
+            <a:pPr indent="-182880" defTabSz="914400">
+              <a:lnSpc>
+                <a:spcPct val="90000"/>
+              </a:lnSpc>
+              <a:spcAft>
+                <a:spcPts val="600"/>
+              </a:spcAft>
+              <a:buClr>
+                <a:schemeClr val="accent1"/>
+              </a:buClr>
+              <a:buFont typeface="Wingdings 2" pitchFamily="18" charset="2"/>
+              <a:buChar char=""/>
+            </a:pPr>
+            <a:endParaRPr lang="en-US" sz="2400" spc="-1" dirty="0">
               <a:solidFill>
-                <a:srgbClr val="000000"/>
+                <a:srgbClr val="FFFFFF"/>
               </a:solidFill>
-              <a:latin typeface="Calibri Light"/>
+              <a:latin typeface="Arial" panose="020B0604020202020204" pitchFamily="34" charset="0"/>
+              <a:cs typeface="Arial" panose="020B0604020202020204" pitchFamily="34" charset="0"/>
             </a:endParaRPr>
           </a:p>
           <a:p>
-            <a:pPr>
+            <a:pPr indent="-182880" defTabSz="914400">
               <a:lnSpc>
-                <a:spcPct val="115000"/>
+                <a:spcPct val="90000"/>
               </a:lnSpc>
+              <a:spcAft>
+                <a:spcPts val="600"/>
+              </a:spcAft>
+              <a:buClr>
+                <a:schemeClr val="accent1"/>
+              </a:buClr>
+              <a:buFont typeface="Wingdings 2" pitchFamily="18" charset="2"/>
+              <a:buChar char=""/>
             </a:pPr>
-            <a:r>
-              <a:rPr lang="en-US" spc="-1" dirty="0">
-                <a:solidFill>
-                  <a:srgbClr val="000000"/>
-                </a:solidFill>
-                <a:latin typeface="Calibri Light"/>
-              </a:rPr>
-              <a:t>int[] a = new int[] { 0, 1, 2, 3, 4, 5 };</a:t>
-            </a:r>
-            <a:endParaRPr lang="ru-RU" spc="-1" dirty="0">
+            <a:endParaRPr lang="en-US" sz="2400" spc="-1" dirty="0">
               <a:solidFill>
-                <a:srgbClr val="000000"/>
+                <a:srgbClr val="FFFFFF"/>
               </a:solidFill>
-              <a:latin typeface="Calibri Light"/>
+              <a:latin typeface="Arial" panose="020B0604020202020204" pitchFamily="34" charset="0"/>
+              <a:cs typeface="Arial" panose="020B0604020202020204" pitchFamily="34" charset="0"/>
             </a:endParaRPr>
           </a:p>
           <a:p>
-            <a:pPr>
+            <a:pPr indent="-182880" defTabSz="914400">
               <a:lnSpc>
-                <a:spcPct val="115000"/>
+                <a:spcPct val="90000"/>
               </a:lnSpc>
+              <a:spcAft>
+                <a:spcPts val="600"/>
+              </a:spcAft>
+              <a:buClr>
+                <a:schemeClr val="accent1"/>
+              </a:buClr>
+              <a:buFont typeface="Wingdings 2" pitchFamily="18" charset="2"/>
+              <a:buChar char=""/>
             </a:pPr>
-            <a:r>
-              <a:rPr lang="en-US" spc="-1" dirty="0">
-                <a:solidFill>
-                  <a:srgbClr val="000000"/>
-                </a:solidFill>
-                <a:latin typeface="Calibri Light"/>
-              </a:rPr>
-              <a:t>int[][] a = { { 0, 1, 2 }, { 3, 4, 5 } };</a:t>
-            </a:r>
-            <a:endParaRPr lang="ru-RU" spc="-1" dirty="0">
+            <a:endParaRPr lang="en-US" sz="2400" spc="-1" dirty="0">
               <a:solidFill>
-                <a:srgbClr val="000000"/>
+                <a:srgbClr val="FFFFFF"/>
               </a:solidFill>
-              <a:latin typeface="Calibri Light"/>
+              <a:latin typeface="Arial" panose="020B0604020202020204" pitchFamily="34" charset="0"/>
+              <a:cs typeface="Arial" panose="020B0604020202020204" pitchFamily="34" charset="0"/>
             </a:endParaRPr>
           </a:p>
           <a:p>
-            <a:pPr>
+            <a:pPr indent="-182880" defTabSz="914400">
               <a:lnSpc>
-                <a:spcPct val="115000"/>
+                <a:spcPct val="90000"/>
               </a:lnSpc>
+              <a:spcAft>
+                <a:spcPts val="600"/>
+              </a:spcAft>
+              <a:buClr>
+                <a:schemeClr val="accent1"/>
+              </a:buClr>
+              <a:buFont typeface="Wingdings 2" pitchFamily="18" charset="2"/>
+              <a:buChar char=""/>
             </a:pPr>
-            <a:endParaRPr lang="ru-RU" spc="-1" dirty="0">
+            <a:endParaRPr lang="en-US" sz="2400" b="0" strike="noStrike" spc="-1" dirty="0">
               <a:solidFill>
-                <a:srgbClr val="000000"/>
+                <a:srgbClr val="FFFFFF"/>
               </a:solidFill>
-              <a:latin typeface="Calibri Light"/>
+              <a:latin typeface="Arial" panose="020B0604020202020204" pitchFamily="34" charset="0"/>
+              <a:cs typeface="Arial" panose="020B0604020202020204" pitchFamily="34" charset="0"/>
             </a:endParaRPr>
           </a:p>
           <a:p>
-            <a:pPr>
+            <a:pPr indent="-182880" defTabSz="914400">
               <a:lnSpc>
-                <a:spcPct val="115000"/>
+                <a:spcPct val="90000"/>
               </a:lnSpc>
+              <a:spcAft>
+                <a:spcPts val="600"/>
+              </a:spcAft>
+              <a:buClr>
+                <a:schemeClr val="accent1"/>
+              </a:buClr>
+              <a:buFont typeface="Wingdings 2" pitchFamily="18" charset="2"/>
+              <a:buChar char=""/>
             </a:pPr>
-            <a:endParaRPr lang="ru-RU" spc="-1" dirty="0">
+            <a:endParaRPr lang="en-US" sz="2400" b="0" strike="noStrike" spc="-1" dirty="0">
               <a:solidFill>
-                <a:srgbClr val="000000"/>
+                <a:srgbClr val="FFFFFF"/>
               </a:solidFill>
-              <a:latin typeface="Calibri Light"/>
-            </a:endParaRPr>
-          </a:p>
-          <a:p>
-            <a:pPr>
-              <a:lnSpc>
-                <a:spcPct val="115000"/>
-              </a:lnSpc>
-            </a:pPr>
-            <a:endParaRPr lang="ru-RU" spc="-1" dirty="0">
-              <a:solidFill>
-                <a:srgbClr val="000000"/>
-              </a:solidFill>
-              <a:latin typeface="Calibri Light"/>
-            </a:endParaRPr>
-          </a:p>
-          <a:p>
-            <a:endParaRPr lang="ru-RU" sz="1800" b="0" strike="noStrike" spc="-1" dirty="0">
-              <a:latin typeface="Calibri Light"/>
-            </a:endParaRPr>
-          </a:p>
-          <a:p>
-            <a:endParaRPr lang="ru-RU" sz="1800" b="0" strike="noStrike" spc="-1" dirty="0">
-              <a:solidFill>
-                <a:srgbClr val="000000"/>
-              </a:solidFill>
-              <a:latin typeface="Calibri Light"/>
-              <a:ea typeface="Consolas"/>
+              <a:latin typeface="Arial" panose="020B0604020202020204" pitchFamily="34" charset="0"/>
+              <a:cs typeface="Arial" panose="020B0604020202020204" pitchFamily="34" charset="0"/>
             </a:endParaRPr>
           </a:p>
         </p:txBody>
@@ -5883,6 +6184,233 @@
       </p:grpSpPr>
       <p:sp>
         <p:nvSpPr>
+          <p:cNvPr id="19" name="Rectangle 18">
+            <a:extLst>
+              <a:ext uri="{FF2B5EF4-FFF2-40B4-BE49-F238E27FC236}">
+                <a16:creationId xmlns:a16="http://schemas.microsoft.com/office/drawing/2014/main" id="{4F645BF8-7885-4398-80BC-4C0DF24F5CEE}"/>
+              </a:ext>
+              <a:ext uri="{C183D7F6-B498-43B3-948B-1728B52AA6E4}">
+                <adec:decorative xmlns:adec="http://schemas.microsoft.com/office/drawing/2017/decorative" val="1"/>
+              </a:ext>
+            </a:extLst>
+          </p:cNvPr>
+          <p:cNvSpPr>
+            <a:spLocks noGrp="1" noRot="1" noChangeAspect="1" noMove="1" noResize="1" noEditPoints="1" noAdjustHandles="1" noChangeArrowheads="1" noChangeShapeType="1" noTextEdit="1"/>
+          </p:cNvSpPr>
+          <p:nvPr>
+            <p:extLst>
+              <p:ext uri="{386F3935-93C4-4BCD-93E2-E3B085C9AB24}">
+                <p16:designElem xmlns:p16="http://schemas.microsoft.com/office/powerpoint/2015/main" val="1"/>
+              </p:ext>
+            </p:extLst>
+          </p:nvPr>
+        </p:nvSpPr>
+        <p:spPr>
+          <a:xfrm>
+            <a:off x="1" y="758952"/>
+            <a:ext cx="3443590" cy="5330952"/>
+          </a:xfrm>
+          <a:prstGeom prst="rect">
+            <a:avLst/>
+          </a:prstGeom>
+          <a:solidFill>
+            <a:schemeClr val="accent1"/>
+          </a:solidFill>
+          <a:ln>
+            <a:noFill/>
+          </a:ln>
+        </p:spPr>
+        <p:style>
+          <a:lnRef idx="2">
+            <a:schemeClr val="accent1">
+              <a:shade val="50000"/>
+            </a:schemeClr>
+          </a:lnRef>
+          <a:fillRef idx="1">
+            <a:schemeClr val="accent1"/>
+          </a:fillRef>
+          <a:effectRef idx="0">
+            <a:schemeClr val="accent1"/>
+          </a:effectRef>
+          <a:fontRef idx="minor">
+            <a:schemeClr val="lt1"/>
+          </a:fontRef>
+        </p:style>
+      </p:sp>
+      <p:sp>
+        <p:nvSpPr>
+          <p:cNvPr id="21" name="Rectangle 20">
+            <a:extLst>
+              <a:ext uri="{FF2B5EF4-FFF2-40B4-BE49-F238E27FC236}">
+                <a16:creationId xmlns:a16="http://schemas.microsoft.com/office/drawing/2014/main" id="{3212FB65-CD2B-4005-B910-132DCE19FCC7}"/>
+              </a:ext>
+              <a:ext uri="{C183D7F6-B498-43B3-948B-1728B52AA6E4}">
+                <adec:decorative xmlns:adec="http://schemas.microsoft.com/office/drawing/2017/decorative" val="1"/>
+              </a:ext>
+            </a:extLst>
+          </p:cNvPr>
+          <p:cNvSpPr>
+            <a:spLocks noGrp="1" noRot="1" noChangeAspect="1" noMove="1" noResize="1" noEditPoints="1" noAdjustHandles="1" noChangeArrowheads="1" noChangeShapeType="1" noTextEdit="1"/>
+          </p:cNvSpPr>
+          <p:nvPr>
+            <p:extLst>
+              <p:ext uri="{386F3935-93C4-4BCD-93E2-E3B085C9AB24}">
+                <p16:designElem xmlns:p16="http://schemas.microsoft.com/office/powerpoint/2015/main" val="1"/>
+              </p:ext>
+            </p:extLst>
+          </p:nvPr>
+        </p:nvSpPr>
+        <p:spPr>
+          <a:xfrm>
+            <a:off x="11815864" y="758952"/>
+            <a:ext cx="384048" cy="5330952"/>
+          </a:xfrm>
+          <a:prstGeom prst="rect">
+            <a:avLst/>
+          </a:prstGeom>
+          <a:solidFill>
+            <a:srgbClr val="C8C8C8">
+              <a:alpha val="49804"/>
+            </a:srgbClr>
+          </a:solidFill>
+          <a:ln>
+            <a:noFill/>
+          </a:ln>
+        </p:spPr>
+        <p:style>
+          <a:lnRef idx="2">
+            <a:schemeClr val="accent1">
+              <a:shade val="50000"/>
+            </a:schemeClr>
+          </a:lnRef>
+          <a:fillRef idx="1">
+            <a:schemeClr val="accent1"/>
+          </a:fillRef>
+          <a:effectRef idx="0">
+            <a:schemeClr val="accent1"/>
+          </a:effectRef>
+          <a:fontRef idx="minor">
+            <a:schemeClr val="lt1"/>
+          </a:fontRef>
+        </p:style>
+      </p:sp>
+      <p:sp useBgFill="1">
+        <p:nvSpPr>
+          <p:cNvPr id="23" name="Rectangle 22">
+            <a:extLst>
+              <a:ext uri="{FF2B5EF4-FFF2-40B4-BE49-F238E27FC236}">
+                <a16:creationId xmlns:a16="http://schemas.microsoft.com/office/drawing/2014/main" id="{EE9F5D7F-1BBC-4096-ADA7-AA9C9E4D2868}"/>
+              </a:ext>
+              <a:ext uri="{C183D7F6-B498-43B3-948B-1728B52AA6E4}">
+                <adec:decorative xmlns:adec="http://schemas.microsoft.com/office/drawing/2017/decorative" val="1"/>
+              </a:ext>
+            </a:extLst>
+          </p:cNvPr>
+          <p:cNvSpPr>
+            <a:spLocks noGrp="1" noRot="1" noChangeAspect="1" noMove="1" noResize="1" noEditPoints="1" noAdjustHandles="1" noChangeArrowheads="1" noChangeShapeType="1" noTextEdit="1"/>
+          </p:cNvSpPr>
+          <p:nvPr>
+            <p:extLst>
+              <p:ext uri="{386F3935-93C4-4BCD-93E2-E3B085C9AB24}">
+                <p16:designElem xmlns:p16="http://schemas.microsoft.com/office/powerpoint/2015/main" val="1"/>
+              </p:ext>
+            </p:extLst>
+          </p:nvPr>
+        </p:nvSpPr>
+        <p:spPr>
+          <a:xfrm>
+            <a:off x="0" y="0"/>
+            <a:ext cx="12192000" cy="6858000"/>
+          </a:xfrm>
+          <a:prstGeom prst="rect">
+            <a:avLst/>
+          </a:prstGeom>
+          <a:ln>
+            <a:noFill/>
+          </a:ln>
+        </p:spPr>
+        <p:style>
+          <a:lnRef idx="2">
+            <a:schemeClr val="accent1">
+              <a:shade val="50000"/>
+            </a:schemeClr>
+          </a:lnRef>
+          <a:fillRef idx="1">
+            <a:schemeClr val="accent1"/>
+          </a:fillRef>
+          <a:effectRef idx="0">
+            <a:schemeClr val="accent1"/>
+          </a:effectRef>
+          <a:fontRef idx="minor">
+            <a:schemeClr val="lt1"/>
+          </a:fontRef>
+        </p:style>
+        <p:txBody>
+          <a:bodyPr rtlCol="0" anchor="ctr"/>
+          <a:lstStyle/>
+          <a:p>
+            <a:pPr algn="ctr"/>
+            <a:endParaRPr lang="en-US"/>
+          </a:p>
+        </p:txBody>
+      </p:sp>
+      <p:sp>
+        <p:nvSpPr>
+          <p:cNvPr id="25" name="Rectangle 24">
+            <a:extLst>
+              <a:ext uri="{FF2B5EF4-FFF2-40B4-BE49-F238E27FC236}">
+                <a16:creationId xmlns:a16="http://schemas.microsoft.com/office/drawing/2014/main" id="{06D370DD-716B-4528-B475-331F84CEA5A1}"/>
+              </a:ext>
+              <a:ext uri="{C183D7F6-B498-43B3-948B-1728B52AA6E4}">
+                <adec:decorative xmlns:adec="http://schemas.microsoft.com/office/drawing/2017/decorative" val="1"/>
+              </a:ext>
+            </a:extLst>
+          </p:cNvPr>
+          <p:cNvSpPr>
+            <a:spLocks noGrp="1" noRot="1" noChangeAspect="1" noMove="1" noResize="1" noEditPoints="1" noAdjustHandles="1" noChangeArrowheads="1" noChangeShapeType="1" noTextEdit="1"/>
+          </p:cNvSpPr>
+          <p:nvPr>
+            <p:extLst>
+              <p:ext uri="{386F3935-93C4-4BCD-93E2-E3B085C9AB24}">
+                <p16:designElem xmlns:p16="http://schemas.microsoft.com/office/powerpoint/2015/main" val="1"/>
+              </p:ext>
+            </p:extLst>
+          </p:nvPr>
+        </p:nvSpPr>
+        <p:spPr>
+          <a:xfrm>
+            <a:off x="5139514" y="758953"/>
+            <a:ext cx="7052486" cy="5330952"/>
+          </a:xfrm>
+          <a:prstGeom prst="rect">
+            <a:avLst/>
+          </a:prstGeom>
+          <a:solidFill>
+            <a:schemeClr val="accent1"/>
+          </a:solidFill>
+          <a:ln>
+            <a:noFill/>
+          </a:ln>
+        </p:spPr>
+        <p:style>
+          <a:lnRef idx="2">
+            <a:schemeClr val="accent1">
+              <a:shade val="50000"/>
+            </a:schemeClr>
+          </a:lnRef>
+          <a:fillRef idx="1">
+            <a:schemeClr val="accent1"/>
+          </a:fillRef>
+          <a:effectRef idx="0">
+            <a:schemeClr val="accent1"/>
+          </a:effectRef>
+          <a:fontRef idx="minor">
+            <a:schemeClr val="lt1"/>
+          </a:fontRef>
+        </p:style>
+      </p:sp>
+      <p:sp>
+        <p:nvSpPr>
           <p:cNvPr id="6" name="CustomShape 2">
             <a:extLst>
               <a:ext uri="{FF2B5EF4-FFF2-40B4-BE49-F238E27FC236}">
@@ -5895,16 +6423,12 @@
         </p:nvSpPr>
         <p:spPr>
           <a:xfrm>
-            <a:off x="488478" y="720658"/>
-            <a:ext cx="7881120" cy="757440"/>
+            <a:off x="5522854" y="748898"/>
+            <a:ext cx="6451110" cy="1255469"/>
           </a:xfrm>
           <a:prstGeom prst="rect">
             <a:avLst/>
           </a:prstGeom>
-          <a:noFill/>
-          <a:ln>
-            <a:noFill/>
-          </a:ln>
         </p:spPr>
         <p:style>
           <a:lnRef idx="0">
@@ -5919,508 +6443,144 @@
           <a:fontRef idx="minor"/>
         </p:style>
         <p:txBody>
-          <a:bodyPr lIns="90000" tIns="45000" rIns="90000" bIns="45000" anchor="ctr">
+          <a:bodyPr vert="horz" lIns="91440" tIns="45720" rIns="91440" bIns="45720" rtlCol="0" anchor="ctr">
             <a:normAutofit/>
           </a:bodyPr>
           <a:lstStyle/>
           <a:p>
-            <a:pPr algn="ctr">
+            <a:pPr defTabSz="914400">
               <a:lnSpc>
                 <a:spcPct val="90000"/>
               </a:lnSpc>
+              <a:spcBef>
+                <a:spcPct val="0"/>
+              </a:spcBef>
+              <a:spcAft>
+                <a:spcPts val="600"/>
+              </a:spcAft>
             </a:pPr>
             <a:r>
-              <a:rPr lang="ru-RU" sz="3700" b="1" spc="-100" dirty="0">
-                <a:solidFill>
-                  <a:schemeClr val="accent4">
-                    <a:lumMod val="60000"/>
-                    <a:lumOff val="40000"/>
-                  </a:schemeClr>
+              <a:rPr lang="en-US" sz="3600" b="1" spc="-60" dirty="0" err="1">
+                <a:solidFill>
+                  <a:srgbClr val="FFFFFF"/>
                 </a:solidFill>
                 <a:latin typeface="+mj-lt"/>
                 <a:ea typeface="+mj-ea"/>
                 <a:cs typeface="+mj-cs"/>
               </a:rPr>
-              <a:t>Неровны	й двумерный массив</a:t>
-            </a:r>
+              <a:t>Неровны</a:t>
+            </a:r>
+            <a:r>
+              <a:rPr lang="en-US" sz="3600" b="1" spc="-60" dirty="0">
+                <a:solidFill>
+                  <a:srgbClr val="FFFFFF"/>
+                </a:solidFill>
+                <a:latin typeface="+mj-lt"/>
+                <a:ea typeface="+mj-ea"/>
+                <a:cs typeface="+mj-cs"/>
+              </a:rPr>
+              <a:t>	й </a:t>
+            </a:r>
+            <a:r>
+              <a:rPr lang="en-US" sz="3600" b="1" spc="-60" dirty="0" err="1">
+                <a:solidFill>
+                  <a:srgbClr val="FFFFFF"/>
+                </a:solidFill>
+                <a:latin typeface="+mj-lt"/>
+                <a:ea typeface="+mj-ea"/>
+                <a:cs typeface="+mj-cs"/>
+              </a:rPr>
+              <a:t>двумерный</a:t>
+            </a:r>
+            <a:r>
+              <a:rPr lang="en-US" sz="3600" b="1" spc="-60" dirty="0">
+                <a:solidFill>
+                  <a:srgbClr val="FFFFFF"/>
+                </a:solidFill>
+                <a:latin typeface="+mj-lt"/>
+                <a:ea typeface="+mj-ea"/>
+                <a:cs typeface="+mj-cs"/>
+              </a:rPr>
+              <a:t> </a:t>
+            </a:r>
+            <a:r>
+              <a:rPr lang="en-US" sz="3600" b="1" spc="-60" dirty="0" err="1">
+                <a:solidFill>
+                  <a:srgbClr val="FFFFFF"/>
+                </a:solidFill>
+                <a:latin typeface="+mj-lt"/>
+                <a:ea typeface="+mj-ea"/>
+                <a:cs typeface="+mj-cs"/>
+              </a:rPr>
+              <a:t>массив</a:t>
+            </a:r>
+            <a:endParaRPr lang="en-US" sz="3600" b="1" spc="-60" dirty="0">
+              <a:solidFill>
+                <a:srgbClr val="FFFFFF"/>
+              </a:solidFill>
+              <a:latin typeface="+mj-lt"/>
+              <a:ea typeface="+mj-ea"/>
+              <a:cs typeface="+mj-cs"/>
+            </a:endParaRPr>
           </a:p>
         </p:txBody>
       </p:sp>
       <p:sp>
         <p:nvSpPr>
-          <p:cNvPr id="14" name="TextBox 13">
+          <p:cNvPr id="27" name="Rectangle 26">
             <a:extLst>
               <a:ext uri="{FF2B5EF4-FFF2-40B4-BE49-F238E27FC236}">
-                <a16:creationId xmlns:a16="http://schemas.microsoft.com/office/drawing/2014/main" id="{54A264F2-C0DF-4DB4-8EFE-DA1B1AE9F017}"/>
+                <a16:creationId xmlns:a16="http://schemas.microsoft.com/office/drawing/2014/main" id="{E79D076F-656A-4CD9-83AD-AF8F4B28CA49}"/>
+              </a:ext>
+              <a:ext uri="{C183D7F6-B498-43B3-948B-1728B52AA6E4}">
+                <adec:decorative xmlns:adec="http://schemas.microsoft.com/office/drawing/2017/decorative" val="1"/>
               </a:ext>
             </a:extLst>
           </p:cNvPr>
-          <p:cNvSpPr txBox="1"/>
-          <p:nvPr/>
+          <p:cNvSpPr>
+            <a:spLocks noGrp="1" noRot="1" noChangeAspect="1" noMove="1" noResize="1" noEditPoints="1" noAdjustHandles="1" noChangeArrowheads="1" noChangeShapeType="1" noTextEdit="1"/>
+          </p:cNvSpPr>
+          <p:nvPr>
+            <p:extLst>
+              <p:ext uri="{386F3935-93C4-4BCD-93E2-E3B085C9AB24}">
+                <p16:designElem xmlns:p16="http://schemas.microsoft.com/office/powerpoint/2015/main" val="1"/>
+              </p:ext>
+            </p:extLst>
+          </p:nvPr>
         </p:nvSpPr>
         <p:spPr>
           <a:xfrm>
-            <a:off x="6897511" y="1825083"/>
-            <a:ext cx="4144737" cy="3554819"/>
+            <a:off x="-7912" y="758952"/>
+            <a:ext cx="384048" cy="5330952"/>
           </a:xfrm>
           <a:prstGeom prst="rect">
             <a:avLst/>
           </a:prstGeom>
-          <a:noFill/>
+          <a:solidFill>
+            <a:srgbClr val="C8C8C8">
+              <a:alpha val="49804"/>
+            </a:srgbClr>
+          </a:solidFill>
+          <a:ln>
+            <a:noFill/>
+          </a:ln>
         </p:spPr>
-        <p:txBody>
-          <a:bodyPr wrap="square">
-            <a:spAutoFit/>
-          </a:bodyPr>
-          <a:lstStyle/>
-          <a:p>
-            <a:pPr>
-              <a:lnSpc>
-                <a:spcPct val="115000"/>
-              </a:lnSpc>
-            </a:pPr>
-            <a:r>
-              <a:rPr lang="en-US" spc="-1" dirty="0">
-                <a:solidFill>
-                  <a:srgbClr val="000000"/>
-                </a:solidFill>
-                <a:latin typeface="Calibri Light"/>
-              </a:rPr>
-              <a:t>int[][] a = { { 0, 1 }, { </a:t>
-            </a:r>
-            <a:r>
-              <a:rPr lang="ru-RU" spc="-1" dirty="0">
-                <a:solidFill>
-                  <a:srgbClr val="000000"/>
-                </a:solidFill>
-                <a:latin typeface="Calibri Light"/>
-              </a:rPr>
-              <a:t>2, </a:t>
-            </a:r>
-            <a:r>
-              <a:rPr lang="en-US" spc="-1" dirty="0">
-                <a:solidFill>
-                  <a:srgbClr val="000000"/>
-                </a:solidFill>
-                <a:latin typeface="Calibri Light"/>
-              </a:rPr>
-              <a:t>3, 4</a:t>
-            </a:r>
-            <a:r>
-              <a:rPr lang="ru-RU" spc="-1" dirty="0">
-                <a:solidFill>
-                  <a:srgbClr val="000000"/>
-                </a:solidFill>
-                <a:latin typeface="Calibri Light"/>
-              </a:rPr>
-              <a:t>, 5</a:t>
-            </a:r>
-            <a:r>
-              <a:rPr lang="en-US" spc="-1" dirty="0">
-                <a:solidFill>
-                  <a:srgbClr val="000000"/>
-                </a:solidFill>
-                <a:latin typeface="Calibri Light"/>
-              </a:rPr>
-              <a:t> }, {6}, {7, 8, 9}, {10, 11, 12, 13, 14, 15} };</a:t>
-            </a:r>
-          </a:p>
-          <a:p>
-            <a:pPr>
-              <a:lnSpc>
-                <a:spcPct val="115000"/>
-              </a:lnSpc>
-            </a:pPr>
-            <a:endParaRPr lang="en-US" spc="-1" dirty="0">
-              <a:solidFill>
-                <a:srgbClr val="000000"/>
-              </a:solidFill>
-              <a:latin typeface="Calibri Light"/>
-            </a:endParaRPr>
-          </a:p>
-          <a:p>
-            <a:pPr>
-              <a:lnSpc>
-                <a:spcPct val="115000"/>
-              </a:lnSpc>
-            </a:pPr>
-            <a:endParaRPr lang="en-US" spc="-1" dirty="0">
-              <a:solidFill>
-                <a:srgbClr val="000000"/>
-              </a:solidFill>
-              <a:latin typeface="Calibri Light"/>
-            </a:endParaRPr>
-          </a:p>
-          <a:p>
-            <a:pPr>
-              <a:lnSpc>
-                <a:spcPct val="115000"/>
-              </a:lnSpc>
-            </a:pPr>
-            <a:r>
-              <a:rPr lang="en-US" b="0" i="0" dirty="0">
-                <a:solidFill>
-                  <a:srgbClr val="383A42"/>
-                </a:solidFill>
-                <a:effectLst/>
-                <a:latin typeface="SFMono-Regular"/>
-              </a:rPr>
-              <a:t>int[][] a1 = new int[</a:t>
-            </a:r>
-            <a:r>
-              <a:rPr lang="en-US" b="0" i="0" dirty="0">
-                <a:solidFill>
-                  <a:srgbClr val="50A14F"/>
-                </a:solidFill>
-                <a:effectLst/>
-                <a:latin typeface="SFMono-Regular"/>
-              </a:rPr>
-              <a:t>5</a:t>
-            </a:r>
-            <a:r>
-              <a:rPr lang="en-US" b="0" i="0" dirty="0">
-                <a:solidFill>
-                  <a:srgbClr val="383A42"/>
-                </a:solidFill>
-                <a:effectLst/>
-                <a:latin typeface="SFMono-Regular"/>
-              </a:rPr>
-              <a:t>][];</a:t>
-            </a:r>
-          </a:p>
-          <a:p>
-            <a:pPr>
-              <a:lnSpc>
-                <a:spcPct val="115000"/>
-              </a:lnSpc>
-            </a:pPr>
-            <a:r>
-              <a:rPr lang="en-US" b="0" i="0" dirty="0">
-                <a:solidFill>
-                  <a:srgbClr val="383A42"/>
-                </a:solidFill>
-                <a:effectLst/>
-                <a:latin typeface="SFMono-Regular"/>
-              </a:rPr>
-              <a:t>a1[</a:t>
-            </a:r>
-            <a:r>
-              <a:rPr lang="en-US" dirty="0">
-                <a:solidFill>
-                  <a:srgbClr val="383A42"/>
-                </a:solidFill>
-                <a:latin typeface="SFMono-Regular"/>
-              </a:rPr>
-              <a:t>0</a:t>
-            </a:r>
-            <a:r>
-              <a:rPr lang="en-US" b="0" i="0" dirty="0">
-                <a:solidFill>
-                  <a:srgbClr val="383A42"/>
-                </a:solidFill>
-                <a:effectLst/>
-                <a:latin typeface="SFMono-Regular"/>
-              </a:rPr>
-              <a:t>] = </a:t>
-            </a:r>
-            <a:r>
-              <a:rPr lang="en-US" b="0" i="0" dirty="0">
-                <a:solidFill>
-                  <a:srgbClr val="A626A4"/>
-                </a:solidFill>
-                <a:effectLst/>
-                <a:latin typeface="SFMono-Regular"/>
-              </a:rPr>
-              <a:t>new</a:t>
-            </a:r>
-            <a:r>
-              <a:rPr lang="en-US" b="0" i="0" dirty="0">
-                <a:solidFill>
-                  <a:srgbClr val="383A42"/>
-                </a:solidFill>
-                <a:effectLst/>
-                <a:latin typeface="SFMono-Regular"/>
-              </a:rPr>
-              <a:t> </a:t>
-            </a:r>
-            <a:r>
-              <a:rPr lang="en-US" b="0" i="0" dirty="0">
-                <a:solidFill>
-                  <a:srgbClr val="A626A4"/>
-                </a:solidFill>
-                <a:effectLst/>
-                <a:latin typeface="SFMono-Regular"/>
-              </a:rPr>
-              <a:t>int</a:t>
-            </a:r>
-            <a:r>
-              <a:rPr lang="en-US" b="0" i="0" dirty="0">
-                <a:solidFill>
-                  <a:srgbClr val="383A42"/>
-                </a:solidFill>
-                <a:effectLst/>
-                <a:latin typeface="SFMono-Regular"/>
-              </a:rPr>
-              <a:t>[2];</a:t>
-            </a:r>
-          </a:p>
-          <a:p>
-            <a:pPr>
-              <a:lnSpc>
-                <a:spcPct val="115000"/>
-              </a:lnSpc>
-            </a:pPr>
-            <a:r>
-              <a:rPr lang="en-US" b="0" i="0" dirty="0">
-                <a:solidFill>
-                  <a:srgbClr val="383A42"/>
-                </a:solidFill>
-                <a:effectLst/>
-                <a:latin typeface="SFMono-Regular"/>
-              </a:rPr>
-              <a:t>a1[</a:t>
-            </a:r>
-            <a:r>
-              <a:rPr lang="en-US" dirty="0">
-                <a:solidFill>
-                  <a:srgbClr val="383A42"/>
-                </a:solidFill>
-                <a:latin typeface="SFMono-Regular"/>
-              </a:rPr>
-              <a:t>1</a:t>
-            </a:r>
-            <a:r>
-              <a:rPr lang="en-US" b="0" i="0" dirty="0">
-                <a:solidFill>
-                  <a:srgbClr val="383A42"/>
-                </a:solidFill>
-                <a:effectLst/>
-                <a:latin typeface="SFMono-Regular"/>
-              </a:rPr>
-              <a:t>] = </a:t>
-            </a:r>
-            <a:r>
-              <a:rPr lang="en-US" b="0" i="0" dirty="0">
-                <a:solidFill>
-                  <a:srgbClr val="A626A4"/>
-                </a:solidFill>
-                <a:effectLst/>
-                <a:latin typeface="SFMono-Regular"/>
-              </a:rPr>
-              <a:t>new</a:t>
-            </a:r>
-            <a:r>
-              <a:rPr lang="en-US" b="0" i="0" dirty="0">
-                <a:solidFill>
-                  <a:srgbClr val="383A42"/>
-                </a:solidFill>
-                <a:effectLst/>
-                <a:latin typeface="SFMono-Regular"/>
-              </a:rPr>
-              <a:t> </a:t>
-            </a:r>
-            <a:r>
-              <a:rPr lang="en-US" b="0" i="0" dirty="0">
-                <a:solidFill>
-                  <a:srgbClr val="A626A4"/>
-                </a:solidFill>
-                <a:effectLst/>
-                <a:latin typeface="SFMono-Regular"/>
-              </a:rPr>
-              <a:t>int</a:t>
-            </a:r>
-            <a:r>
-              <a:rPr lang="en-US" b="0" i="0" dirty="0">
-                <a:solidFill>
-                  <a:srgbClr val="383A42"/>
-                </a:solidFill>
-                <a:effectLst/>
-                <a:latin typeface="SFMono-Regular"/>
-              </a:rPr>
-              <a:t>[4];</a:t>
-            </a:r>
-          </a:p>
-          <a:p>
-            <a:pPr>
-              <a:lnSpc>
-                <a:spcPct val="115000"/>
-              </a:lnSpc>
-            </a:pPr>
-            <a:r>
-              <a:rPr lang="en-US" b="0" i="0" dirty="0">
-                <a:solidFill>
-                  <a:srgbClr val="383A42"/>
-                </a:solidFill>
-                <a:effectLst/>
-                <a:latin typeface="SFMono-Regular"/>
-              </a:rPr>
-              <a:t>a1[2] = </a:t>
-            </a:r>
-            <a:r>
-              <a:rPr lang="en-US" b="0" i="0" dirty="0">
-                <a:solidFill>
-                  <a:srgbClr val="A626A4"/>
-                </a:solidFill>
-                <a:effectLst/>
-                <a:latin typeface="SFMono-Regular"/>
-              </a:rPr>
-              <a:t>new</a:t>
-            </a:r>
-            <a:r>
-              <a:rPr lang="en-US" b="0" i="0" dirty="0">
-                <a:solidFill>
-                  <a:srgbClr val="383A42"/>
-                </a:solidFill>
-                <a:effectLst/>
-                <a:latin typeface="SFMono-Regular"/>
-              </a:rPr>
-              <a:t> </a:t>
-            </a:r>
-            <a:r>
-              <a:rPr lang="en-US" b="0" i="0" dirty="0">
-                <a:solidFill>
-                  <a:srgbClr val="A626A4"/>
-                </a:solidFill>
-                <a:effectLst/>
-                <a:latin typeface="SFMono-Regular"/>
-              </a:rPr>
-              <a:t>int</a:t>
-            </a:r>
-            <a:r>
-              <a:rPr lang="en-US" b="0" i="0" dirty="0">
-                <a:solidFill>
-                  <a:srgbClr val="383A42"/>
-                </a:solidFill>
-                <a:effectLst/>
-                <a:latin typeface="SFMono-Regular"/>
-              </a:rPr>
-              <a:t>[1];</a:t>
-            </a:r>
-          </a:p>
-          <a:p>
-            <a:pPr>
-              <a:lnSpc>
-                <a:spcPct val="115000"/>
-              </a:lnSpc>
-            </a:pPr>
-            <a:r>
-              <a:rPr lang="en-US" b="0" i="0" dirty="0">
-                <a:solidFill>
-                  <a:srgbClr val="383A42"/>
-                </a:solidFill>
-                <a:effectLst/>
-                <a:latin typeface="SFMono-Regular"/>
-              </a:rPr>
-              <a:t>a1[3] = </a:t>
-            </a:r>
-            <a:r>
-              <a:rPr lang="en-US" b="0" i="0" dirty="0">
-                <a:solidFill>
-                  <a:srgbClr val="A626A4"/>
-                </a:solidFill>
-                <a:effectLst/>
-                <a:latin typeface="SFMono-Regular"/>
-              </a:rPr>
-              <a:t>new</a:t>
-            </a:r>
-            <a:r>
-              <a:rPr lang="en-US" b="0" i="0" dirty="0">
-                <a:solidFill>
-                  <a:srgbClr val="383A42"/>
-                </a:solidFill>
-                <a:effectLst/>
-                <a:latin typeface="SFMono-Regular"/>
-              </a:rPr>
-              <a:t> </a:t>
-            </a:r>
-            <a:r>
-              <a:rPr lang="en-US" b="0" i="0" dirty="0">
-                <a:solidFill>
-                  <a:srgbClr val="A626A4"/>
-                </a:solidFill>
-                <a:effectLst/>
-                <a:latin typeface="SFMono-Regular"/>
-              </a:rPr>
-              <a:t>int</a:t>
-            </a:r>
-            <a:r>
-              <a:rPr lang="en-US" b="0" i="0" dirty="0">
-                <a:solidFill>
-                  <a:srgbClr val="383A42"/>
-                </a:solidFill>
-                <a:effectLst/>
-                <a:latin typeface="SFMono-Regular"/>
-              </a:rPr>
-              <a:t>[3];</a:t>
-            </a:r>
-          </a:p>
-          <a:p>
-            <a:pPr>
-              <a:lnSpc>
-                <a:spcPct val="115000"/>
-              </a:lnSpc>
-            </a:pPr>
-            <a:r>
-              <a:rPr lang="en-US" b="0" i="0" dirty="0">
-                <a:solidFill>
-                  <a:srgbClr val="383A42"/>
-                </a:solidFill>
-                <a:effectLst/>
-                <a:latin typeface="SFMono-Regular"/>
-              </a:rPr>
-              <a:t>a1[4] = </a:t>
-            </a:r>
-            <a:r>
-              <a:rPr lang="en-US" b="0" i="0" dirty="0">
-                <a:solidFill>
-                  <a:srgbClr val="A626A4"/>
-                </a:solidFill>
-                <a:effectLst/>
-                <a:latin typeface="SFMono-Regular"/>
-              </a:rPr>
-              <a:t>new</a:t>
-            </a:r>
-            <a:r>
-              <a:rPr lang="en-US" b="0" i="0" dirty="0">
-                <a:solidFill>
-                  <a:srgbClr val="383A42"/>
-                </a:solidFill>
-                <a:effectLst/>
-                <a:latin typeface="SFMono-Regular"/>
-              </a:rPr>
-              <a:t> </a:t>
-            </a:r>
-            <a:r>
-              <a:rPr lang="en-US" b="0" i="0" dirty="0">
-                <a:solidFill>
-                  <a:srgbClr val="A626A4"/>
-                </a:solidFill>
-                <a:effectLst/>
-                <a:latin typeface="SFMono-Regular"/>
-              </a:rPr>
-              <a:t>int</a:t>
-            </a:r>
-            <a:r>
-              <a:rPr lang="en-US" b="0" i="0" dirty="0">
-                <a:solidFill>
-                  <a:srgbClr val="383A42"/>
-                </a:solidFill>
-                <a:effectLst/>
-                <a:latin typeface="SFMono-Regular"/>
-              </a:rPr>
-              <a:t>[6];</a:t>
-            </a:r>
-          </a:p>
-          <a:p>
-            <a:endParaRPr lang="ru-RU" sz="1800" b="0" strike="noStrike" spc="-1" dirty="0">
-              <a:solidFill>
-                <a:srgbClr val="000000"/>
-              </a:solidFill>
-              <a:latin typeface="Calibri Light"/>
-              <a:ea typeface="Consolas"/>
-            </a:endParaRPr>
-          </a:p>
-        </p:txBody>
+        <p:style>
+          <a:lnRef idx="2">
+            <a:schemeClr val="accent1">
+              <a:shade val="50000"/>
+            </a:schemeClr>
+          </a:lnRef>
+          <a:fillRef idx="1">
+            <a:schemeClr val="accent1"/>
+          </a:fillRef>
+          <a:effectRef idx="0">
+            <a:schemeClr val="accent1"/>
+          </a:effectRef>
+          <a:fontRef idx="minor">
+            <a:schemeClr val="lt1"/>
+          </a:fontRef>
+        </p:style>
       </p:sp>
       <p:pic>
         <p:nvPicPr>
@@ -6444,14 +6604,465 @@
         </p:blipFill>
         <p:spPr>
           <a:xfrm>
-            <a:off x="279485" y="1572346"/>
-            <a:ext cx="6132603" cy="3980928"/>
+            <a:off x="860771" y="2196335"/>
+            <a:ext cx="3778286" cy="2455886"/>
           </a:xfrm>
           <a:prstGeom prst="rect">
             <a:avLst/>
           </a:prstGeom>
         </p:spPr>
       </p:pic>
+      <p:sp>
+        <p:nvSpPr>
+          <p:cNvPr id="14" name="TextBox 13">
+            <a:extLst>
+              <a:ext uri="{FF2B5EF4-FFF2-40B4-BE49-F238E27FC236}">
+                <a16:creationId xmlns:a16="http://schemas.microsoft.com/office/drawing/2014/main" id="{54A264F2-C0DF-4DB4-8EFE-DA1B1AE9F017}"/>
+              </a:ext>
+            </a:extLst>
+          </p:cNvPr>
+          <p:cNvSpPr txBox="1"/>
+          <p:nvPr/>
+        </p:nvSpPr>
+        <p:spPr>
+          <a:xfrm>
+            <a:off x="5272589" y="2388303"/>
+            <a:ext cx="3607780" cy="2993761"/>
+          </a:xfrm>
+          <a:prstGeom prst="rect">
+            <a:avLst/>
+          </a:prstGeom>
+        </p:spPr>
+        <p:txBody>
+          <a:bodyPr vert="horz" lIns="91440" tIns="45720" rIns="91440" bIns="45720" rtlCol="0" anchor="t">
+            <a:noAutofit/>
+          </a:bodyPr>
+          <a:lstStyle/>
+          <a:p>
+            <a:pPr defTabSz="914400">
+              <a:lnSpc>
+                <a:spcPct val="90000"/>
+              </a:lnSpc>
+              <a:spcAft>
+                <a:spcPts val="600"/>
+              </a:spcAft>
+              <a:buClr>
+                <a:schemeClr val="accent1"/>
+              </a:buClr>
+            </a:pPr>
+            <a:r>
+              <a:rPr lang="en-US" sz="2400" spc="-1" dirty="0">
+                <a:solidFill>
+                  <a:srgbClr val="FFFFFF"/>
+                </a:solidFill>
+                <a:latin typeface="Arial" panose="020B0604020202020204" pitchFamily="34" charset="0"/>
+                <a:cs typeface="Arial" panose="020B0604020202020204" pitchFamily="34" charset="0"/>
+              </a:rPr>
+              <a:t>int[][] a = { </a:t>
+            </a:r>
+          </a:p>
+          <a:p>
+            <a:pPr defTabSz="914400">
+              <a:lnSpc>
+                <a:spcPct val="90000"/>
+              </a:lnSpc>
+              <a:spcAft>
+                <a:spcPts val="600"/>
+              </a:spcAft>
+              <a:buClr>
+                <a:schemeClr val="accent1"/>
+              </a:buClr>
+            </a:pPr>
+            <a:r>
+              <a:rPr lang="en-US" sz="2400" spc="-1" dirty="0">
+                <a:solidFill>
+                  <a:srgbClr val="FFFFFF"/>
+                </a:solidFill>
+                <a:latin typeface="Arial" panose="020B0604020202020204" pitchFamily="34" charset="0"/>
+                <a:cs typeface="Arial" panose="020B0604020202020204" pitchFamily="34" charset="0"/>
+              </a:rPr>
+              <a:t>{ 0, 1 },</a:t>
+            </a:r>
+          </a:p>
+          <a:p>
+            <a:pPr defTabSz="914400">
+              <a:lnSpc>
+                <a:spcPct val="90000"/>
+              </a:lnSpc>
+              <a:spcAft>
+                <a:spcPts val="600"/>
+              </a:spcAft>
+              <a:buClr>
+                <a:schemeClr val="accent1"/>
+              </a:buClr>
+            </a:pPr>
+            <a:r>
+              <a:rPr lang="en-US" sz="2400" spc="-1" dirty="0">
+                <a:solidFill>
+                  <a:srgbClr val="FFFFFF"/>
+                </a:solidFill>
+                <a:latin typeface="Arial" panose="020B0604020202020204" pitchFamily="34" charset="0"/>
+                <a:cs typeface="Arial" panose="020B0604020202020204" pitchFamily="34" charset="0"/>
+              </a:rPr>
+              <a:t>{ 2, 3, 4, 5 },</a:t>
+            </a:r>
+          </a:p>
+          <a:p>
+            <a:pPr defTabSz="914400">
+              <a:lnSpc>
+                <a:spcPct val="90000"/>
+              </a:lnSpc>
+              <a:spcAft>
+                <a:spcPts val="600"/>
+              </a:spcAft>
+              <a:buClr>
+                <a:schemeClr val="accent1"/>
+              </a:buClr>
+            </a:pPr>
+            <a:r>
+              <a:rPr lang="en-US" sz="2400" spc="-1" dirty="0">
+                <a:solidFill>
+                  <a:srgbClr val="FFFFFF"/>
+                </a:solidFill>
+                <a:latin typeface="Arial" panose="020B0604020202020204" pitchFamily="34" charset="0"/>
+                <a:cs typeface="Arial" panose="020B0604020202020204" pitchFamily="34" charset="0"/>
+              </a:rPr>
+              <a:t>{6},</a:t>
+            </a:r>
+          </a:p>
+          <a:p>
+            <a:pPr defTabSz="914400">
+              <a:lnSpc>
+                <a:spcPct val="90000"/>
+              </a:lnSpc>
+              <a:spcAft>
+                <a:spcPts val="600"/>
+              </a:spcAft>
+              <a:buClr>
+                <a:schemeClr val="accent1"/>
+              </a:buClr>
+            </a:pPr>
+            <a:r>
+              <a:rPr lang="en-US" sz="2400" spc="-1" dirty="0">
+                <a:solidFill>
+                  <a:srgbClr val="FFFFFF"/>
+                </a:solidFill>
+                <a:latin typeface="Arial" panose="020B0604020202020204" pitchFamily="34" charset="0"/>
+                <a:cs typeface="Arial" panose="020B0604020202020204" pitchFamily="34" charset="0"/>
+              </a:rPr>
+              <a:t>{7, 8, 9},</a:t>
+            </a:r>
+          </a:p>
+          <a:p>
+            <a:pPr defTabSz="914400">
+              <a:lnSpc>
+                <a:spcPct val="90000"/>
+              </a:lnSpc>
+              <a:spcAft>
+                <a:spcPts val="600"/>
+              </a:spcAft>
+              <a:buClr>
+                <a:schemeClr val="accent1"/>
+              </a:buClr>
+            </a:pPr>
+            <a:r>
+              <a:rPr lang="en-US" sz="2400" spc="-1" dirty="0">
+                <a:solidFill>
+                  <a:srgbClr val="FFFFFF"/>
+                </a:solidFill>
+                <a:latin typeface="Arial" panose="020B0604020202020204" pitchFamily="34" charset="0"/>
+                <a:cs typeface="Arial" panose="020B0604020202020204" pitchFamily="34" charset="0"/>
+              </a:rPr>
+              <a:t>{10, 11, 12, 13, 14, 15}</a:t>
+            </a:r>
+          </a:p>
+          <a:p>
+            <a:pPr defTabSz="914400">
+              <a:lnSpc>
+                <a:spcPct val="90000"/>
+              </a:lnSpc>
+              <a:spcAft>
+                <a:spcPts val="600"/>
+              </a:spcAft>
+              <a:buClr>
+                <a:schemeClr val="accent1"/>
+              </a:buClr>
+            </a:pPr>
+            <a:r>
+              <a:rPr lang="en-US" sz="2400" spc="-1" dirty="0">
+                <a:solidFill>
+                  <a:srgbClr val="FFFFFF"/>
+                </a:solidFill>
+                <a:latin typeface="Arial" panose="020B0604020202020204" pitchFamily="34" charset="0"/>
+                <a:cs typeface="Arial" panose="020B0604020202020204" pitchFamily="34" charset="0"/>
+              </a:rPr>
+              <a:t> };</a:t>
+            </a:r>
+          </a:p>
+          <a:p>
+            <a:pPr defTabSz="914400">
+              <a:lnSpc>
+                <a:spcPct val="90000"/>
+              </a:lnSpc>
+              <a:spcAft>
+                <a:spcPts val="600"/>
+              </a:spcAft>
+              <a:buClr>
+                <a:schemeClr val="accent1"/>
+              </a:buClr>
+            </a:pPr>
+            <a:endParaRPr lang="en-US" sz="2400" spc="-1" dirty="0">
+              <a:solidFill>
+                <a:srgbClr val="FFFFFF"/>
+              </a:solidFill>
+              <a:latin typeface="Arial" panose="020B0604020202020204" pitchFamily="34" charset="0"/>
+              <a:cs typeface="Arial" panose="020B0604020202020204" pitchFamily="34" charset="0"/>
+            </a:endParaRPr>
+          </a:p>
+          <a:p>
+            <a:pPr defTabSz="914400">
+              <a:lnSpc>
+                <a:spcPct val="90000"/>
+              </a:lnSpc>
+              <a:spcAft>
+                <a:spcPts val="600"/>
+              </a:spcAft>
+              <a:buClr>
+                <a:schemeClr val="accent1"/>
+              </a:buClr>
+            </a:pPr>
+            <a:endParaRPr lang="en-US" sz="2400" spc="-1" dirty="0">
+              <a:solidFill>
+                <a:srgbClr val="FFFFFF"/>
+              </a:solidFill>
+              <a:latin typeface="Arial" panose="020B0604020202020204" pitchFamily="34" charset="0"/>
+              <a:cs typeface="Arial" panose="020B0604020202020204" pitchFamily="34" charset="0"/>
+            </a:endParaRPr>
+          </a:p>
+          <a:p>
+            <a:pPr defTabSz="914400">
+              <a:lnSpc>
+                <a:spcPct val="90000"/>
+              </a:lnSpc>
+              <a:spcAft>
+                <a:spcPts val="600"/>
+              </a:spcAft>
+              <a:buClr>
+                <a:schemeClr val="accent1"/>
+              </a:buClr>
+            </a:pPr>
+            <a:endParaRPr lang="en-US" sz="2400" b="0" strike="noStrike" spc="-1" dirty="0">
+              <a:solidFill>
+                <a:srgbClr val="FFFFFF"/>
+              </a:solidFill>
+              <a:latin typeface="Arial" panose="020B0604020202020204" pitchFamily="34" charset="0"/>
+              <a:cs typeface="Arial" panose="020B0604020202020204" pitchFamily="34" charset="0"/>
+            </a:endParaRPr>
+          </a:p>
+        </p:txBody>
+      </p:sp>
+      <p:sp>
+        <p:nvSpPr>
+          <p:cNvPr id="2" name="Прямоугольник 1">
+            <a:extLst>
+              <a:ext uri="{FF2B5EF4-FFF2-40B4-BE49-F238E27FC236}">
+                <a16:creationId xmlns:a16="http://schemas.microsoft.com/office/drawing/2014/main" id="{BD5D1474-437E-4945-A5D7-92952108EA62}"/>
+              </a:ext>
+            </a:extLst>
+          </p:cNvPr>
+          <p:cNvSpPr/>
+          <p:nvPr/>
+        </p:nvSpPr>
+        <p:spPr>
+          <a:xfrm>
+            <a:off x="8946403" y="2554783"/>
+            <a:ext cx="3495826" cy="2471446"/>
+          </a:xfrm>
+          <a:prstGeom prst="rect">
+            <a:avLst/>
+          </a:prstGeom>
+        </p:spPr>
+        <p:txBody>
+          <a:bodyPr wrap="square">
+            <a:spAutoFit/>
+          </a:bodyPr>
+          <a:lstStyle/>
+          <a:p>
+            <a:pPr defTabSz="914400">
+              <a:lnSpc>
+                <a:spcPct val="90000"/>
+              </a:lnSpc>
+              <a:spcAft>
+                <a:spcPts val="600"/>
+              </a:spcAft>
+              <a:buClr>
+                <a:schemeClr val="accent1"/>
+              </a:buClr>
+            </a:pPr>
+            <a:r>
+              <a:rPr lang="en-US" sz="2400" dirty="0">
+                <a:solidFill>
+                  <a:srgbClr val="FFFFFF"/>
+                </a:solidFill>
+                <a:latin typeface="Arial" panose="020B0604020202020204" pitchFamily="34" charset="0"/>
+                <a:cs typeface="Arial" panose="020B0604020202020204" pitchFamily="34" charset="0"/>
+              </a:rPr>
+              <a:t>int[][] a1 = new int[5][];</a:t>
+            </a:r>
+          </a:p>
+          <a:p>
+            <a:pPr defTabSz="914400">
+              <a:lnSpc>
+                <a:spcPct val="90000"/>
+              </a:lnSpc>
+              <a:spcAft>
+                <a:spcPts val="600"/>
+              </a:spcAft>
+              <a:buClr>
+                <a:schemeClr val="accent1"/>
+              </a:buClr>
+            </a:pPr>
+            <a:r>
+              <a:rPr lang="en-US" sz="2400" dirty="0">
+                <a:solidFill>
+                  <a:srgbClr val="FFFFFF"/>
+                </a:solidFill>
+                <a:latin typeface="Arial" panose="020B0604020202020204" pitchFamily="34" charset="0"/>
+                <a:cs typeface="Arial" panose="020B0604020202020204" pitchFamily="34" charset="0"/>
+              </a:rPr>
+              <a:t>a1[0] = new int[2];</a:t>
+            </a:r>
+          </a:p>
+          <a:p>
+            <a:pPr defTabSz="914400">
+              <a:lnSpc>
+                <a:spcPct val="90000"/>
+              </a:lnSpc>
+              <a:spcAft>
+                <a:spcPts val="600"/>
+              </a:spcAft>
+              <a:buClr>
+                <a:schemeClr val="accent1"/>
+              </a:buClr>
+            </a:pPr>
+            <a:r>
+              <a:rPr lang="en-US" sz="2400" dirty="0">
+                <a:solidFill>
+                  <a:srgbClr val="FFFFFF"/>
+                </a:solidFill>
+                <a:latin typeface="Arial" panose="020B0604020202020204" pitchFamily="34" charset="0"/>
+                <a:cs typeface="Arial" panose="020B0604020202020204" pitchFamily="34" charset="0"/>
+              </a:rPr>
+              <a:t>a1[1] = new int[4];</a:t>
+            </a:r>
+          </a:p>
+          <a:p>
+            <a:pPr defTabSz="914400">
+              <a:lnSpc>
+                <a:spcPct val="90000"/>
+              </a:lnSpc>
+              <a:spcAft>
+                <a:spcPts val="600"/>
+              </a:spcAft>
+              <a:buClr>
+                <a:schemeClr val="accent1"/>
+              </a:buClr>
+            </a:pPr>
+            <a:r>
+              <a:rPr lang="en-US" sz="2400" dirty="0">
+                <a:solidFill>
+                  <a:srgbClr val="FFFFFF"/>
+                </a:solidFill>
+                <a:latin typeface="Arial" panose="020B0604020202020204" pitchFamily="34" charset="0"/>
+                <a:cs typeface="Arial" panose="020B0604020202020204" pitchFamily="34" charset="0"/>
+              </a:rPr>
+              <a:t>a1[2] = new int[1];</a:t>
+            </a:r>
+          </a:p>
+          <a:p>
+            <a:pPr defTabSz="914400">
+              <a:lnSpc>
+                <a:spcPct val="90000"/>
+              </a:lnSpc>
+              <a:spcAft>
+                <a:spcPts val="600"/>
+              </a:spcAft>
+              <a:buClr>
+                <a:schemeClr val="accent1"/>
+              </a:buClr>
+            </a:pPr>
+            <a:r>
+              <a:rPr lang="en-US" sz="2400" dirty="0">
+                <a:solidFill>
+                  <a:srgbClr val="FFFFFF"/>
+                </a:solidFill>
+                <a:latin typeface="Arial" panose="020B0604020202020204" pitchFamily="34" charset="0"/>
+                <a:cs typeface="Arial" panose="020B0604020202020204" pitchFamily="34" charset="0"/>
+              </a:rPr>
+              <a:t>a1[3] = new int[3];</a:t>
+            </a:r>
+          </a:p>
+          <a:p>
+            <a:pPr defTabSz="914400">
+              <a:lnSpc>
+                <a:spcPct val="90000"/>
+              </a:lnSpc>
+              <a:spcAft>
+                <a:spcPts val="600"/>
+              </a:spcAft>
+              <a:buClr>
+                <a:schemeClr val="accent1"/>
+              </a:buClr>
+            </a:pPr>
+            <a:r>
+              <a:rPr lang="en-US" sz="2400" dirty="0">
+                <a:solidFill>
+                  <a:srgbClr val="FFFFFF"/>
+                </a:solidFill>
+                <a:latin typeface="Arial" panose="020B0604020202020204" pitchFamily="34" charset="0"/>
+                <a:cs typeface="Arial" panose="020B0604020202020204" pitchFamily="34" charset="0"/>
+              </a:rPr>
+              <a:t>a1[4] = new int[6];</a:t>
+            </a:r>
+          </a:p>
+        </p:txBody>
+      </p:sp>
+      <p:cxnSp>
+        <p:nvCxnSpPr>
+          <p:cNvPr id="4" name="Прямая соединительная линия 3">
+            <a:extLst>
+              <a:ext uri="{FF2B5EF4-FFF2-40B4-BE49-F238E27FC236}">
+                <a16:creationId xmlns:a16="http://schemas.microsoft.com/office/drawing/2014/main" id="{DF73D34C-0ED6-4898-89BC-59EDC4075677}"/>
+              </a:ext>
+            </a:extLst>
+          </p:cNvPr>
+          <p:cNvCxnSpPr/>
+          <p:nvPr/>
+        </p:nvCxnSpPr>
+        <p:spPr>
+          <a:xfrm>
+            <a:off x="8665757" y="2388302"/>
+            <a:ext cx="0" cy="2993761"/>
+          </a:xfrm>
+          <a:prstGeom prst="line">
+            <a:avLst/>
+          </a:prstGeom>
+        </p:spPr>
+        <p:style>
+          <a:lnRef idx="3">
+            <a:schemeClr val="dk1"/>
+          </a:lnRef>
+          <a:fillRef idx="0">
+            <a:schemeClr val="dk1"/>
+          </a:fillRef>
+          <a:effectRef idx="2">
+            <a:schemeClr val="dk1"/>
+          </a:effectRef>
+          <a:fontRef idx="minor">
+            <a:schemeClr val="tx1"/>
+          </a:fontRef>
+        </p:style>
+      </p:cxnSp>
     </p:spTree>
     <p:extLst>
       <p:ext uri="{BB962C8B-B14F-4D97-AF65-F5344CB8AC3E}">
@@ -8052,6 +8663,233 @@
       </p:grpSpPr>
       <p:sp>
         <p:nvSpPr>
+          <p:cNvPr id="73" name="Rectangle 72">
+            <a:extLst>
+              <a:ext uri="{FF2B5EF4-FFF2-40B4-BE49-F238E27FC236}">
+                <a16:creationId xmlns:a16="http://schemas.microsoft.com/office/drawing/2014/main" id="{40DCEEEA-6FE7-4541-9EB2-EF754066EE9B}"/>
+              </a:ext>
+              <a:ext uri="{C183D7F6-B498-43B3-948B-1728B52AA6E4}">
+                <adec:decorative xmlns:adec="http://schemas.microsoft.com/office/drawing/2017/decorative" val="1"/>
+              </a:ext>
+            </a:extLst>
+          </p:cNvPr>
+          <p:cNvSpPr>
+            <a:spLocks noGrp="1" noRot="1" noChangeAspect="1" noMove="1" noResize="1" noEditPoints="1" noAdjustHandles="1" noChangeArrowheads="1" noChangeShapeType="1" noTextEdit="1"/>
+          </p:cNvSpPr>
+          <p:nvPr>
+            <p:extLst>
+              <p:ext uri="{386F3935-93C4-4BCD-93E2-E3B085C9AB24}">
+                <p16:designElem xmlns:p16="http://schemas.microsoft.com/office/powerpoint/2015/main" val="1"/>
+              </p:ext>
+            </p:extLst>
+          </p:nvPr>
+        </p:nvSpPr>
+        <p:spPr>
+          <a:xfrm>
+            <a:off x="1" y="758952"/>
+            <a:ext cx="3443590" cy="5330952"/>
+          </a:xfrm>
+          <a:prstGeom prst="rect">
+            <a:avLst/>
+          </a:prstGeom>
+          <a:solidFill>
+            <a:schemeClr val="accent1"/>
+          </a:solidFill>
+          <a:ln>
+            <a:noFill/>
+          </a:ln>
+        </p:spPr>
+        <p:style>
+          <a:lnRef idx="2">
+            <a:schemeClr val="accent1">
+              <a:shade val="50000"/>
+            </a:schemeClr>
+          </a:lnRef>
+          <a:fillRef idx="1">
+            <a:schemeClr val="accent1"/>
+          </a:fillRef>
+          <a:effectRef idx="0">
+            <a:schemeClr val="accent1"/>
+          </a:effectRef>
+          <a:fontRef idx="minor">
+            <a:schemeClr val="lt1"/>
+          </a:fontRef>
+        </p:style>
+      </p:sp>
+      <p:sp>
+        <p:nvSpPr>
+          <p:cNvPr id="75" name="Rectangle 74">
+            <a:extLst>
+              <a:ext uri="{FF2B5EF4-FFF2-40B4-BE49-F238E27FC236}">
+                <a16:creationId xmlns:a16="http://schemas.microsoft.com/office/drawing/2014/main" id="{03A72D00-0CA4-4A88-86CE-B1FB393C52C2}"/>
+              </a:ext>
+              <a:ext uri="{C183D7F6-B498-43B3-948B-1728B52AA6E4}">
+                <adec:decorative xmlns:adec="http://schemas.microsoft.com/office/drawing/2017/decorative" val="1"/>
+              </a:ext>
+            </a:extLst>
+          </p:cNvPr>
+          <p:cNvSpPr>
+            <a:spLocks noGrp="1" noRot="1" noChangeAspect="1" noMove="1" noResize="1" noEditPoints="1" noAdjustHandles="1" noChangeArrowheads="1" noChangeShapeType="1" noTextEdit="1"/>
+          </p:cNvSpPr>
+          <p:nvPr>
+            <p:extLst>
+              <p:ext uri="{386F3935-93C4-4BCD-93E2-E3B085C9AB24}">
+                <p16:designElem xmlns:p16="http://schemas.microsoft.com/office/powerpoint/2015/main" val="1"/>
+              </p:ext>
+            </p:extLst>
+          </p:nvPr>
+        </p:nvSpPr>
+        <p:spPr>
+          <a:xfrm>
+            <a:off x="11815864" y="758952"/>
+            <a:ext cx="384048" cy="5330952"/>
+          </a:xfrm>
+          <a:prstGeom prst="rect">
+            <a:avLst/>
+          </a:prstGeom>
+          <a:solidFill>
+            <a:srgbClr val="C8C8C8">
+              <a:alpha val="49804"/>
+            </a:srgbClr>
+          </a:solidFill>
+          <a:ln>
+            <a:noFill/>
+          </a:ln>
+        </p:spPr>
+        <p:style>
+          <a:lnRef idx="2">
+            <a:schemeClr val="accent1">
+              <a:shade val="50000"/>
+            </a:schemeClr>
+          </a:lnRef>
+          <a:fillRef idx="1">
+            <a:schemeClr val="accent1"/>
+          </a:fillRef>
+          <a:effectRef idx="0">
+            <a:schemeClr val="accent1"/>
+          </a:effectRef>
+          <a:fontRef idx="minor">
+            <a:schemeClr val="lt1"/>
+          </a:fontRef>
+        </p:style>
+      </p:sp>
+      <p:sp useBgFill="1">
+        <p:nvSpPr>
+          <p:cNvPr id="77" name="Rectangle 76">
+            <a:extLst>
+              <a:ext uri="{FF2B5EF4-FFF2-40B4-BE49-F238E27FC236}">
+                <a16:creationId xmlns:a16="http://schemas.microsoft.com/office/drawing/2014/main" id="{A1DFCBE5-52C1-48A9-89CF-E7D68CCA1620}"/>
+              </a:ext>
+              <a:ext uri="{C183D7F6-B498-43B3-948B-1728B52AA6E4}">
+                <adec:decorative xmlns:adec="http://schemas.microsoft.com/office/drawing/2017/decorative" val="1"/>
+              </a:ext>
+            </a:extLst>
+          </p:cNvPr>
+          <p:cNvSpPr>
+            <a:spLocks noGrp="1" noRot="1" noChangeAspect="1" noMove="1" noResize="1" noEditPoints="1" noAdjustHandles="1" noChangeArrowheads="1" noChangeShapeType="1" noTextEdit="1"/>
+          </p:cNvSpPr>
+          <p:nvPr>
+            <p:extLst>
+              <p:ext uri="{386F3935-93C4-4BCD-93E2-E3B085C9AB24}">
+                <p16:designElem xmlns:p16="http://schemas.microsoft.com/office/powerpoint/2015/main" val="1"/>
+              </p:ext>
+            </p:extLst>
+          </p:nvPr>
+        </p:nvSpPr>
+        <p:spPr>
+          <a:xfrm>
+            <a:off x="0" y="0"/>
+            <a:ext cx="12188952" cy="6858000"/>
+          </a:xfrm>
+          <a:prstGeom prst="rect">
+            <a:avLst/>
+          </a:prstGeom>
+          <a:ln>
+            <a:noFill/>
+          </a:ln>
+        </p:spPr>
+        <p:style>
+          <a:lnRef idx="2">
+            <a:schemeClr val="accent1">
+              <a:shade val="50000"/>
+            </a:schemeClr>
+          </a:lnRef>
+          <a:fillRef idx="1">
+            <a:schemeClr val="accent1"/>
+          </a:fillRef>
+          <a:effectRef idx="0">
+            <a:schemeClr val="accent1"/>
+          </a:effectRef>
+          <a:fontRef idx="minor">
+            <a:schemeClr val="lt1"/>
+          </a:fontRef>
+        </p:style>
+        <p:txBody>
+          <a:bodyPr rtlCol="0" anchor="ctr"/>
+          <a:lstStyle/>
+          <a:p>
+            <a:pPr algn="ctr"/>
+            <a:endParaRPr lang="en-US"/>
+          </a:p>
+        </p:txBody>
+      </p:sp>
+      <p:sp>
+        <p:nvSpPr>
+          <p:cNvPr id="79" name="Rectangle 78">
+            <a:extLst>
+              <a:ext uri="{FF2B5EF4-FFF2-40B4-BE49-F238E27FC236}">
+                <a16:creationId xmlns:a16="http://schemas.microsoft.com/office/drawing/2014/main" id="{EB17C8F6-D357-4254-BBAC-96B01EEBE162}"/>
+              </a:ext>
+              <a:ext uri="{C183D7F6-B498-43B3-948B-1728B52AA6E4}">
+                <adec:decorative xmlns:adec="http://schemas.microsoft.com/office/drawing/2017/decorative" val="1"/>
+              </a:ext>
+            </a:extLst>
+          </p:cNvPr>
+          <p:cNvSpPr>
+            <a:spLocks noGrp="1" noRot="1" noChangeAspect="1" noMove="1" noResize="1" noEditPoints="1" noAdjustHandles="1" noChangeArrowheads="1" noChangeShapeType="1" noTextEdit="1"/>
+          </p:cNvSpPr>
+          <p:nvPr>
+            <p:extLst>
+              <p:ext uri="{386F3935-93C4-4BCD-93E2-E3B085C9AB24}">
+                <p16:designElem xmlns:p16="http://schemas.microsoft.com/office/powerpoint/2015/main" val="1"/>
+              </p:ext>
+            </p:extLst>
+          </p:nvPr>
+        </p:nvSpPr>
+        <p:spPr>
+          <a:xfrm>
+            <a:off x="0" y="3647203"/>
+            <a:ext cx="11707367" cy="2572622"/>
+          </a:xfrm>
+          <a:prstGeom prst="rect">
+            <a:avLst/>
+          </a:prstGeom>
+          <a:solidFill>
+            <a:schemeClr val="accent1"/>
+          </a:solidFill>
+          <a:ln>
+            <a:noFill/>
+          </a:ln>
+        </p:spPr>
+        <p:style>
+          <a:lnRef idx="2">
+            <a:schemeClr val="accent1">
+              <a:shade val="50000"/>
+            </a:schemeClr>
+          </a:lnRef>
+          <a:fillRef idx="1">
+            <a:schemeClr val="accent1"/>
+          </a:fillRef>
+          <a:effectRef idx="0">
+            <a:schemeClr val="accent1"/>
+          </a:effectRef>
+          <a:fontRef idx="minor">
+            <a:schemeClr val="lt1"/>
+          </a:fontRef>
+        </p:style>
+      </p:sp>
+      <p:sp>
+        <p:nvSpPr>
           <p:cNvPr id="6" name="CustomShape 2">
             <a:extLst>
               <a:ext uri="{FF2B5EF4-FFF2-40B4-BE49-F238E27FC236}">
@@ -8064,16 +8902,12 @@
         </p:nvSpPr>
         <p:spPr>
           <a:xfrm>
-            <a:off x="465900" y="542670"/>
-            <a:ext cx="7881120" cy="757440"/>
+            <a:off x="-2023100" y="3638710"/>
+            <a:ext cx="4825480" cy="1883228"/>
           </a:xfrm>
           <a:prstGeom prst="rect">
             <a:avLst/>
           </a:prstGeom>
-          <a:noFill/>
-          <a:ln>
-            <a:noFill/>
-          </a:ln>
         </p:spPr>
         <p:style>
           <a:lnRef idx="0">
@@ -8088,23 +8922,26 @@
           <a:fontRef idx="minor"/>
         </p:style>
         <p:txBody>
-          <a:bodyPr lIns="90000" tIns="45000" rIns="90000" bIns="45000" anchor="ctr">
+          <a:bodyPr vert="horz" lIns="91440" tIns="45720" rIns="91440" bIns="45720" rtlCol="0" anchor="ctr">
             <a:normAutofit/>
           </a:bodyPr>
           <a:lstStyle/>
           <a:p>
-            <a:pPr algn="ctr">
+            <a:pPr algn="r" defTabSz="914400">
               <a:lnSpc>
                 <a:spcPct val="90000"/>
               </a:lnSpc>
+              <a:spcBef>
+                <a:spcPct val="0"/>
+              </a:spcBef>
+              <a:spcAft>
+                <a:spcPts val="600"/>
+              </a:spcAft>
             </a:pPr>
             <a:r>
-              <a:rPr lang="ru-RU" sz="3700" b="1" spc="-100" dirty="0">
-                <a:solidFill>
-                  <a:schemeClr val="accent4">
-                    <a:lumMod val="60000"/>
-                    <a:lumOff val="40000"/>
-                  </a:schemeClr>
+              <a:rPr lang="en-US" sz="4400" b="1" spc="-60" dirty="0" err="1">
+                <a:solidFill>
+                  <a:srgbClr val="FFFFFF"/>
                 </a:solidFill>
                 <a:latin typeface="+mj-lt"/>
                 <a:ea typeface="+mj-ea"/>
@@ -8112,9 +8949,63 @@
               </a:rPr>
               <a:t>Матрица</a:t>
             </a:r>
+            <a:endParaRPr lang="en-US" sz="4400" b="1" spc="-60" dirty="0">
+              <a:solidFill>
+                <a:srgbClr val="FFFFFF"/>
+              </a:solidFill>
+              <a:latin typeface="+mj-lt"/>
+              <a:ea typeface="+mj-ea"/>
+              <a:cs typeface="+mj-cs"/>
+            </a:endParaRPr>
           </a:p>
         </p:txBody>
       </p:sp>
+      <p:pic>
+        <p:nvPicPr>
+          <p:cNvPr id="4100" name="Picture 4" descr="Диагональ">
+            <a:extLst>
+              <a:ext uri="{FF2B5EF4-FFF2-40B4-BE49-F238E27FC236}">
+                <a16:creationId xmlns:a16="http://schemas.microsoft.com/office/drawing/2014/main" id="{E9466D61-A7E8-4D06-9F73-32FA1CE6241E}"/>
+              </a:ext>
+            </a:extLst>
+          </p:cNvPr>
+          <p:cNvPicPr>
+            <a:picLocks noChangeAspect="1" noChangeArrowheads="1"/>
+          </p:cNvPicPr>
+          <p:nvPr/>
+        </p:nvPicPr>
+        <p:blipFill>
+          <a:blip r:embed="rId2">
+            <a:extLst>
+              <a:ext uri="{28A0092B-C50C-407E-A947-70E740481C1C}">
+                <a14:useLocalDpi xmlns:a14="http://schemas.microsoft.com/office/drawing/2010/main" val="0"/>
+              </a:ext>
+            </a:extLst>
+          </a:blip>
+          <a:stretch>
+            <a:fillRect/>
+          </a:stretch>
+        </p:blipFill>
+        <p:spPr bwMode="auto">
+          <a:xfrm>
+            <a:off x="6455167" y="835515"/>
+            <a:ext cx="4789994" cy="2441957"/>
+          </a:xfrm>
+          <a:prstGeom prst="rect">
+            <a:avLst/>
+          </a:prstGeom>
+          <a:noFill/>
+          <a:extLst>
+            <a:ext uri="{909E8E84-426E-40DD-AFC4-6F175D3DCCD1}">
+              <a14:hiddenFill xmlns:a14="http://schemas.microsoft.com/office/drawing/2010/main">
+                <a:solidFill>
+                  <a:srgbClr val="FFFFFF"/>
+                </a:solidFill>
+              </a14:hiddenFill>
+            </a:ext>
+          </a:extLst>
+        </p:spPr>
+      </p:pic>
       <p:pic>
         <p:nvPicPr>
           <p:cNvPr id="4" name="Рисунок 3">
@@ -8130,15 +9021,15 @@
           <p:nvPr/>
         </p:nvPicPr>
         <p:blipFill>
-          <a:blip r:embed="rId2"/>
+          <a:blip r:embed="rId3"/>
           <a:stretch>
             <a:fillRect/>
           </a:stretch>
         </p:blipFill>
         <p:spPr>
           <a:xfrm>
-            <a:off x="280994" y="1154354"/>
-            <a:ext cx="4585745" cy="3442484"/>
+            <a:off x="1357465" y="460518"/>
+            <a:ext cx="3938961" cy="2956949"/>
           </a:xfrm>
           <a:prstGeom prst="rect">
             <a:avLst/>
@@ -8159,13 +9050,634 @@
         </p:nvSpPr>
         <p:spPr>
           <a:xfrm>
-            <a:off x="4955822" y="1397675"/>
-            <a:ext cx="6231466" cy="2031325"/>
+            <a:off x="5500471" y="4025653"/>
+            <a:ext cx="5560573" cy="1883229"/>
           </a:xfrm>
           <a:prstGeom prst="rect">
             <a:avLst/>
           </a:prstGeom>
-          <a:noFill/>
+        </p:spPr>
+        <p:txBody>
+          <a:bodyPr vert="horz" lIns="91440" tIns="45720" rIns="91440" bIns="45720" rtlCol="0" anchor="ctr">
+            <a:noAutofit/>
+          </a:bodyPr>
+          <a:lstStyle/>
+          <a:p>
+            <a:pPr indent="-182880" defTabSz="914400">
+              <a:lnSpc>
+                <a:spcPct val="120000"/>
+              </a:lnSpc>
+              <a:spcAft>
+                <a:spcPts val="600"/>
+              </a:spcAft>
+              <a:buClr>
+                <a:schemeClr val="accent1"/>
+              </a:buClr>
+              <a:buFont typeface="Wingdings 2" pitchFamily="18" charset="2"/>
+              <a:buChar char=""/>
+            </a:pPr>
+            <a:r>
+              <a:rPr lang="en-US" b="0" i="0" dirty="0" err="1">
+                <a:solidFill>
+                  <a:srgbClr val="FFFFFF"/>
+                </a:solidFill>
+                <a:effectLst/>
+              </a:rPr>
+              <a:t>элементы</a:t>
+            </a:r>
+            <a:r>
+              <a:rPr lang="en-US" b="0" i="0" dirty="0">
+                <a:solidFill>
+                  <a:srgbClr val="FFFFFF"/>
+                </a:solidFill>
+                <a:effectLst/>
+              </a:rPr>
+              <a:t> </a:t>
+            </a:r>
+            <a:r>
+              <a:rPr lang="en-US" b="0" i="0" dirty="0" err="1">
+                <a:solidFill>
+                  <a:srgbClr val="FFFFFF"/>
+                </a:solidFill>
+                <a:effectLst/>
+              </a:rPr>
+              <a:t>главной</a:t>
+            </a:r>
+            <a:r>
+              <a:rPr lang="en-US" b="0" i="0" dirty="0">
+                <a:solidFill>
+                  <a:srgbClr val="FFFFFF"/>
+                </a:solidFill>
+                <a:effectLst/>
+              </a:rPr>
+              <a:t> </a:t>
+            </a:r>
+            <a:r>
+              <a:rPr lang="en-US" b="0" i="0" dirty="0" err="1">
+                <a:solidFill>
+                  <a:srgbClr val="FFFFFF"/>
+                </a:solidFill>
+                <a:effectLst/>
+              </a:rPr>
+              <a:t>диагонали</a:t>
+            </a:r>
+            <a:r>
+              <a:rPr lang="en-US" b="0" i="0" dirty="0">
+                <a:solidFill>
+                  <a:srgbClr val="FFFFFF"/>
+                </a:solidFill>
+                <a:effectLst/>
+              </a:rPr>
+              <a:t> (</a:t>
+            </a:r>
+            <a:r>
+              <a:rPr lang="en-US" b="0" i="0" dirty="0" err="1">
+                <a:solidFill>
+                  <a:srgbClr val="FFFFFF"/>
+                </a:solidFill>
+                <a:effectLst/>
+              </a:rPr>
+              <a:t>i</a:t>
+            </a:r>
+            <a:r>
+              <a:rPr lang="en-US" b="0" i="0" dirty="0">
+                <a:solidFill>
+                  <a:srgbClr val="FFFFFF"/>
+                </a:solidFill>
+                <a:effectLst/>
+              </a:rPr>
+              <a:t>=j);</a:t>
+            </a:r>
+          </a:p>
+          <a:p>
+            <a:pPr indent="-182880" defTabSz="914400">
+              <a:lnSpc>
+                <a:spcPct val="120000"/>
+              </a:lnSpc>
+              <a:spcAft>
+                <a:spcPts val="600"/>
+              </a:spcAft>
+              <a:buClr>
+                <a:schemeClr val="accent1"/>
+              </a:buClr>
+              <a:buFont typeface="Wingdings 2" pitchFamily="18" charset="2"/>
+              <a:buChar char=""/>
+            </a:pPr>
+            <a:r>
+              <a:rPr lang="en-US" b="0" i="0" dirty="0" err="1">
+                <a:solidFill>
+                  <a:srgbClr val="FFFFFF"/>
+                </a:solidFill>
+                <a:effectLst/>
+              </a:rPr>
+              <a:t>элементы</a:t>
+            </a:r>
+            <a:r>
+              <a:rPr lang="en-US" b="0" i="0" dirty="0">
+                <a:solidFill>
+                  <a:srgbClr val="FFFFFF"/>
+                </a:solidFill>
+                <a:effectLst/>
+              </a:rPr>
+              <a:t> </a:t>
+            </a:r>
+            <a:r>
+              <a:rPr lang="en-US" b="0" i="0" dirty="0" err="1">
+                <a:solidFill>
+                  <a:srgbClr val="FFFFFF"/>
+                </a:solidFill>
+                <a:effectLst/>
+              </a:rPr>
+              <a:t>побочной</a:t>
+            </a:r>
+            <a:r>
+              <a:rPr lang="en-US" b="0" i="0" dirty="0">
+                <a:solidFill>
+                  <a:srgbClr val="FFFFFF"/>
+                </a:solidFill>
+                <a:effectLst/>
+              </a:rPr>
+              <a:t> </a:t>
+            </a:r>
+            <a:r>
+              <a:rPr lang="en-US" b="0" i="0" dirty="0" err="1">
+                <a:solidFill>
+                  <a:srgbClr val="FFFFFF"/>
+                </a:solidFill>
+                <a:effectLst/>
+              </a:rPr>
+              <a:t>диагонали</a:t>
+            </a:r>
+            <a:r>
+              <a:rPr lang="en-US" b="0" i="0" dirty="0">
+                <a:solidFill>
+                  <a:srgbClr val="FFFFFF"/>
+                </a:solidFill>
+                <a:effectLst/>
+              </a:rPr>
+              <a:t> (</a:t>
+            </a:r>
+            <a:r>
+              <a:rPr lang="en-US" b="0" i="0" dirty="0" err="1">
+                <a:solidFill>
+                  <a:srgbClr val="FFFFFF"/>
+                </a:solidFill>
+                <a:effectLst/>
+              </a:rPr>
+              <a:t>i+j</a:t>
+            </a:r>
+            <a:r>
+              <a:rPr lang="en-US" b="0" i="0" dirty="0">
+                <a:solidFill>
+                  <a:srgbClr val="FFFFFF"/>
+                </a:solidFill>
+                <a:effectLst/>
+              </a:rPr>
+              <a:t>=n−1,;</a:t>
+            </a:r>
+          </a:p>
+          <a:p>
+            <a:pPr indent="-182880" defTabSz="914400">
+              <a:lnSpc>
+                <a:spcPct val="120000"/>
+              </a:lnSpc>
+              <a:spcAft>
+                <a:spcPts val="600"/>
+              </a:spcAft>
+              <a:buClr>
+                <a:schemeClr val="accent1"/>
+              </a:buClr>
+              <a:buFont typeface="Wingdings 2" pitchFamily="18" charset="2"/>
+              <a:buChar char=""/>
+            </a:pPr>
+            <a:r>
+              <a:rPr lang="en-US" b="0" i="0" dirty="0" err="1">
+                <a:solidFill>
+                  <a:srgbClr val="FFFFFF"/>
+                </a:solidFill>
+                <a:effectLst/>
+              </a:rPr>
+              <a:t>элементы</a:t>
+            </a:r>
+            <a:r>
+              <a:rPr lang="en-US" b="0" i="0" dirty="0">
+                <a:solidFill>
+                  <a:srgbClr val="FFFFFF"/>
+                </a:solidFill>
+                <a:effectLst/>
+              </a:rPr>
+              <a:t> </a:t>
+            </a:r>
+            <a:r>
+              <a:rPr lang="en-US" b="0" i="0" dirty="0" err="1">
+                <a:solidFill>
+                  <a:srgbClr val="FFFFFF"/>
+                </a:solidFill>
+                <a:effectLst/>
+              </a:rPr>
+              <a:t>ниже</a:t>
+            </a:r>
+            <a:r>
+              <a:rPr lang="en-US" b="0" i="0" dirty="0">
+                <a:solidFill>
+                  <a:srgbClr val="FFFFFF"/>
+                </a:solidFill>
+                <a:effectLst/>
+              </a:rPr>
+              <a:t> </a:t>
+            </a:r>
+            <a:r>
+              <a:rPr lang="en-US" b="0" i="0" dirty="0" err="1">
+                <a:solidFill>
+                  <a:srgbClr val="FFFFFF"/>
+                </a:solidFill>
+                <a:effectLst/>
+              </a:rPr>
+              <a:t>главной</a:t>
+            </a:r>
+            <a:r>
+              <a:rPr lang="en-US" b="0" i="0" dirty="0">
+                <a:solidFill>
+                  <a:srgbClr val="FFFFFF"/>
+                </a:solidFill>
+                <a:effectLst/>
+              </a:rPr>
+              <a:t> </a:t>
+            </a:r>
+            <a:r>
+              <a:rPr lang="en-US" b="0" i="0" dirty="0" err="1">
+                <a:solidFill>
+                  <a:srgbClr val="FFFFFF"/>
+                </a:solidFill>
+                <a:effectLst/>
+              </a:rPr>
+              <a:t>диагонали</a:t>
+            </a:r>
+            <a:r>
+              <a:rPr lang="en-US" b="0" i="0" dirty="0">
+                <a:solidFill>
+                  <a:srgbClr val="FFFFFF"/>
+                </a:solidFill>
+                <a:effectLst/>
+              </a:rPr>
+              <a:t> (</a:t>
+            </a:r>
+            <a:r>
+              <a:rPr lang="en-US" b="0" i="0" dirty="0" err="1">
+                <a:solidFill>
+                  <a:srgbClr val="FFFFFF"/>
+                </a:solidFill>
+                <a:effectLst/>
+              </a:rPr>
+              <a:t>i</a:t>
+            </a:r>
+            <a:r>
+              <a:rPr lang="en-US" b="0" i="0" dirty="0">
+                <a:solidFill>
+                  <a:srgbClr val="FFFFFF"/>
+                </a:solidFill>
+                <a:effectLst/>
+              </a:rPr>
+              <a:t>&gt;j);</a:t>
+            </a:r>
+          </a:p>
+          <a:p>
+            <a:pPr indent="-182880" defTabSz="914400">
+              <a:lnSpc>
+                <a:spcPct val="120000"/>
+              </a:lnSpc>
+              <a:spcAft>
+                <a:spcPts val="600"/>
+              </a:spcAft>
+              <a:buClr>
+                <a:schemeClr val="accent1"/>
+              </a:buClr>
+              <a:buFont typeface="Wingdings 2" pitchFamily="18" charset="2"/>
+              <a:buChar char=""/>
+            </a:pPr>
+            <a:r>
+              <a:rPr lang="en-US" b="0" i="0" dirty="0" err="1">
+                <a:solidFill>
+                  <a:srgbClr val="FFFFFF"/>
+                </a:solidFill>
+                <a:effectLst/>
+              </a:rPr>
+              <a:t>элементы</a:t>
+            </a:r>
+            <a:r>
+              <a:rPr lang="en-US" b="0" i="0" dirty="0">
+                <a:solidFill>
+                  <a:srgbClr val="FFFFFF"/>
+                </a:solidFill>
+                <a:effectLst/>
+              </a:rPr>
+              <a:t> </a:t>
+            </a:r>
+            <a:r>
+              <a:rPr lang="en-US" b="0" i="0" dirty="0" err="1">
+                <a:solidFill>
+                  <a:srgbClr val="FFFFFF"/>
+                </a:solidFill>
+                <a:effectLst/>
+              </a:rPr>
+              <a:t>выше</a:t>
+            </a:r>
+            <a:r>
+              <a:rPr lang="en-US" b="0" i="0" dirty="0">
+                <a:solidFill>
+                  <a:srgbClr val="FFFFFF"/>
+                </a:solidFill>
+                <a:effectLst/>
+              </a:rPr>
+              <a:t> </a:t>
+            </a:r>
+            <a:r>
+              <a:rPr lang="en-US" b="0" i="0" dirty="0" err="1">
+                <a:solidFill>
+                  <a:srgbClr val="FFFFFF"/>
+                </a:solidFill>
+                <a:effectLst/>
+              </a:rPr>
+              <a:t>главной</a:t>
+            </a:r>
+            <a:r>
+              <a:rPr lang="en-US" b="0" i="0" dirty="0">
+                <a:solidFill>
+                  <a:srgbClr val="FFFFFF"/>
+                </a:solidFill>
+                <a:effectLst/>
+              </a:rPr>
+              <a:t> </a:t>
+            </a:r>
+            <a:r>
+              <a:rPr lang="en-US" b="0" i="0" dirty="0" err="1">
+                <a:solidFill>
+                  <a:srgbClr val="FFFFFF"/>
+                </a:solidFill>
+                <a:effectLst/>
+              </a:rPr>
+              <a:t>диагонали</a:t>
+            </a:r>
+            <a:r>
+              <a:rPr lang="en-US" b="0" i="0" dirty="0">
+                <a:solidFill>
+                  <a:srgbClr val="FFFFFF"/>
+                </a:solidFill>
+                <a:effectLst/>
+              </a:rPr>
+              <a:t> (</a:t>
+            </a:r>
+            <a:r>
+              <a:rPr lang="en-US" b="0" i="0" dirty="0" err="1">
+                <a:solidFill>
+                  <a:srgbClr val="FFFFFF"/>
+                </a:solidFill>
+                <a:effectLst/>
+              </a:rPr>
+              <a:t>i</a:t>
+            </a:r>
+            <a:r>
+              <a:rPr lang="en-US" b="0" i="0" dirty="0">
+                <a:solidFill>
+                  <a:srgbClr val="FFFFFF"/>
+                </a:solidFill>
+                <a:effectLst/>
+              </a:rPr>
+              <a:t>&lt;j);</a:t>
+            </a:r>
+          </a:p>
+          <a:p>
+            <a:pPr indent="-182880" defTabSz="914400">
+              <a:lnSpc>
+                <a:spcPct val="120000"/>
+              </a:lnSpc>
+              <a:spcAft>
+                <a:spcPts val="600"/>
+              </a:spcAft>
+              <a:buClr>
+                <a:schemeClr val="accent1"/>
+              </a:buClr>
+              <a:buFont typeface="Wingdings 2" pitchFamily="18" charset="2"/>
+              <a:buChar char=""/>
+            </a:pPr>
+            <a:r>
+              <a:rPr lang="en-US" b="0" i="0" dirty="0" err="1">
+                <a:solidFill>
+                  <a:srgbClr val="FFFFFF"/>
+                </a:solidFill>
+                <a:effectLst/>
+              </a:rPr>
+              <a:t>элементы</a:t>
+            </a:r>
+            <a:r>
+              <a:rPr lang="en-US" b="0" i="0" dirty="0">
+                <a:solidFill>
+                  <a:srgbClr val="FFFFFF"/>
+                </a:solidFill>
+                <a:effectLst/>
+              </a:rPr>
+              <a:t> </a:t>
+            </a:r>
+            <a:r>
+              <a:rPr lang="en-US" b="0" i="0" dirty="0" err="1">
+                <a:solidFill>
+                  <a:srgbClr val="FFFFFF"/>
+                </a:solidFill>
+                <a:effectLst/>
+              </a:rPr>
+              <a:t>ниже</a:t>
+            </a:r>
+            <a:r>
+              <a:rPr lang="en-US" b="0" i="0" dirty="0">
+                <a:solidFill>
+                  <a:srgbClr val="FFFFFF"/>
+                </a:solidFill>
+                <a:effectLst/>
+              </a:rPr>
+              <a:t> </a:t>
+            </a:r>
+            <a:r>
+              <a:rPr lang="en-US" b="0" i="0" dirty="0" err="1">
+                <a:solidFill>
+                  <a:srgbClr val="FFFFFF"/>
+                </a:solidFill>
+                <a:effectLst/>
+              </a:rPr>
+              <a:t>побочной</a:t>
+            </a:r>
+            <a:r>
+              <a:rPr lang="en-US" b="0" i="0" dirty="0">
+                <a:solidFill>
+                  <a:srgbClr val="FFFFFF"/>
+                </a:solidFill>
+                <a:effectLst/>
+              </a:rPr>
+              <a:t> </a:t>
+            </a:r>
+            <a:r>
+              <a:rPr lang="en-US" b="0" i="0" dirty="0" err="1">
+                <a:solidFill>
+                  <a:srgbClr val="FFFFFF"/>
+                </a:solidFill>
+                <a:effectLst/>
+              </a:rPr>
+              <a:t>диагонали</a:t>
+            </a:r>
+            <a:r>
+              <a:rPr lang="en-US" b="0" i="0" dirty="0">
+                <a:solidFill>
+                  <a:srgbClr val="FFFFFF"/>
+                </a:solidFill>
+                <a:effectLst/>
+              </a:rPr>
+              <a:t> (</a:t>
+            </a:r>
+            <a:r>
+              <a:rPr lang="en-US" b="0" i="0" dirty="0" err="1">
+                <a:solidFill>
+                  <a:srgbClr val="FFFFFF"/>
+                </a:solidFill>
+                <a:effectLst/>
+              </a:rPr>
+              <a:t>i+j</a:t>
+            </a:r>
+            <a:r>
+              <a:rPr lang="en-US" b="0" i="0" dirty="0">
+                <a:solidFill>
+                  <a:srgbClr val="FFFFFF"/>
+                </a:solidFill>
+                <a:effectLst/>
+              </a:rPr>
+              <a:t>&gt;n−1);</a:t>
+            </a:r>
+          </a:p>
+          <a:p>
+            <a:pPr indent="-182880" defTabSz="914400">
+              <a:lnSpc>
+                <a:spcPct val="120000"/>
+              </a:lnSpc>
+              <a:spcAft>
+                <a:spcPts val="600"/>
+              </a:spcAft>
+              <a:buClr>
+                <a:schemeClr val="accent1"/>
+              </a:buClr>
+              <a:buFont typeface="Wingdings 2" pitchFamily="18" charset="2"/>
+              <a:buChar char=""/>
+            </a:pPr>
+            <a:r>
+              <a:rPr lang="en-US" b="0" i="0" dirty="0" err="1">
+                <a:solidFill>
+                  <a:srgbClr val="FFFFFF"/>
+                </a:solidFill>
+                <a:effectLst/>
+              </a:rPr>
+              <a:t>элементы</a:t>
+            </a:r>
+            <a:r>
+              <a:rPr lang="en-US" b="0" i="0" dirty="0">
+                <a:solidFill>
+                  <a:srgbClr val="FFFFFF"/>
+                </a:solidFill>
+                <a:effectLst/>
+              </a:rPr>
+              <a:t> </a:t>
+            </a:r>
+            <a:r>
+              <a:rPr lang="en-US" b="0" i="0" dirty="0" err="1">
+                <a:solidFill>
+                  <a:srgbClr val="FFFFFF"/>
+                </a:solidFill>
+                <a:effectLst/>
+              </a:rPr>
+              <a:t>выше</a:t>
+            </a:r>
+            <a:r>
+              <a:rPr lang="en-US" b="0" i="0" dirty="0">
+                <a:solidFill>
+                  <a:srgbClr val="FFFFFF"/>
+                </a:solidFill>
+                <a:effectLst/>
+              </a:rPr>
+              <a:t> </a:t>
+            </a:r>
+            <a:r>
+              <a:rPr lang="en-US" b="0" i="0" dirty="0" err="1">
+                <a:solidFill>
+                  <a:srgbClr val="FFFFFF"/>
+                </a:solidFill>
+                <a:effectLst/>
+              </a:rPr>
+              <a:t>побочной</a:t>
+            </a:r>
+            <a:r>
+              <a:rPr lang="en-US" b="0" i="0" dirty="0">
+                <a:solidFill>
+                  <a:srgbClr val="FFFFFF"/>
+                </a:solidFill>
+                <a:effectLst/>
+              </a:rPr>
+              <a:t> </a:t>
+            </a:r>
+            <a:r>
+              <a:rPr lang="en-US" b="0" i="0" dirty="0" err="1">
+                <a:solidFill>
+                  <a:srgbClr val="FFFFFF"/>
+                </a:solidFill>
+                <a:effectLst/>
+              </a:rPr>
+              <a:t>диагонали</a:t>
+            </a:r>
+            <a:r>
+              <a:rPr lang="en-US" b="0" i="0" dirty="0">
+                <a:solidFill>
+                  <a:srgbClr val="FFFFFF"/>
+                </a:solidFill>
+                <a:effectLst/>
+              </a:rPr>
+              <a:t> (</a:t>
+            </a:r>
+            <a:r>
+              <a:rPr lang="en-US" b="0" i="0" dirty="0" err="1">
+                <a:solidFill>
+                  <a:srgbClr val="FFFFFF"/>
+                </a:solidFill>
+                <a:effectLst/>
+              </a:rPr>
+              <a:t>i+j</a:t>
+            </a:r>
+            <a:r>
+              <a:rPr lang="en-US" b="0" i="0" dirty="0">
+                <a:solidFill>
+                  <a:srgbClr val="FFFFFF"/>
+                </a:solidFill>
+                <a:effectLst/>
+              </a:rPr>
+              <a:t>&lt;n−1).</a:t>
+            </a:r>
+          </a:p>
+        </p:txBody>
+      </p:sp>
+      <p:sp>
+        <p:nvSpPr>
+          <p:cNvPr id="2" name="Прямоугольник 1">
+            <a:extLst>
+              <a:ext uri="{FF2B5EF4-FFF2-40B4-BE49-F238E27FC236}">
+                <a16:creationId xmlns:a16="http://schemas.microsoft.com/office/drawing/2014/main" id="{1D8EE06A-01A4-4AF9-BD10-97E6B3B8256B}"/>
+              </a:ext>
+            </a:extLst>
+          </p:cNvPr>
+          <p:cNvSpPr/>
+          <p:nvPr/>
+        </p:nvSpPr>
+        <p:spPr>
+          <a:xfrm>
+            <a:off x="240794" y="5159590"/>
+            <a:ext cx="3443590" cy="646331"/>
+          </a:xfrm>
+          <a:prstGeom prst="rect">
+            <a:avLst/>
+          </a:prstGeom>
         </p:spPr>
         <p:txBody>
           <a:bodyPr wrap="square">
@@ -8173,210 +9685,114 @@
           </a:bodyPr>
           <a:lstStyle/>
           <a:p>
-            <a:pPr algn="l">
-              <a:buFont typeface="Arial" panose="020B0604020202020204" pitchFamily="34" charset="0"/>
-              <a:buChar char="•"/>
-            </a:pPr>
-            <a:r>
-              <a:rPr lang="ru-RU" b="0" i="0" dirty="0">
-                <a:solidFill>
-                  <a:srgbClr val="373A3C"/>
-                </a:solidFill>
-                <a:effectLst/>
-                <a:latin typeface="-apple-system"/>
-              </a:rPr>
-              <a:t>элементы главной диагонали (i=j);</a:t>
-            </a:r>
-          </a:p>
-          <a:p>
-            <a:pPr algn="l">
-              <a:buFont typeface="Arial" panose="020B0604020202020204" pitchFamily="34" charset="0"/>
-              <a:buChar char="•"/>
-            </a:pPr>
-            <a:r>
-              <a:rPr lang="ru-RU" b="0" i="0" dirty="0">
-                <a:solidFill>
-                  <a:srgbClr val="373A3C"/>
-                </a:solidFill>
-                <a:effectLst/>
-                <a:latin typeface="-apple-system"/>
-              </a:rPr>
-              <a:t>элементы побочной диагонали (</a:t>
-            </a:r>
-            <a:r>
-              <a:rPr lang="ru-RU" b="0" i="0" dirty="0" err="1">
-                <a:solidFill>
-                  <a:srgbClr val="373A3C"/>
-                </a:solidFill>
-                <a:effectLst/>
-                <a:latin typeface="-apple-system"/>
-              </a:rPr>
-              <a:t>i+j</a:t>
-            </a:r>
-            <a:r>
-              <a:rPr lang="ru-RU" b="0" i="0" dirty="0">
-                <a:solidFill>
-                  <a:srgbClr val="373A3C"/>
-                </a:solidFill>
-                <a:effectLst/>
-                <a:latin typeface="-apple-system"/>
-              </a:rPr>
-              <a:t>=n−1, n — количество строк или столбцов квадратной матрицы);</a:t>
-            </a:r>
-          </a:p>
-          <a:p>
-            <a:pPr algn="l">
-              <a:buFont typeface="Arial" panose="020B0604020202020204" pitchFamily="34" charset="0"/>
-              <a:buChar char="•"/>
-            </a:pPr>
-            <a:r>
-              <a:rPr lang="ru-RU" b="0" i="0" dirty="0">
-                <a:solidFill>
-                  <a:srgbClr val="373A3C"/>
-                </a:solidFill>
-                <a:effectLst/>
-                <a:latin typeface="-apple-system"/>
-              </a:rPr>
-              <a:t>элементы ниже главной диагонали (i&gt;j);</a:t>
-            </a:r>
-          </a:p>
-          <a:p>
-            <a:pPr algn="l">
-              <a:buFont typeface="Arial" panose="020B0604020202020204" pitchFamily="34" charset="0"/>
-              <a:buChar char="•"/>
-            </a:pPr>
-            <a:r>
-              <a:rPr lang="ru-RU" b="0" i="0" dirty="0">
-                <a:solidFill>
-                  <a:srgbClr val="373A3C"/>
-                </a:solidFill>
-                <a:effectLst/>
-                <a:latin typeface="-apple-system"/>
-              </a:rPr>
-              <a:t>элементы выше главной диагонали (i&lt;j);</a:t>
-            </a:r>
-          </a:p>
-          <a:p>
-            <a:pPr algn="l">
-              <a:buFont typeface="Arial" panose="020B0604020202020204" pitchFamily="34" charset="0"/>
-              <a:buChar char="•"/>
-            </a:pPr>
-            <a:r>
-              <a:rPr lang="ru-RU" b="0" i="0" dirty="0">
-                <a:solidFill>
-                  <a:srgbClr val="373A3C"/>
-                </a:solidFill>
-                <a:effectLst/>
-                <a:latin typeface="-apple-system"/>
-              </a:rPr>
-              <a:t>элементы ниже побочной диагонали (</a:t>
-            </a:r>
-            <a:r>
-              <a:rPr lang="ru-RU" b="0" i="0" dirty="0" err="1">
-                <a:solidFill>
-                  <a:srgbClr val="373A3C"/>
-                </a:solidFill>
-                <a:effectLst/>
-                <a:latin typeface="-apple-system"/>
-              </a:rPr>
-              <a:t>i+j</a:t>
-            </a:r>
-            <a:r>
-              <a:rPr lang="ru-RU" b="0" i="0" dirty="0">
-                <a:solidFill>
-                  <a:srgbClr val="373A3C"/>
-                </a:solidFill>
-                <a:effectLst/>
-                <a:latin typeface="-apple-system"/>
-              </a:rPr>
-              <a:t>&gt;n−1);</a:t>
-            </a:r>
-          </a:p>
-          <a:p>
-            <a:pPr algn="l">
-              <a:buFont typeface="Arial" panose="020B0604020202020204" pitchFamily="34" charset="0"/>
-              <a:buChar char="•"/>
-            </a:pPr>
-            <a:r>
-              <a:rPr lang="ru-RU" b="0" i="0" dirty="0">
-                <a:solidFill>
-                  <a:srgbClr val="373A3C"/>
-                </a:solidFill>
-                <a:effectLst/>
-                <a:latin typeface="-apple-system"/>
-              </a:rPr>
-              <a:t>элементы выше побочной диагонали (</a:t>
-            </a:r>
-            <a:r>
-              <a:rPr lang="ru-RU" b="0" i="0" dirty="0" err="1">
-                <a:solidFill>
-                  <a:srgbClr val="373A3C"/>
-                </a:solidFill>
-                <a:effectLst/>
-                <a:latin typeface="-apple-system"/>
-              </a:rPr>
-              <a:t>i+j</a:t>
-            </a:r>
-            <a:r>
-              <a:rPr lang="ru-RU" b="0" i="0" dirty="0">
-                <a:solidFill>
-                  <a:srgbClr val="373A3C"/>
-                </a:solidFill>
-                <a:effectLst/>
-                <a:latin typeface="-apple-system"/>
-              </a:rPr>
-              <a:t>&lt;n−1).</a:t>
-            </a:r>
+            <a:r>
+              <a:rPr lang="en-US" dirty="0">
+                <a:solidFill>
+                  <a:srgbClr val="FFFFFF"/>
+                </a:solidFill>
+              </a:rPr>
+              <a:t> n — </a:t>
+            </a:r>
+            <a:r>
+              <a:rPr lang="en-US" dirty="0" err="1">
+                <a:solidFill>
+                  <a:srgbClr val="FFFFFF"/>
+                </a:solidFill>
+              </a:rPr>
+              <a:t>количество</a:t>
+            </a:r>
+            <a:r>
+              <a:rPr lang="en-US" dirty="0">
+                <a:solidFill>
+                  <a:srgbClr val="FFFFFF"/>
+                </a:solidFill>
+              </a:rPr>
+              <a:t> </a:t>
+            </a:r>
+            <a:r>
+              <a:rPr lang="en-US" dirty="0" err="1">
+                <a:solidFill>
+                  <a:srgbClr val="FFFFFF"/>
+                </a:solidFill>
+              </a:rPr>
+              <a:t>строк</a:t>
+            </a:r>
+            <a:r>
+              <a:rPr lang="en-US" dirty="0">
+                <a:solidFill>
+                  <a:srgbClr val="FFFFFF"/>
+                </a:solidFill>
+              </a:rPr>
+              <a:t> </a:t>
+            </a:r>
+            <a:r>
+              <a:rPr lang="en-US" dirty="0" err="1">
+                <a:solidFill>
+                  <a:srgbClr val="FFFFFF"/>
+                </a:solidFill>
+              </a:rPr>
+              <a:t>или</a:t>
+            </a:r>
+            <a:r>
+              <a:rPr lang="en-US" dirty="0">
+                <a:solidFill>
+                  <a:srgbClr val="FFFFFF"/>
+                </a:solidFill>
+              </a:rPr>
+              <a:t> </a:t>
+            </a:r>
+            <a:r>
+              <a:rPr lang="en-US" dirty="0" err="1">
+                <a:solidFill>
+                  <a:srgbClr val="FFFFFF"/>
+                </a:solidFill>
+              </a:rPr>
+              <a:t>столбцов</a:t>
+            </a:r>
+            <a:r>
+              <a:rPr lang="en-US" dirty="0">
+                <a:solidFill>
+                  <a:srgbClr val="FFFFFF"/>
+                </a:solidFill>
+              </a:rPr>
+              <a:t> </a:t>
+            </a:r>
+            <a:r>
+              <a:rPr lang="en-US" dirty="0" err="1">
+                <a:solidFill>
+                  <a:srgbClr val="FFFFFF"/>
+                </a:solidFill>
+              </a:rPr>
+              <a:t>квадратной</a:t>
+            </a:r>
+            <a:r>
+              <a:rPr lang="en-US" dirty="0">
+                <a:solidFill>
+                  <a:srgbClr val="FFFFFF"/>
+                </a:solidFill>
+              </a:rPr>
+              <a:t> </a:t>
+            </a:r>
+            <a:r>
+              <a:rPr lang="en-US" dirty="0" err="1">
+                <a:solidFill>
+                  <a:srgbClr val="FFFFFF"/>
+                </a:solidFill>
+              </a:rPr>
+              <a:t>матрицы</a:t>
+            </a:r>
+            <a:r>
+              <a:rPr lang="en-US" dirty="0">
+                <a:solidFill>
+                  <a:srgbClr val="FFFFFF"/>
+                </a:solidFill>
+              </a:rPr>
+              <a:t>)</a:t>
+            </a:r>
+            <a:endParaRPr lang="ru-RU" dirty="0"/>
           </a:p>
         </p:txBody>
       </p:sp>
-      <p:pic>
-        <p:nvPicPr>
-          <p:cNvPr id="4100" name="Picture 4" descr="Диагональ">
-            <a:extLst>
-              <a:ext uri="{FF2B5EF4-FFF2-40B4-BE49-F238E27FC236}">
-                <a16:creationId xmlns:a16="http://schemas.microsoft.com/office/drawing/2014/main" id="{E9466D61-A7E8-4D06-9F73-32FA1CE6241E}"/>
-              </a:ext>
-            </a:extLst>
-          </p:cNvPr>
-          <p:cNvPicPr>
-            <a:picLocks noChangeAspect="1" noChangeArrowheads="1"/>
-          </p:cNvPicPr>
-          <p:nvPr/>
-        </p:nvPicPr>
-        <p:blipFill>
-          <a:blip r:embed="rId3">
-            <a:extLst>
-              <a:ext uri="{28A0092B-C50C-407E-A947-70E740481C1C}">
-                <a14:useLocalDpi xmlns:a14="http://schemas.microsoft.com/office/drawing/2010/main" val="0"/>
-              </a:ext>
-            </a:extLst>
-          </a:blip>
-          <a:srcRect/>
-          <a:stretch>
-            <a:fillRect/>
-          </a:stretch>
-        </p:blipFill>
-        <p:spPr bwMode="auto">
-          <a:xfrm>
-            <a:off x="5061832" y="3837870"/>
-            <a:ext cx="3400425" cy="1733550"/>
-          </a:xfrm>
-          <a:prstGeom prst="rect">
-            <a:avLst/>
-          </a:prstGeom>
-          <a:noFill/>
-          <a:extLst>
-            <a:ext uri="{909E8E84-426E-40DD-AFC4-6F175D3DCCD1}">
-              <a14:hiddenFill xmlns:a14="http://schemas.microsoft.com/office/drawing/2010/main">
-                <a:solidFill>
-                  <a:srgbClr val="FFFFFF"/>
-                </a:solidFill>
-              </a14:hiddenFill>
-            </a:ext>
-          </a:extLst>
-        </p:spPr>
-      </p:pic>
     </p:spTree>
     <p:extLst>
       <p:ext uri="{BB962C8B-B14F-4D97-AF65-F5344CB8AC3E}">
@@ -8417,6 +9833,233 @@
       </p:grpSpPr>
       <p:sp>
         <p:nvSpPr>
+          <p:cNvPr id="25" name="Rectangle 14">
+            <a:extLst>
+              <a:ext uri="{FF2B5EF4-FFF2-40B4-BE49-F238E27FC236}">
+                <a16:creationId xmlns:a16="http://schemas.microsoft.com/office/drawing/2014/main" id="{4F645BF8-7885-4398-80BC-4C0DF24F5CEE}"/>
+              </a:ext>
+              <a:ext uri="{C183D7F6-B498-43B3-948B-1728B52AA6E4}">
+                <adec:decorative xmlns:adec="http://schemas.microsoft.com/office/drawing/2017/decorative" val="1"/>
+              </a:ext>
+            </a:extLst>
+          </p:cNvPr>
+          <p:cNvSpPr>
+            <a:spLocks noGrp="1" noRot="1" noChangeAspect="1" noMove="1" noResize="1" noEditPoints="1" noAdjustHandles="1" noChangeArrowheads="1" noChangeShapeType="1" noTextEdit="1"/>
+          </p:cNvSpPr>
+          <p:nvPr>
+            <p:extLst>
+              <p:ext uri="{386F3935-93C4-4BCD-93E2-E3B085C9AB24}">
+                <p16:designElem xmlns:p16="http://schemas.microsoft.com/office/powerpoint/2015/main" val="1"/>
+              </p:ext>
+            </p:extLst>
+          </p:nvPr>
+        </p:nvSpPr>
+        <p:spPr>
+          <a:xfrm>
+            <a:off x="1" y="758952"/>
+            <a:ext cx="3443590" cy="5330952"/>
+          </a:xfrm>
+          <a:prstGeom prst="rect">
+            <a:avLst/>
+          </a:prstGeom>
+          <a:solidFill>
+            <a:schemeClr val="accent1"/>
+          </a:solidFill>
+          <a:ln>
+            <a:noFill/>
+          </a:ln>
+        </p:spPr>
+        <p:style>
+          <a:lnRef idx="2">
+            <a:schemeClr val="accent1">
+              <a:shade val="50000"/>
+            </a:schemeClr>
+          </a:lnRef>
+          <a:fillRef idx="1">
+            <a:schemeClr val="accent1"/>
+          </a:fillRef>
+          <a:effectRef idx="0">
+            <a:schemeClr val="accent1"/>
+          </a:effectRef>
+          <a:fontRef idx="minor">
+            <a:schemeClr val="lt1"/>
+          </a:fontRef>
+        </p:style>
+      </p:sp>
+      <p:sp>
+        <p:nvSpPr>
+          <p:cNvPr id="26" name="Rectangle 16">
+            <a:extLst>
+              <a:ext uri="{FF2B5EF4-FFF2-40B4-BE49-F238E27FC236}">
+                <a16:creationId xmlns:a16="http://schemas.microsoft.com/office/drawing/2014/main" id="{3212FB65-CD2B-4005-B910-132DCE19FCC7}"/>
+              </a:ext>
+              <a:ext uri="{C183D7F6-B498-43B3-948B-1728B52AA6E4}">
+                <adec:decorative xmlns:adec="http://schemas.microsoft.com/office/drawing/2017/decorative" val="1"/>
+              </a:ext>
+            </a:extLst>
+          </p:cNvPr>
+          <p:cNvSpPr>
+            <a:spLocks noGrp="1" noRot="1" noChangeAspect="1" noMove="1" noResize="1" noEditPoints="1" noAdjustHandles="1" noChangeArrowheads="1" noChangeShapeType="1" noTextEdit="1"/>
+          </p:cNvSpPr>
+          <p:nvPr>
+            <p:extLst>
+              <p:ext uri="{386F3935-93C4-4BCD-93E2-E3B085C9AB24}">
+                <p16:designElem xmlns:p16="http://schemas.microsoft.com/office/powerpoint/2015/main" val="1"/>
+              </p:ext>
+            </p:extLst>
+          </p:nvPr>
+        </p:nvSpPr>
+        <p:spPr>
+          <a:xfrm>
+            <a:off x="11815864" y="758952"/>
+            <a:ext cx="384048" cy="5330952"/>
+          </a:xfrm>
+          <a:prstGeom prst="rect">
+            <a:avLst/>
+          </a:prstGeom>
+          <a:solidFill>
+            <a:srgbClr val="C8C8C8">
+              <a:alpha val="49804"/>
+            </a:srgbClr>
+          </a:solidFill>
+          <a:ln>
+            <a:noFill/>
+          </a:ln>
+        </p:spPr>
+        <p:style>
+          <a:lnRef idx="2">
+            <a:schemeClr val="accent1">
+              <a:shade val="50000"/>
+            </a:schemeClr>
+          </a:lnRef>
+          <a:fillRef idx="1">
+            <a:schemeClr val="accent1"/>
+          </a:fillRef>
+          <a:effectRef idx="0">
+            <a:schemeClr val="accent1"/>
+          </a:effectRef>
+          <a:fontRef idx="minor">
+            <a:schemeClr val="lt1"/>
+          </a:fontRef>
+        </p:style>
+      </p:sp>
+      <p:sp useBgFill="1">
+        <p:nvSpPr>
+          <p:cNvPr id="27" name="Rectangle 18">
+            <a:extLst>
+              <a:ext uri="{FF2B5EF4-FFF2-40B4-BE49-F238E27FC236}">
+                <a16:creationId xmlns:a16="http://schemas.microsoft.com/office/drawing/2014/main" id="{EE9F5D7F-1BBC-4096-ADA7-AA9C9E4D2868}"/>
+              </a:ext>
+              <a:ext uri="{C183D7F6-B498-43B3-948B-1728B52AA6E4}">
+                <adec:decorative xmlns:adec="http://schemas.microsoft.com/office/drawing/2017/decorative" val="1"/>
+              </a:ext>
+            </a:extLst>
+          </p:cNvPr>
+          <p:cNvSpPr>
+            <a:spLocks noGrp="1" noRot="1" noChangeAspect="1" noMove="1" noResize="1" noEditPoints="1" noAdjustHandles="1" noChangeArrowheads="1" noChangeShapeType="1" noTextEdit="1"/>
+          </p:cNvSpPr>
+          <p:nvPr>
+            <p:extLst>
+              <p:ext uri="{386F3935-93C4-4BCD-93E2-E3B085C9AB24}">
+                <p16:designElem xmlns:p16="http://schemas.microsoft.com/office/powerpoint/2015/main" val="1"/>
+              </p:ext>
+            </p:extLst>
+          </p:nvPr>
+        </p:nvSpPr>
+        <p:spPr>
+          <a:xfrm>
+            <a:off x="0" y="0"/>
+            <a:ext cx="12192000" cy="6858000"/>
+          </a:xfrm>
+          <a:prstGeom prst="rect">
+            <a:avLst/>
+          </a:prstGeom>
+          <a:ln>
+            <a:noFill/>
+          </a:ln>
+        </p:spPr>
+        <p:style>
+          <a:lnRef idx="2">
+            <a:schemeClr val="accent1">
+              <a:shade val="50000"/>
+            </a:schemeClr>
+          </a:lnRef>
+          <a:fillRef idx="1">
+            <a:schemeClr val="accent1"/>
+          </a:fillRef>
+          <a:effectRef idx="0">
+            <a:schemeClr val="accent1"/>
+          </a:effectRef>
+          <a:fontRef idx="minor">
+            <a:schemeClr val="lt1"/>
+          </a:fontRef>
+        </p:style>
+        <p:txBody>
+          <a:bodyPr rtlCol="0" anchor="ctr"/>
+          <a:lstStyle/>
+          <a:p>
+            <a:pPr algn="ctr"/>
+            <a:endParaRPr lang="en-US"/>
+          </a:p>
+        </p:txBody>
+      </p:sp>
+      <p:sp>
+        <p:nvSpPr>
+          <p:cNvPr id="28" name="Rectangle 20">
+            <a:extLst>
+              <a:ext uri="{FF2B5EF4-FFF2-40B4-BE49-F238E27FC236}">
+                <a16:creationId xmlns:a16="http://schemas.microsoft.com/office/drawing/2014/main" id="{06D370DD-716B-4528-B475-331F84CEA5A1}"/>
+              </a:ext>
+              <a:ext uri="{C183D7F6-B498-43B3-948B-1728B52AA6E4}">
+                <adec:decorative xmlns:adec="http://schemas.microsoft.com/office/drawing/2017/decorative" val="1"/>
+              </a:ext>
+            </a:extLst>
+          </p:cNvPr>
+          <p:cNvSpPr>
+            <a:spLocks noGrp="1" noRot="1" noChangeAspect="1" noMove="1" noResize="1" noEditPoints="1" noAdjustHandles="1" noChangeArrowheads="1" noChangeShapeType="1" noTextEdit="1"/>
+          </p:cNvSpPr>
+          <p:nvPr>
+            <p:extLst>
+              <p:ext uri="{386F3935-93C4-4BCD-93E2-E3B085C9AB24}">
+                <p16:designElem xmlns:p16="http://schemas.microsoft.com/office/powerpoint/2015/main" val="1"/>
+              </p:ext>
+            </p:extLst>
+          </p:nvPr>
+        </p:nvSpPr>
+        <p:spPr>
+          <a:xfrm>
+            <a:off x="5139514" y="758953"/>
+            <a:ext cx="7052486" cy="5330952"/>
+          </a:xfrm>
+          <a:prstGeom prst="rect">
+            <a:avLst/>
+          </a:prstGeom>
+          <a:solidFill>
+            <a:schemeClr val="accent1"/>
+          </a:solidFill>
+          <a:ln>
+            <a:noFill/>
+          </a:ln>
+        </p:spPr>
+        <p:style>
+          <a:lnRef idx="2">
+            <a:schemeClr val="accent1">
+              <a:shade val="50000"/>
+            </a:schemeClr>
+          </a:lnRef>
+          <a:fillRef idx="1">
+            <a:schemeClr val="accent1"/>
+          </a:fillRef>
+          <a:effectRef idx="0">
+            <a:schemeClr val="accent1"/>
+          </a:effectRef>
+          <a:fontRef idx="minor">
+            <a:schemeClr val="lt1"/>
+          </a:fontRef>
+        </p:style>
+      </p:sp>
+      <p:sp>
+        <p:nvSpPr>
           <p:cNvPr id="6" name="CustomShape 2">
             <a:extLst>
               <a:ext uri="{FF2B5EF4-FFF2-40B4-BE49-F238E27FC236}">
@@ -8429,16 +10072,12 @@
         </p:nvSpPr>
         <p:spPr>
           <a:xfrm>
-            <a:off x="465900" y="542670"/>
-            <a:ext cx="7881120" cy="757440"/>
+            <a:off x="6701471" y="378617"/>
+            <a:ext cx="6451110" cy="1255469"/>
           </a:xfrm>
           <a:prstGeom prst="rect">
             <a:avLst/>
           </a:prstGeom>
-          <a:noFill/>
-          <a:ln>
-            <a:noFill/>
-          </a:ln>
         </p:spPr>
         <p:style>
           <a:lnRef idx="0">
@@ -8453,32 +10092,122 @@
           <a:fontRef idx="minor"/>
         </p:style>
         <p:txBody>
-          <a:bodyPr lIns="90000" tIns="45000" rIns="90000" bIns="45000" anchor="ctr">
+          <a:bodyPr vert="horz" lIns="91440" tIns="45720" rIns="91440" bIns="45720" rtlCol="0" anchor="ctr">
             <a:normAutofit/>
           </a:bodyPr>
           <a:lstStyle/>
           <a:p>
-            <a:pPr algn="ctr">
+            <a:pPr defTabSz="914400">
               <a:lnSpc>
                 <a:spcPct val="90000"/>
               </a:lnSpc>
+              <a:spcBef>
+                <a:spcPct val="0"/>
+              </a:spcBef>
+              <a:spcAft>
+                <a:spcPts val="600"/>
+              </a:spcAft>
             </a:pPr>
             <a:r>
-              <a:rPr lang="ru-RU" sz="3700" b="1" spc="-100" dirty="0">
-                <a:solidFill>
-                  <a:schemeClr val="accent4">
-                    <a:lumMod val="60000"/>
-                    <a:lumOff val="40000"/>
-                  </a:schemeClr>
+              <a:rPr lang="en-US" sz="3600" b="1" spc="-60" dirty="0" err="1">
+                <a:solidFill>
+                  <a:srgbClr val="FFFFFF"/>
                 </a:solidFill>
                 <a:latin typeface="+mj-lt"/>
                 <a:ea typeface="+mj-ea"/>
                 <a:cs typeface="+mj-cs"/>
               </a:rPr>
-              <a:t>Трехмерный массив</a:t>
-            </a:r>
+              <a:t>Трехмерный</a:t>
+            </a:r>
+            <a:r>
+              <a:rPr lang="en-US" sz="3600" b="1" spc="-60" dirty="0">
+                <a:solidFill>
+                  <a:srgbClr val="FFFFFF"/>
+                </a:solidFill>
+                <a:latin typeface="+mj-lt"/>
+                <a:ea typeface="+mj-ea"/>
+                <a:cs typeface="+mj-cs"/>
+              </a:rPr>
+              <a:t> </a:t>
+            </a:r>
+            <a:r>
+              <a:rPr lang="en-US" sz="3600" b="1" spc="-60" dirty="0" err="1">
+                <a:solidFill>
+                  <a:srgbClr val="FFFFFF"/>
+                </a:solidFill>
+                <a:latin typeface="+mj-lt"/>
+                <a:ea typeface="+mj-ea"/>
+                <a:cs typeface="+mj-cs"/>
+              </a:rPr>
+              <a:t>массив</a:t>
+            </a:r>
+            <a:endParaRPr lang="en-US" sz="3600" b="1" spc="-60" dirty="0">
+              <a:solidFill>
+                <a:srgbClr val="FFFFFF"/>
+              </a:solidFill>
+              <a:latin typeface="+mj-lt"/>
+              <a:ea typeface="+mj-ea"/>
+              <a:cs typeface="+mj-cs"/>
+            </a:endParaRPr>
           </a:p>
         </p:txBody>
+      </p:sp>
+      <p:sp>
+        <p:nvSpPr>
+          <p:cNvPr id="29" name="Rectangle 22">
+            <a:extLst>
+              <a:ext uri="{FF2B5EF4-FFF2-40B4-BE49-F238E27FC236}">
+                <a16:creationId xmlns:a16="http://schemas.microsoft.com/office/drawing/2014/main" id="{E79D076F-656A-4CD9-83AD-AF8F4B28CA49}"/>
+              </a:ext>
+              <a:ext uri="{C183D7F6-B498-43B3-948B-1728B52AA6E4}">
+                <adec:decorative xmlns:adec="http://schemas.microsoft.com/office/drawing/2017/decorative" val="1"/>
+              </a:ext>
+            </a:extLst>
+          </p:cNvPr>
+          <p:cNvSpPr>
+            <a:spLocks noGrp="1" noRot="1" noChangeAspect="1" noMove="1" noResize="1" noEditPoints="1" noAdjustHandles="1" noChangeArrowheads="1" noChangeShapeType="1" noTextEdit="1"/>
+          </p:cNvSpPr>
+          <p:nvPr>
+            <p:extLst>
+              <p:ext uri="{386F3935-93C4-4BCD-93E2-E3B085C9AB24}">
+                <p16:designElem xmlns:p16="http://schemas.microsoft.com/office/powerpoint/2015/main" val="1"/>
+              </p:ext>
+            </p:extLst>
+          </p:nvPr>
+        </p:nvSpPr>
+        <p:spPr>
+          <a:xfrm>
+            <a:off x="-7912" y="758952"/>
+            <a:ext cx="384048" cy="5330952"/>
+          </a:xfrm>
+          <a:prstGeom prst="rect">
+            <a:avLst/>
+          </a:prstGeom>
+          <a:solidFill>
+            <a:srgbClr val="C8C8C8">
+              <a:alpha val="49804"/>
+            </a:srgbClr>
+          </a:solidFill>
+          <a:ln>
+            <a:noFill/>
+          </a:ln>
+        </p:spPr>
+        <p:style>
+          <a:lnRef idx="2">
+            <a:schemeClr val="accent1">
+              <a:shade val="50000"/>
+            </a:schemeClr>
+          </a:lnRef>
+          <a:fillRef idx="1">
+            <a:schemeClr val="accent1"/>
+          </a:fillRef>
+          <a:effectRef idx="0">
+            <a:schemeClr val="accent1"/>
+          </a:effectRef>
+          <a:fontRef idx="minor">
+            <a:schemeClr val="lt1"/>
+          </a:fontRef>
+        </p:style>
       </p:sp>
       <p:pic>
         <p:nvPicPr>
@@ -8502,8 +10231,8 @@
         </p:blipFill>
         <p:spPr>
           <a:xfrm>
-            <a:off x="554567" y="1300110"/>
-            <a:ext cx="3429000" cy="4019550"/>
+            <a:off x="860771" y="1209783"/>
+            <a:ext cx="3778286" cy="4428990"/>
           </a:xfrm>
           <a:prstGeom prst="rect">
             <a:avLst/>
@@ -8524,802 +10253,647 @@
         </p:nvSpPr>
         <p:spPr>
           <a:xfrm>
-            <a:off x="4312355" y="1674674"/>
-            <a:ext cx="7540978" cy="3139321"/>
+            <a:off x="5123692" y="1562073"/>
+            <a:ext cx="7076220" cy="4659594"/>
           </a:xfrm>
           <a:prstGeom prst="rect">
             <a:avLst/>
           </a:prstGeom>
-          <a:noFill/>
         </p:spPr>
         <p:txBody>
-          <a:bodyPr wrap="square">
-            <a:spAutoFit/>
+          <a:bodyPr vert="horz" lIns="91440" tIns="45720" rIns="91440" bIns="45720" rtlCol="0" anchor="t">
+            <a:noAutofit/>
           </a:bodyPr>
           <a:lstStyle/>
           <a:p>
+            <a:pPr defTabSz="914400">
+              <a:lnSpc>
+                <a:spcPct val="90000"/>
+              </a:lnSpc>
+              <a:spcAft>
+                <a:spcPts val="600"/>
+              </a:spcAft>
+              <a:buClr>
+                <a:schemeClr val="accent1"/>
+              </a:buClr>
+            </a:pPr>
             <a:r>
               <a:rPr lang="en-US" b="0" i="0" dirty="0">
                 <a:solidFill>
-                  <a:srgbClr val="A626A4"/>
-                </a:solidFill>
-                <a:effectLst/>
-                <a:latin typeface="SFMono-Regular"/>
-              </a:rPr>
-              <a:t>int</a:t>
+                  <a:srgbClr val="FFFFFF"/>
+                </a:solidFill>
+                <a:effectLst/>
+                <a:latin typeface="Arial" panose="020B0604020202020204" pitchFamily="34" charset="0"/>
+                <a:cs typeface="Arial" panose="020B0604020202020204" pitchFamily="34" charset="0"/>
+              </a:rPr>
+              <a:t>int[][][] n = { { { 1, 2 }, { 5, 6 }, { 2, 8 } },</a:t>
+            </a:r>
+          </a:p>
+          <a:p>
+            <a:pPr defTabSz="914400">
+              <a:lnSpc>
+                <a:spcPct val="90000"/>
+              </a:lnSpc>
+              <a:spcAft>
+                <a:spcPts val="600"/>
+              </a:spcAft>
+              <a:buClr>
+                <a:schemeClr val="accent1"/>
+              </a:buClr>
+            </a:pPr>
+            <a:r>
+              <a:rPr lang="en-US" dirty="0">
+                <a:solidFill>
+                  <a:srgbClr val="FFFFFF"/>
+                </a:solidFill>
+                <a:latin typeface="Arial" panose="020B0604020202020204" pitchFamily="34" charset="0"/>
+                <a:cs typeface="Arial" panose="020B0604020202020204" pitchFamily="34" charset="0"/>
+              </a:rPr>
+              <a:t>	      { { 3, 2 }, { 4, 5 }, { 7, 8 } </a:t>
             </a:r>
             <a:r>
               <a:rPr lang="en-US" b="0" i="0" dirty="0">
                 <a:solidFill>
-                  <a:srgbClr val="383A42"/>
-                </a:solidFill>
-                <a:effectLst/>
-                <a:latin typeface="SFMono-Regular"/>
-              </a:rPr>
-              <a:t>[][][] n = { { { </a:t>
+                  <a:srgbClr val="FFFFFF"/>
+                </a:solidFill>
+                <a:effectLst/>
+                <a:latin typeface="Arial" panose="020B0604020202020204" pitchFamily="34" charset="0"/>
+                <a:cs typeface="Arial" panose="020B0604020202020204" pitchFamily="34" charset="0"/>
+              </a:rPr>
+              <a:t>}, </a:t>
+            </a:r>
+          </a:p>
+          <a:p>
+            <a:pPr defTabSz="914400">
+              <a:lnSpc>
+                <a:spcPct val="90000"/>
+              </a:lnSpc>
+              <a:spcAft>
+                <a:spcPts val="600"/>
+              </a:spcAft>
+              <a:buClr>
+                <a:schemeClr val="accent1"/>
+              </a:buClr>
+            </a:pPr>
+            <a:r>
+              <a:rPr lang="en-US" dirty="0">
+                <a:solidFill>
+                  <a:srgbClr val="FFFFFF"/>
+                </a:solidFill>
+                <a:latin typeface="Arial" panose="020B0604020202020204" pitchFamily="34" charset="0"/>
+                <a:cs typeface="Arial" panose="020B0604020202020204" pitchFamily="34" charset="0"/>
+              </a:rPr>
+              <a:t>	      { { 6, 7 }, { 5, 6 }, { 9, 8 }} </a:t>
             </a:r>
             <a:r>
               <a:rPr lang="en-US" b="0" i="0" dirty="0">
                 <a:solidFill>
-                  <a:srgbClr val="986801"/>
-                </a:solidFill>
-                <a:effectLst/>
-                <a:latin typeface="SFMono-Regular"/>
-              </a:rPr>
-              <a:t>1</a:t>
-            </a:r>
+                  <a:srgbClr val="FFFFFF"/>
+                </a:solidFill>
+                <a:effectLst/>
+                <a:latin typeface="Arial" panose="020B0604020202020204" pitchFamily="34" charset="0"/>
+                <a:cs typeface="Arial" panose="020B0604020202020204" pitchFamily="34" charset="0"/>
+              </a:rPr>
+              <a:t>};</a:t>
+            </a:r>
+          </a:p>
+          <a:p>
+            <a:pPr defTabSz="914400">
+              <a:lnSpc>
+                <a:spcPct val="90000"/>
+              </a:lnSpc>
+              <a:spcAft>
+                <a:spcPts val="600"/>
+              </a:spcAft>
+              <a:buClr>
+                <a:schemeClr val="accent1"/>
+              </a:buClr>
+            </a:pPr>
             <a:r>
               <a:rPr lang="en-US" b="0" i="0" dirty="0">
                 <a:solidFill>
-                  <a:srgbClr val="383A42"/>
-                </a:solidFill>
-                <a:effectLst/>
-                <a:latin typeface="SFMono-Regular"/>
-              </a:rPr>
-              <a:t>, </a:t>
+                  <a:srgbClr val="FFFFFF"/>
+                </a:solidFill>
+                <a:effectLst/>
+                <a:latin typeface="Arial" panose="020B0604020202020204" pitchFamily="34" charset="0"/>
+                <a:cs typeface="Arial" panose="020B0604020202020204" pitchFamily="34" charset="0"/>
+              </a:rPr>
+              <a:t> </a:t>
+            </a:r>
+          </a:p>
+          <a:p>
+            <a:pPr defTabSz="914400">
+              <a:lnSpc>
+                <a:spcPct val="90000"/>
+              </a:lnSpc>
+              <a:spcAft>
+                <a:spcPts val="600"/>
+              </a:spcAft>
+              <a:buClr>
+                <a:schemeClr val="accent1"/>
+              </a:buClr>
+            </a:pPr>
+            <a:r>
+              <a:rPr lang="en-US" b="0" i="1" dirty="0">
+                <a:solidFill>
+                  <a:srgbClr val="FFFFFF"/>
+                </a:solidFill>
+                <a:effectLst/>
+                <a:latin typeface="Arial" panose="020B0604020202020204" pitchFamily="34" charset="0"/>
+                <a:cs typeface="Arial" panose="020B0604020202020204" pitchFamily="34" charset="0"/>
+              </a:rPr>
+              <a:t>// </a:t>
+            </a:r>
+            <a:r>
+              <a:rPr lang="en-US" b="0" i="1" dirty="0" err="1">
+                <a:solidFill>
+                  <a:srgbClr val="FFFFFF"/>
+                </a:solidFill>
+                <a:effectLst/>
+                <a:latin typeface="Arial" panose="020B0604020202020204" pitchFamily="34" charset="0"/>
+                <a:cs typeface="Arial" panose="020B0604020202020204" pitchFamily="34" charset="0"/>
+              </a:rPr>
+              <a:t>Вывод</a:t>
+            </a:r>
+            <a:r>
+              <a:rPr lang="en-US" b="0" i="1" dirty="0">
+                <a:solidFill>
+                  <a:srgbClr val="FFFFFF"/>
+                </a:solidFill>
+                <a:effectLst/>
+                <a:latin typeface="Arial" panose="020B0604020202020204" pitchFamily="34" charset="0"/>
+                <a:cs typeface="Arial" panose="020B0604020202020204" pitchFamily="34" charset="0"/>
+              </a:rPr>
+              <a:t> </a:t>
+            </a:r>
+            <a:r>
+              <a:rPr lang="en-US" b="0" i="1" dirty="0" err="1">
+                <a:solidFill>
+                  <a:srgbClr val="FFFFFF"/>
+                </a:solidFill>
+                <a:effectLst/>
+                <a:latin typeface="Arial" panose="020B0604020202020204" pitchFamily="34" charset="0"/>
+                <a:cs typeface="Arial" panose="020B0604020202020204" pitchFamily="34" charset="0"/>
+              </a:rPr>
+              <a:t>элементов</a:t>
+            </a:r>
+            <a:r>
+              <a:rPr lang="en-US" b="0" i="1" dirty="0">
+                <a:solidFill>
+                  <a:srgbClr val="FFFFFF"/>
+                </a:solidFill>
+                <a:effectLst/>
+                <a:latin typeface="Arial" panose="020B0604020202020204" pitchFamily="34" charset="0"/>
+                <a:cs typeface="Arial" panose="020B0604020202020204" pitchFamily="34" charset="0"/>
+              </a:rPr>
+              <a:t> </a:t>
+            </a:r>
+            <a:r>
+              <a:rPr lang="en-US" b="0" i="1" dirty="0" err="1">
+                <a:solidFill>
+                  <a:srgbClr val="FFFFFF"/>
+                </a:solidFill>
+                <a:effectLst/>
+                <a:latin typeface="Arial" panose="020B0604020202020204" pitchFamily="34" charset="0"/>
+                <a:cs typeface="Arial" panose="020B0604020202020204" pitchFamily="34" charset="0"/>
+              </a:rPr>
+              <a:t>трехмерного</a:t>
+            </a:r>
+            <a:r>
+              <a:rPr lang="en-US" b="0" i="1" dirty="0">
+                <a:solidFill>
+                  <a:srgbClr val="FFFFFF"/>
+                </a:solidFill>
+                <a:effectLst/>
+                <a:latin typeface="Arial" panose="020B0604020202020204" pitchFamily="34" charset="0"/>
+                <a:cs typeface="Arial" panose="020B0604020202020204" pitchFamily="34" charset="0"/>
+              </a:rPr>
+              <a:t> </a:t>
+            </a:r>
+            <a:r>
+              <a:rPr lang="en-US" b="0" i="1" dirty="0" err="1">
+                <a:solidFill>
+                  <a:srgbClr val="FFFFFF"/>
+                </a:solidFill>
+                <a:effectLst/>
+                <a:latin typeface="Arial" panose="020B0604020202020204" pitchFamily="34" charset="0"/>
+                <a:cs typeface="Arial" panose="020B0604020202020204" pitchFamily="34" charset="0"/>
+              </a:rPr>
+              <a:t>массива</a:t>
             </a:r>
             <a:r>
               <a:rPr lang="en-US" b="0" i="0" dirty="0">
                 <a:solidFill>
-                  <a:srgbClr val="986801"/>
-                </a:solidFill>
-                <a:effectLst/>
-                <a:latin typeface="SFMono-Regular"/>
-              </a:rPr>
-              <a:t>2</a:t>
-            </a:r>
+                  <a:srgbClr val="FFFFFF"/>
+                </a:solidFill>
+                <a:effectLst/>
+                <a:latin typeface="Arial" panose="020B0604020202020204" pitchFamily="34" charset="0"/>
+                <a:cs typeface="Arial" panose="020B0604020202020204" pitchFamily="34" charset="0"/>
+              </a:rPr>
+              <a:t> </a:t>
+            </a:r>
+          </a:p>
+          <a:p>
+            <a:pPr defTabSz="914400">
+              <a:lnSpc>
+                <a:spcPct val="90000"/>
+              </a:lnSpc>
+              <a:spcAft>
+                <a:spcPts val="600"/>
+              </a:spcAft>
+              <a:buClr>
+                <a:schemeClr val="accent1"/>
+              </a:buClr>
+            </a:pPr>
             <a:r>
               <a:rPr lang="en-US" b="0" i="0" dirty="0">
                 <a:solidFill>
-                  <a:srgbClr val="383A42"/>
-                </a:solidFill>
-                <a:effectLst/>
-                <a:latin typeface="SFMono-Regular"/>
-              </a:rPr>
-              <a:t> }, { </a:t>
+                  <a:srgbClr val="FFFFFF"/>
+                </a:solidFill>
+                <a:effectLst/>
+                <a:latin typeface="Arial" panose="020B0604020202020204" pitchFamily="34" charset="0"/>
+                <a:cs typeface="Arial" panose="020B0604020202020204" pitchFamily="34" charset="0"/>
+              </a:rPr>
+              <a:t> </a:t>
+            </a:r>
+            <a:r>
+              <a:rPr lang="en-US" b="0" i="0" dirty="0" err="1">
+                <a:solidFill>
+                  <a:srgbClr val="FFFFFF"/>
+                </a:solidFill>
+                <a:effectLst/>
+                <a:latin typeface="Arial" panose="020B0604020202020204" pitchFamily="34" charset="0"/>
+                <a:cs typeface="Arial" panose="020B0604020202020204" pitchFamily="34" charset="0"/>
+              </a:rPr>
+              <a:t>System.</a:t>
+            </a:r>
+            <a:r>
+              <a:rPr lang="en-US" dirty="0" err="1">
+                <a:solidFill>
+                  <a:srgbClr val="FFFFFF"/>
+                </a:solidFill>
+                <a:latin typeface="Arial" panose="020B0604020202020204" pitchFamily="34" charset="0"/>
+                <a:cs typeface="Arial" panose="020B0604020202020204" pitchFamily="34" charset="0"/>
+              </a:rPr>
+              <a:t>out</a:t>
+            </a:r>
+            <a:r>
+              <a:rPr lang="en-US" b="0" i="0" dirty="0" err="1">
+                <a:solidFill>
+                  <a:srgbClr val="FFFFFF"/>
+                </a:solidFill>
+                <a:effectLst/>
+                <a:latin typeface="Arial" panose="020B0604020202020204" pitchFamily="34" charset="0"/>
+                <a:cs typeface="Arial" panose="020B0604020202020204" pitchFamily="34" charset="0"/>
+              </a:rPr>
+              <a:t>.println</a:t>
             </a:r>
             <a:r>
               <a:rPr lang="en-US" b="0" i="0" dirty="0">
                 <a:solidFill>
-                  <a:srgbClr val="986801"/>
-                </a:solidFill>
-                <a:effectLst/>
-                <a:latin typeface="SFMono-Regular"/>
-              </a:rPr>
-              <a:t>5</a:t>
+                  <a:srgbClr val="FFFFFF"/>
+                </a:solidFill>
+                <a:effectLst/>
+                <a:latin typeface="Arial" panose="020B0604020202020204" pitchFamily="34" charset="0"/>
+                <a:cs typeface="Arial" panose="020B0604020202020204" pitchFamily="34" charset="0"/>
+              </a:rPr>
+              <a:t>("</a:t>
+            </a:r>
+            <a:r>
+              <a:rPr lang="en-US" b="0" i="0" dirty="0" err="1">
+                <a:solidFill>
+                  <a:srgbClr val="FFFFFF"/>
+                </a:solidFill>
+                <a:effectLst/>
+                <a:latin typeface="Arial" panose="020B0604020202020204" pitchFamily="34" charset="0"/>
+                <a:cs typeface="Arial" panose="020B0604020202020204" pitchFamily="34" charset="0"/>
+              </a:rPr>
+              <a:t>n.length</a:t>
             </a:r>
             <a:r>
               <a:rPr lang="en-US" b="0" i="0" dirty="0">
                 <a:solidFill>
-                  <a:srgbClr val="383A42"/>
-                </a:solidFill>
-                <a:effectLst/>
-                <a:latin typeface="SFMono-Regular"/>
-              </a:rPr>
-              <a:t>, </a:t>
+                  <a:srgbClr val="FFFFFF"/>
+                </a:solidFill>
+                <a:effectLst/>
+                <a:latin typeface="Arial" panose="020B0604020202020204" pitchFamily="34" charset="0"/>
+                <a:cs typeface="Arial" panose="020B0604020202020204" pitchFamily="34" charset="0"/>
+              </a:rPr>
+              <a:t>=" + </a:t>
+            </a:r>
+            <a:r>
+              <a:rPr lang="en-US" b="0" i="0" dirty="0" err="1">
+                <a:solidFill>
+                  <a:srgbClr val="FFFFFF"/>
+                </a:solidFill>
+                <a:effectLst/>
+                <a:latin typeface="Arial" panose="020B0604020202020204" pitchFamily="34" charset="0"/>
+                <a:cs typeface="Arial" panose="020B0604020202020204" pitchFamily="34" charset="0"/>
+              </a:rPr>
+              <a:t>n.length</a:t>
             </a:r>
             <a:r>
               <a:rPr lang="en-US" b="0" i="0" dirty="0">
                 <a:solidFill>
-                  <a:srgbClr val="986801"/>
-                </a:solidFill>
-                <a:effectLst/>
-                <a:latin typeface="SFMono-Regular"/>
-              </a:rPr>
-              <a:t>6</a:t>
-            </a:r>
-            <a:r>
-              <a:rPr lang="en-US" b="0" i="0" dirty="0">
-                <a:solidFill>
-                  <a:srgbClr val="383A42"/>
-                </a:solidFill>
-                <a:effectLst/>
-                <a:latin typeface="SFMono-Regular"/>
-              </a:rPr>
-              <a:t> }, { </a:t>
-            </a:r>
-            <a:r>
-              <a:rPr lang="en-US" b="0" i="0" dirty="0">
-                <a:solidFill>
-                  <a:srgbClr val="986801"/>
-                </a:solidFill>
-                <a:effectLst/>
-                <a:latin typeface="SFMono-Regular"/>
-              </a:rPr>
-              <a:t>2</a:t>
-            </a:r>
-            <a:r>
-              <a:rPr lang="en-US" b="0" i="0" dirty="0">
-                <a:solidFill>
-                  <a:srgbClr val="383A42"/>
-                </a:solidFill>
-                <a:effectLst/>
-                <a:latin typeface="SFMono-Regular"/>
-              </a:rPr>
-              <a:t>, </a:t>
-            </a:r>
-            <a:r>
-              <a:rPr lang="en-US" b="0" i="0" dirty="0">
-                <a:solidFill>
-                  <a:srgbClr val="986801"/>
-                </a:solidFill>
-                <a:effectLst/>
-                <a:latin typeface="SFMono-Regular"/>
-              </a:rPr>
-              <a:t>8</a:t>
-            </a:r>
-            <a:r>
-              <a:rPr lang="en-US" b="0" i="0" dirty="0">
-                <a:solidFill>
-                  <a:srgbClr val="383A42"/>
-                </a:solidFill>
-                <a:effectLst/>
-                <a:latin typeface="SFMono-Regular"/>
-              </a:rPr>
-              <a:t>, </a:t>
-            </a:r>
-            <a:r>
-              <a:rPr lang="en-US" b="0" i="0" dirty="0">
-                <a:solidFill>
-                  <a:srgbClr val="986801"/>
-                </a:solidFill>
-                <a:effectLst/>
-                <a:latin typeface="SFMono-Regular"/>
-              </a:rPr>
-              <a:t>9</a:t>
-            </a:r>
-            <a:r>
-              <a:rPr lang="en-US" b="0" i="0" dirty="0">
-                <a:solidFill>
-                  <a:srgbClr val="383A42"/>
-                </a:solidFill>
-                <a:effectLst/>
-                <a:latin typeface="SFMono-Regular"/>
-              </a:rPr>
-              <a:t>, </a:t>
-            </a:r>
-            <a:r>
-              <a:rPr lang="en-US" b="0" i="0" dirty="0">
-                <a:solidFill>
-                  <a:srgbClr val="986801"/>
-                </a:solidFill>
-                <a:effectLst/>
-                <a:latin typeface="SFMono-Regular"/>
-              </a:rPr>
-              <a:t>4</a:t>
-            </a:r>
-            <a:r>
-              <a:rPr lang="en-US" b="0" i="0" dirty="0">
-                <a:solidFill>
-                  <a:srgbClr val="383A42"/>
-                </a:solidFill>
-                <a:effectLst/>
-                <a:latin typeface="SFMono-Regular"/>
-              </a:rPr>
-              <a:t>, </a:t>
-            </a:r>
-            <a:r>
-              <a:rPr lang="en-US" b="0" i="0" dirty="0">
-                <a:solidFill>
-                  <a:srgbClr val="986801"/>
-                </a:solidFill>
-                <a:effectLst/>
-                <a:latin typeface="SFMono-Regular"/>
-              </a:rPr>
-              <a:t>5</a:t>
-            </a:r>
-            <a:r>
-              <a:rPr lang="en-US" b="0" i="0" dirty="0">
-                <a:solidFill>
-                  <a:srgbClr val="383A42"/>
-                </a:solidFill>
-                <a:effectLst/>
-                <a:latin typeface="SFMono-Regular"/>
-              </a:rPr>
-              <a:t> } }, { { </a:t>
-            </a:r>
-            <a:r>
-              <a:rPr lang="en-US" b="0" i="0" dirty="0">
-                <a:solidFill>
-                  <a:srgbClr val="986801"/>
-                </a:solidFill>
-                <a:effectLst/>
-                <a:latin typeface="SFMono-Regular"/>
-              </a:rPr>
-              <a:t>3</a:t>
-            </a:r>
-            <a:r>
-              <a:rPr lang="en-US" b="0" i="0" dirty="0">
-                <a:solidFill>
-                  <a:srgbClr val="383A42"/>
-                </a:solidFill>
-                <a:effectLst/>
-                <a:latin typeface="SFMono-Regular"/>
-              </a:rPr>
-              <a:t> } }, { {} } };</a:t>
-            </a:r>
-            <a:endParaRPr lang="ru-RU" b="0" i="0" dirty="0">
+                  <a:srgbClr val="FFFFFF"/>
+                </a:solidFill>
+                <a:effectLst/>
+                <a:latin typeface="Arial" panose="020B0604020202020204" pitchFamily="34" charset="0"/>
+                <a:cs typeface="Arial" panose="020B0604020202020204" pitchFamily="34" charset="0"/>
+              </a:rPr>
+              <a:t>);</a:t>
+            </a:r>
+          </a:p>
+          <a:p>
+            <a:pPr defTabSz="914400">
+              <a:lnSpc>
+                <a:spcPct val="90000"/>
+              </a:lnSpc>
+              <a:spcAft>
+                <a:spcPts val="600"/>
+              </a:spcAft>
+              <a:buClr>
+                <a:schemeClr val="accent1"/>
+              </a:buClr>
+            </a:pPr>
+            <a:endParaRPr lang="en-US" b="0" i="0" dirty="0">
               <a:solidFill>
-                <a:srgbClr val="383A42"/>
+                <a:srgbClr val="FFFFFF"/>
               </a:solidFill>
               <a:effectLst/>
-              <a:latin typeface="SFMono-Regular"/>
+              <a:latin typeface="Arial" panose="020B0604020202020204" pitchFamily="34" charset="0"/>
+              <a:cs typeface="Arial" panose="020B0604020202020204" pitchFamily="34" charset="0"/>
             </a:endParaRPr>
           </a:p>
           <a:p>
+            <a:pPr defTabSz="914400">
+              <a:lnSpc>
+                <a:spcPct val="90000"/>
+              </a:lnSpc>
+              <a:spcAft>
+                <a:spcPts val="600"/>
+              </a:spcAft>
+              <a:buClr>
+                <a:schemeClr val="accent1"/>
+              </a:buClr>
+            </a:pPr>
             <a:r>
               <a:rPr lang="en-US" b="0" i="0" dirty="0">
                 <a:solidFill>
-                  <a:srgbClr val="383A42"/>
-                </a:solidFill>
-                <a:effectLst/>
-                <a:latin typeface="SFMono-Regular"/>
-              </a:rPr>
-              <a:t> </a:t>
-            </a:r>
-          </a:p>
-          <a:p>
-            <a:r>
-              <a:rPr lang="en-US" b="0" i="1" dirty="0">
-                <a:solidFill>
-                  <a:srgbClr val="A0A1A7"/>
-                </a:solidFill>
-                <a:effectLst/>
-                <a:latin typeface="SFMono-Regular"/>
-              </a:rPr>
-              <a:t>// </a:t>
-            </a:r>
-            <a:r>
-              <a:rPr lang="ru-RU" b="0" i="1" dirty="0">
-                <a:solidFill>
-                  <a:srgbClr val="A0A1A7"/>
-                </a:solidFill>
-                <a:effectLst/>
-                <a:latin typeface="SFMono-Regular"/>
-              </a:rPr>
-              <a:t>Вывод элементов трехмерного массива</a:t>
-            </a:r>
-            <a:r>
-              <a:rPr lang="ru-RU" b="0" i="0" dirty="0">
-                <a:solidFill>
-                  <a:srgbClr val="383A42"/>
-                </a:solidFill>
-                <a:effectLst/>
-                <a:latin typeface="SFMono-Regular"/>
-              </a:rPr>
-              <a:t> </a:t>
-            </a:r>
-          </a:p>
-          <a:p>
-            <a:r>
-              <a:rPr lang="ru-RU" b="0" i="0" dirty="0">
-                <a:solidFill>
-                  <a:srgbClr val="383A42"/>
-                </a:solidFill>
-                <a:effectLst/>
-                <a:latin typeface="SFMono-Regular"/>
-              </a:rPr>
-              <a:t> </a:t>
+                  <a:srgbClr val="FFFFFF"/>
+                </a:solidFill>
+                <a:effectLst/>
+                <a:latin typeface="Arial" panose="020B0604020202020204" pitchFamily="34" charset="0"/>
+                <a:cs typeface="Arial" panose="020B0604020202020204" pitchFamily="34" charset="0"/>
+              </a:rPr>
+              <a:t>for (int x = 0; x &lt; </a:t>
             </a:r>
             <a:r>
               <a:rPr lang="en-US" b="0" i="0" dirty="0" err="1">
                 <a:solidFill>
-                  <a:srgbClr val="383A42"/>
-                </a:solidFill>
-                <a:effectLst/>
-                <a:latin typeface="SFMono-Regular"/>
-              </a:rPr>
-              <a:t>System.</a:t>
+                  <a:srgbClr val="FFFFFF"/>
+                </a:solidFill>
+                <a:effectLst/>
+                <a:latin typeface="Arial" panose="020B0604020202020204" pitchFamily="34" charset="0"/>
+                <a:cs typeface="Arial" panose="020B0604020202020204" pitchFamily="34" charset="0"/>
+              </a:rPr>
+              <a:t>n.length</a:t>
+            </a:r>
+            <a:r>
+              <a:rPr lang="en-US" b="0" i="0" dirty="0">
+                <a:solidFill>
+                  <a:srgbClr val="FFFFFF"/>
+                </a:solidFill>
+                <a:effectLst/>
+                <a:latin typeface="Arial" panose="020B0604020202020204" pitchFamily="34" charset="0"/>
+                <a:cs typeface="Arial" panose="020B0604020202020204" pitchFamily="34" charset="0"/>
+              </a:rPr>
+              <a:t>; x++) {</a:t>
+            </a:r>
+          </a:p>
+          <a:p>
+            <a:pPr defTabSz="914400">
+              <a:lnSpc>
+                <a:spcPct val="90000"/>
+              </a:lnSpc>
+              <a:spcAft>
+                <a:spcPts val="600"/>
+              </a:spcAft>
+              <a:buClr>
+                <a:schemeClr val="accent1"/>
+              </a:buClr>
+            </a:pPr>
+            <a:r>
+              <a:rPr lang="en-US" dirty="0">
+                <a:solidFill>
+                  <a:srgbClr val="FFFFFF"/>
+                </a:solidFill>
+                <a:latin typeface="Arial" panose="020B0604020202020204" pitchFamily="34" charset="0"/>
+                <a:cs typeface="Arial" panose="020B0604020202020204" pitchFamily="34" charset="0"/>
+              </a:rPr>
+              <a:t>      </a:t>
+            </a:r>
+            <a:r>
+              <a:rPr lang="en-US" b="0" i="0" dirty="0">
+                <a:solidFill>
+                  <a:srgbClr val="FFFFFF"/>
+                </a:solidFill>
+                <a:effectLst/>
+                <a:latin typeface="Arial" panose="020B0604020202020204" pitchFamily="34" charset="0"/>
+                <a:cs typeface="Arial" panose="020B0604020202020204" pitchFamily="34" charset="0"/>
+              </a:rPr>
+              <a:t>for (int y = 0; y &lt; n[x].length; y++) { </a:t>
+            </a:r>
+          </a:p>
+          <a:p>
+            <a:pPr defTabSz="914400">
+              <a:lnSpc>
+                <a:spcPct val="90000"/>
+              </a:lnSpc>
+              <a:spcAft>
+                <a:spcPts val="600"/>
+              </a:spcAft>
+              <a:buClr>
+                <a:schemeClr val="accent1"/>
+              </a:buClr>
+            </a:pPr>
+            <a:r>
+              <a:rPr lang="en-US" b="0" i="0" dirty="0">
+                <a:solidFill>
+                  <a:srgbClr val="FFFFFF"/>
+                </a:solidFill>
+                <a:effectLst/>
+                <a:latin typeface="Arial" panose="020B0604020202020204" pitchFamily="34" charset="0"/>
+                <a:cs typeface="Arial" panose="020B0604020202020204" pitchFamily="34" charset="0"/>
+              </a:rPr>
+              <a:t>            for (int z = 0; z &lt; n[x][y].length; z++) {</a:t>
+            </a:r>
+          </a:p>
+          <a:p>
+            <a:pPr defTabSz="914400">
+              <a:lnSpc>
+                <a:spcPct val="90000"/>
+              </a:lnSpc>
+              <a:spcAft>
+                <a:spcPts val="600"/>
+              </a:spcAft>
+              <a:buClr>
+                <a:schemeClr val="accent1"/>
+              </a:buClr>
+            </a:pPr>
+            <a:r>
+              <a:rPr lang="en-US" dirty="0">
+                <a:solidFill>
+                  <a:srgbClr val="FFFFFF"/>
+                </a:solidFill>
+                <a:latin typeface="Arial" panose="020B0604020202020204" pitchFamily="34" charset="0"/>
+                <a:cs typeface="Arial" panose="020B0604020202020204" pitchFamily="34" charset="0"/>
+              </a:rPr>
+              <a:t>	 </a:t>
             </a:r>
             <a:r>
               <a:rPr lang="en-US" dirty="0" err="1">
                 <a:solidFill>
-                  <a:srgbClr val="383A42"/>
-                </a:solidFill>
-                <a:latin typeface="SFMono-Regular"/>
-              </a:rPr>
-              <a:t>out</a:t>
+                  <a:srgbClr val="FFFFFF"/>
+                </a:solidFill>
+                <a:latin typeface="Arial" panose="020B0604020202020204" pitchFamily="34" charset="0"/>
+                <a:cs typeface="Arial" panose="020B0604020202020204" pitchFamily="34" charset="0"/>
+              </a:rPr>
+              <a:t>System.out</a:t>
             </a:r>
             <a:r>
               <a:rPr lang="en-US" b="0" i="0" dirty="0" err="1">
                 <a:solidFill>
-                  <a:srgbClr val="383A42"/>
-                </a:solidFill>
-                <a:effectLst/>
-                <a:latin typeface="SFMono-Regular"/>
+                  <a:srgbClr val="FFFFFF"/>
+                </a:solidFill>
+                <a:effectLst/>
+                <a:latin typeface="Arial" panose="020B0604020202020204" pitchFamily="34" charset="0"/>
+                <a:cs typeface="Arial" panose="020B0604020202020204" pitchFamily="34" charset="0"/>
               </a:rPr>
               <a:t>.println</a:t>
             </a:r>
             <a:r>
+              <a:rPr lang="en-US" dirty="0">
+                <a:solidFill>
+                  <a:srgbClr val="FFFFFF"/>
+                </a:solidFill>
+                <a:latin typeface="Arial" panose="020B0604020202020204" pitchFamily="34" charset="0"/>
+                <a:cs typeface="Arial" panose="020B0604020202020204" pitchFamily="34" charset="0"/>
+              </a:rPr>
+              <a:t>(“n[%</a:t>
+            </a:r>
+            <a:r>
+              <a:rPr lang="en-US" dirty="0" err="1">
+                <a:solidFill>
+                  <a:srgbClr val="FFFFFF"/>
+                </a:solidFill>
+                <a:latin typeface="Arial" panose="020B0604020202020204" pitchFamily="34" charset="0"/>
+                <a:cs typeface="Arial" panose="020B0604020202020204" pitchFamily="34" charset="0"/>
+              </a:rPr>
+              <a:t>d,%d,%d</a:t>
+            </a:r>
+            <a:r>
+              <a:rPr lang="en-US" dirty="0">
+                <a:solidFill>
+                  <a:srgbClr val="FFFFFF"/>
+                </a:solidFill>
+                <a:latin typeface="Arial" panose="020B0604020202020204" pitchFamily="34" charset="0"/>
+                <a:cs typeface="Arial" panose="020B0604020202020204" pitchFamily="34" charset="0"/>
+              </a:rPr>
+              <a:t>] = %d“, x, y, z, </a:t>
+            </a:r>
+            <a:r>
               <a:rPr lang="en-US" b="0" i="0" dirty="0">
                 <a:solidFill>
-                  <a:srgbClr val="383A42"/>
-                </a:solidFill>
-                <a:effectLst/>
-                <a:latin typeface="SFMono-Regular"/>
-              </a:rPr>
-              <a:t>(</a:t>
+                  <a:srgbClr val="FFFFFF"/>
+                </a:solidFill>
+                <a:effectLst/>
+                <a:latin typeface="Arial" panose="020B0604020202020204" pitchFamily="34" charset="0"/>
+                <a:cs typeface="Arial" panose="020B0604020202020204" pitchFamily="34" charset="0"/>
+              </a:rPr>
+              <a:t>n[x][y][z]);</a:t>
+            </a:r>
+          </a:p>
+          <a:p>
+            <a:pPr defTabSz="914400">
+              <a:buClr>
+                <a:schemeClr val="accent1"/>
+              </a:buClr>
+            </a:pPr>
+            <a:r>
+              <a:rPr lang="en-US" dirty="0">
+                <a:solidFill>
+                  <a:srgbClr val="FFFFFF"/>
+                </a:solidFill>
+                <a:latin typeface="Arial" panose="020B0604020202020204" pitchFamily="34" charset="0"/>
+                <a:cs typeface="Arial" panose="020B0604020202020204" pitchFamily="34" charset="0"/>
+              </a:rPr>
+              <a:t>		</a:t>
             </a:r>
             <a:r>
               <a:rPr lang="en-US" b="0" i="0" dirty="0">
                 <a:solidFill>
-                  <a:srgbClr val="50A14F"/>
-                </a:solidFill>
-                <a:effectLst/>
-                <a:latin typeface="SFMono-Regular"/>
-              </a:rPr>
-              <a:t>"</a:t>
-            </a:r>
-            <a:r>
-              <a:rPr lang="en-US" b="0" i="0" dirty="0" err="1">
-                <a:solidFill>
-                  <a:srgbClr val="50A14F"/>
-                </a:solidFill>
-                <a:effectLst/>
-                <a:latin typeface="SFMono-Regular"/>
-              </a:rPr>
-              <a:t>n.length</a:t>
+                  <a:srgbClr val="FFFFFF"/>
+                </a:solidFill>
+                <a:effectLst/>
+                <a:latin typeface="Arial" panose="020B0604020202020204" pitchFamily="34" charset="0"/>
+                <a:cs typeface="Arial" panose="020B0604020202020204" pitchFamily="34" charset="0"/>
+              </a:rPr>
+              <a:t>} </a:t>
+            </a:r>
+          </a:p>
+          <a:p>
+            <a:pPr defTabSz="914400">
+              <a:buClr>
+                <a:schemeClr val="accent1"/>
+              </a:buClr>
+            </a:pPr>
+            <a:r>
+              <a:rPr lang="en-US" dirty="0">
+                <a:solidFill>
+                  <a:srgbClr val="FFFFFF"/>
+                </a:solidFill>
+                <a:latin typeface="Arial" panose="020B0604020202020204" pitchFamily="34" charset="0"/>
+                <a:cs typeface="Arial" panose="020B0604020202020204" pitchFamily="34" charset="0"/>
+              </a:rPr>
+              <a:t>	</a:t>
             </a:r>
             <a:r>
               <a:rPr lang="en-US" b="0" i="0" dirty="0">
                 <a:solidFill>
-                  <a:srgbClr val="50A14F"/>
-                </a:solidFill>
-                <a:effectLst/>
-                <a:latin typeface="SFMono-Regular"/>
-              </a:rPr>
-              <a:t>="</a:t>
-            </a:r>
+                  <a:srgbClr val="FFFFFF"/>
+                </a:solidFill>
+                <a:effectLst/>
+                <a:latin typeface="Arial" panose="020B0604020202020204" pitchFamily="34" charset="0"/>
+                <a:cs typeface="Arial" panose="020B0604020202020204" pitchFamily="34" charset="0"/>
+              </a:rPr>
+              <a:t>}</a:t>
+            </a:r>
+          </a:p>
+          <a:p>
+            <a:pPr defTabSz="914400">
+              <a:buClr>
+                <a:schemeClr val="accent1"/>
+              </a:buClr>
+            </a:pPr>
             <a:r>
               <a:rPr lang="en-US" b="0" i="0" dirty="0">
                 <a:solidFill>
-                  <a:srgbClr val="383A42"/>
-                </a:solidFill>
-                <a:effectLst/>
-                <a:latin typeface="SFMono-Regular"/>
-              </a:rPr>
-              <a:t> + </a:t>
-            </a:r>
-            <a:r>
-              <a:rPr lang="en-US" b="0" i="0" dirty="0" err="1">
-                <a:solidFill>
-                  <a:srgbClr val="383A42"/>
-                </a:solidFill>
-                <a:effectLst/>
-                <a:latin typeface="SFMono-Regular"/>
-              </a:rPr>
-              <a:t>n.length</a:t>
-            </a:r>
-            <a:r>
-              <a:rPr lang="en-US" b="0" i="0" dirty="0">
-                <a:solidFill>
-                  <a:srgbClr val="383A42"/>
-                </a:solidFill>
-                <a:effectLst/>
-                <a:latin typeface="SFMono-Regular"/>
-              </a:rPr>
-              <a:t>);</a:t>
-            </a:r>
-          </a:p>
-          <a:p>
-            <a:r>
-              <a:rPr lang="en-US" b="0" i="0" dirty="0">
-                <a:solidFill>
-                  <a:srgbClr val="A626A4"/>
-                </a:solidFill>
-                <a:effectLst/>
-                <a:latin typeface="SFMono-Regular"/>
-              </a:rPr>
-              <a:t>for</a:t>
-            </a:r>
-            <a:r>
-              <a:rPr lang="en-US" b="0" i="0" dirty="0">
-                <a:solidFill>
-                  <a:srgbClr val="383A42"/>
-                </a:solidFill>
-                <a:effectLst/>
-                <a:latin typeface="SFMono-Regular"/>
-              </a:rPr>
-              <a:t> (</a:t>
-            </a:r>
-            <a:r>
-              <a:rPr lang="en-US" b="0" i="0" dirty="0">
-                <a:solidFill>
-                  <a:srgbClr val="A626A4"/>
-                </a:solidFill>
-                <a:effectLst/>
-                <a:latin typeface="SFMono-Regular"/>
-              </a:rPr>
-              <a:t>int</a:t>
-            </a:r>
-            <a:r>
-              <a:rPr lang="en-US" b="0" i="0" dirty="0">
-                <a:solidFill>
-                  <a:srgbClr val="383A42"/>
-                </a:solidFill>
-                <a:effectLst/>
-                <a:latin typeface="SFMono-Regular"/>
-              </a:rPr>
-              <a:t> x = </a:t>
-            </a:r>
-            <a:r>
-              <a:rPr lang="en-US" b="0" i="0" dirty="0">
-                <a:solidFill>
-                  <a:srgbClr val="986801"/>
-                </a:solidFill>
-                <a:effectLst/>
-                <a:latin typeface="SFMono-Regular"/>
-              </a:rPr>
-              <a:t>0</a:t>
-            </a:r>
-            <a:r>
-              <a:rPr lang="en-US" b="0" i="0" dirty="0">
-                <a:solidFill>
-                  <a:srgbClr val="383A42"/>
-                </a:solidFill>
-                <a:effectLst/>
-                <a:latin typeface="SFMono-Regular"/>
-              </a:rPr>
-              <a:t>; x &lt; </a:t>
-            </a:r>
-            <a:r>
-              <a:rPr lang="en-US" b="0" i="0" dirty="0" err="1">
-                <a:solidFill>
-                  <a:srgbClr val="383A42"/>
-                </a:solidFill>
-                <a:effectLst/>
-                <a:latin typeface="SFMono-Regular"/>
-              </a:rPr>
-              <a:t>n.length</a:t>
-            </a:r>
-            <a:r>
-              <a:rPr lang="en-US" b="0" i="0" dirty="0">
-                <a:solidFill>
-                  <a:srgbClr val="383A42"/>
-                </a:solidFill>
-                <a:effectLst/>
-                <a:latin typeface="SFMono-Regular"/>
-              </a:rPr>
-              <a:t>; x++) {</a:t>
-            </a:r>
-          </a:p>
-          <a:p>
-            <a:r>
-              <a:rPr lang="en-US" dirty="0">
-                <a:solidFill>
-                  <a:srgbClr val="383A42"/>
-                </a:solidFill>
-                <a:latin typeface="SFMono-Regular"/>
-              </a:rPr>
-              <a:t>	</a:t>
-            </a:r>
-            <a:r>
-              <a:rPr lang="en-US" b="0" i="0" dirty="0">
-                <a:solidFill>
-                  <a:srgbClr val="A626A4"/>
-                </a:solidFill>
-                <a:effectLst/>
-                <a:latin typeface="SFMono-Regular"/>
-              </a:rPr>
-              <a:t>for</a:t>
-            </a:r>
-            <a:r>
-              <a:rPr lang="en-US" b="0" i="0" dirty="0">
-                <a:solidFill>
-                  <a:srgbClr val="383A42"/>
-                </a:solidFill>
-                <a:effectLst/>
-                <a:latin typeface="SFMono-Regular"/>
-              </a:rPr>
-              <a:t> (</a:t>
-            </a:r>
-            <a:r>
-              <a:rPr lang="en-US" b="0" i="0" dirty="0">
-                <a:solidFill>
-                  <a:srgbClr val="A626A4"/>
-                </a:solidFill>
-                <a:effectLst/>
-                <a:latin typeface="SFMono-Regular"/>
-              </a:rPr>
-              <a:t>int</a:t>
-            </a:r>
-            <a:r>
-              <a:rPr lang="en-US" b="0" i="0" dirty="0">
-                <a:solidFill>
-                  <a:srgbClr val="383A42"/>
-                </a:solidFill>
-                <a:effectLst/>
-                <a:latin typeface="SFMono-Regular"/>
-              </a:rPr>
-              <a:t> y = </a:t>
-            </a:r>
-            <a:r>
-              <a:rPr lang="en-US" b="0" i="0" dirty="0">
-                <a:solidFill>
-                  <a:srgbClr val="986801"/>
-                </a:solidFill>
-                <a:effectLst/>
-                <a:latin typeface="SFMono-Regular"/>
-              </a:rPr>
-              <a:t>0</a:t>
-            </a:r>
-            <a:r>
-              <a:rPr lang="en-US" b="0" i="0" dirty="0">
-                <a:solidFill>
-                  <a:srgbClr val="383A42"/>
-                </a:solidFill>
-                <a:effectLst/>
-                <a:latin typeface="SFMono-Regular"/>
-              </a:rPr>
-              <a:t>; y &lt; n[x].length; y++) { </a:t>
-            </a:r>
-          </a:p>
-          <a:p>
-            <a:r>
-              <a:rPr lang="en-US" dirty="0">
-                <a:solidFill>
-                  <a:srgbClr val="383A42"/>
-                </a:solidFill>
-                <a:latin typeface="SFMono-Regular"/>
-              </a:rPr>
-              <a:t>		</a:t>
-            </a:r>
-            <a:r>
-              <a:rPr lang="en-US" b="0" i="0" dirty="0">
-                <a:solidFill>
-                  <a:srgbClr val="A626A4"/>
-                </a:solidFill>
-                <a:effectLst/>
-                <a:latin typeface="SFMono-Regular"/>
-              </a:rPr>
-              <a:t>for</a:t>
-            </a:r>
-            <a:r>
-              <a:rPr lang="en-US" b="0" i="0" dirty="0">
-                <a:solidFill>
-                  <a:srgbClr val="383A42"/>
-                </a:solidFill>
-                <a:effectLst/>
-                <a:latin typeface="SFMono-Regular"/>
-              </a:rPr>
-              <a:t> (</a:t>
-            </a:r>
-            <a:r>
-              <a:rPr lang="en-US" b="0" i="0" dirty="0">
-                <a:solidFill>
-                  <a:srgbClr val="A626A4"/>
-                </a:solidFill>
-                <a:effectLst/>
-                <a:latin typeface="SFMono-Regular"/>
-              </a:rPr>
-              <a:t>int</a:t>
-            </a:r>
-            <a:r>
-              <a:rPr lang="en-US" b="0" i="0" dirty="0">
-                <a:solidFill>
-                  <a:srgbClr val="383A42"/>
-                </a:solidFill>
-                <a:effectLst/>
-                <a:latin typeface="SFMono-Regular"/>
-              </a:rPr>
-              <a:t> z = </a:t>
-            </a:r>
-            <a:r>
-              <a:rPr lang="en-US" b="0" i="0" dirty="0">
-                <a:solidFill>
-                  <a:srgbClr val="986801"/>
-                </a:solidFill>
-                <a:effectLst/>
-                <a:latin typeface="SFMono-Regular"/>
-              </a:rPr>
-              <a:t>0</a:t>
-            </a:r>
-            <a:r>
-              <a:rPr lang="en-US" b="0" i="0" dirty="0">
-                <a:solidFill>
-                  <a:srgbClr val="383A42"/>
-                </a:solidFill>
-                <a:effectLst/>
-                <a:latin typeface="SFMono-Regular"/>
-              </a:rPr>
-              <a:t>; z &lt; n[x][y].length; z++) {</a:t>
-            </a:r>
-          </a:p>
-          <a:p>
-            <a:r>
-              <a:rPr lang="en-US" dirty="0">
-                <a:solidFill>
-                  <a:srgbClr val="383A42"/>
-                </a:solidFill>
-                <a:latin typeface="SFMono-Regular"/>
-              </a:rPr>
-              <a:t>			</a:t>
-            </a:r>
-            <a:r>
-              <a:rPr lang="en-US" b="0" i="0" dirty="0" err="1">
-                <a:solidFill>
-                  <a:srgbClr val="A626A4"/>
-                </a:solidFill>
-                <a:effectLst/>
-                <a:latin typeface="SFMono-Regular"/>
-              </a:rPr>
-              <a:t>out</a:t>
-            </a:r>
-            <a:r>
-              <a:rPr lang="en-US" b="0" i="0" dirty="0" err="1">
-                <a:solidFill>
-                  <a:srgbClr val="383A42"/>
-                </a:solidFill>
-                <a:effectLst/>
-                <a:latin typeface="SFMono-Regular"/>
-              </a:rPr>
-              <a:t>.println</a:t>
-            </a:r>
-            <a:r>
-              <a:rPr lang="en-US" b="0" i="0" dirty="0">
-                <a:solidFill>
-                  <a:srgbClr val="383A42"/>
-                </a:solidFill>
-                <a:effectLst/>
-                <a:latin typeface="SFMono-Regular"/>
-              </a:rPr>
-              <a:t>(</a:t>
-            </a:r>
-            <a:r>
-              <a:rPr lang="en-US" b="0" i="0" dirty="0">
-                <a:solidFill>
-                  <a:srgbClr val="50A14F"/>
-                </a:solidFill>
-                <a:effectLst/>
-                <a:latin typeface="SFMono-Regular"/>
-              </a:rPr>
-              <a:t>"n["</a:t>
-            </a:r>
-            <a:r>
-              <a:rPr lang="en-US" b="0" i="0" dirty="0">
-                <a:solidFill>
-                  <a:srgbClr val="383A42"/>
-                </a:solidFill>
-                <a:effectLst/>
-                <a:latin typeface="SFMono-Regular"/>
-              </a:rPr>
-              <a:t> + x + </a:t>
-            </a:r>
-            <a:r>
-              <a:rPr lang="en-US" b="0" i="0" dirty="0">
-                <a:solidFill>
-                  <a:srgbClr val="50A14F"/>
-                </a:solidFill>
-                <a:effectLst/>
-                <a:latin typeface="SFMono-Regular"/>
-              </a:rPr>
-              <a:t>"]["</a:t>
-            </a:r>
-            <a:r>
-              <a:rPr lang="en-US" b="0" i="0" dirty="0">
-                <a:solidFill>
-                  <a:srgbClr val="383A42"/>
-                </a:solidFill>
-                <a:effectLst/>
-                <a:latin typeface="SFMono-Regular"/>
-              </a:rPr>
-              <a:t> + y + </a:t>
-            </a:r>
-            <a:r>
-              <a:rPr lang="en-US" b="0" i="0" dirty="0">
-                <a:solidFill>
-                  <a:srgbClr val="50A14F"/>
-                </a:solidFill>
-                <a:effectLst/>
-                <a:latin typeface="SFMono-Regular"/>
-              </a:rPr>
-              <a:t>"]["</a:t>
-            </a:r>
-            <a:r>
-              <a:rPr lang="en-US" b="0" i="0" dirty="0">
-                <a:solidFill>
-                  <a:srgbClr val="383A42"/>
-                </a:solidFill>
-                <a:effectLst/>
-                <a:latin typeface="SFMono-Regular"/>
-              </a:rPr>
-              <a:t> + z + </a:t>
-            </a:r>
-            <a:r>
-              <a:rPr lang="en-US" b="0" i="0" dirty="0">
-                <a:solidFill>
-                  <a:srgbClr val="50A14F"/>
-                </a:solidFill>
-                <a:effectLst/>
-                <a:latin typeface="SFMono-Regular"/>
-              </a:rPr>
-              <a:t>"]="</a:t>
-            </a:r>
-            <a:r>
-              <a:rPr lang="en-US" b="0" i="0" dirty="0">
-                <a:solidFill>
-                  <a:srgbClr val="383A42"/>
-                </a:solidFill>
-                <a:effectLst/>
-                <a:latin typeface="SFMono-Regular"/>
-              </a:rPr>
-              <a:t> + n[x][y][z]);</a:t>
-            </a:r>
-          </a:p>
-          <a:p>
-            <a:r>
-              <a:rPr lang="en-US" dirty="0">
-                <a:solidFill>
-                  <a:srgbClr val="383A42"/>
-                </a:solidFill>
-                <a:latin typeface="SFMono-Regular"/>
-              </a:rPr>
-              <a:t>		</a:t>
-            </a:r>
-            <a:r>
-              <a:rPr lang="en-US" b="0" i="0" dirty="0">
-                <a:solidFill>
-                  <a:srgbClr val="383A42"/>
-                </a:solidFill>
-                <a:effectLst/>
-                <a:latin typeface="SFMono-Regular"/>
-              </a:rPr>
-              <a:t>} </a:t>
-            </a:r>
-          </a:p>
-          <a:p>
-            <a:r>
-              <a:rPr lang="en-US" dirty="0">
-                <a:solidFill>
-                  <a:srgbClr val="383A42"/>
-                </a:solidFill>
-                <a:latin typeface="SFMono-Regular"/>
-              </a:rPr>
-              <a:t>	</a:t>
-            </a:r>
-            <a:r>
-              <a:rPr lang="en-US" b="0" i="0" dirty="0">
-                <a:solidFill>
-                  <a:srgbClr val="383A42"/>
-                </a:solidFill>
-                <a:effectLst/>
-                <a:latin typeface="SFMono-Regular"/>
+                  <a:srgbClr val="FFFFFF"/>
+                </a:solidFill>
+                <a:effectLst/>
+                <a:latin typeface="Arial" panose="020B0604020202020204" pitchFamily="34" charset="0"/>
+                <a:cs typeface="Arial" panose="020B0604020202020204" pitchFamily="34" charset="0"/>
               </a:rPr>
               <a:t>}</a:t>
             </a:r>
-          </a:p>
-          <a:p>
-            <a:r>
-              <a:rPr lang="en-US" b="0" i="0" dirty="0">
-                <a:solidFill>
-                  <a:srgbClr val="383A42"/>
-                </a:solidFill>
-                <a:effectLst/>
-                <a:latin typeface="SFMono-Regular"/>
-              </a:rPr>
-              <a:t>}</a:t>
-            </a:r>
-            <a:endParaRPr lang="ru-RU" dirty="0"/>
+            <a:endParaRPr lang="en-US" dirty="0">
+              <a:solidFill>
+                <a:srgbClr val="FFFFFF"/>
+              </a:solidFill>
+              <a:latin typeface="Arial" panose="020B0604020202020204" pitchFamily="34" charset="0"/>
+              <a:cs typeface="Arial" panose="020B0604020202020204" pitchFamily="34" charset="0"/>
+            </a:endParaRPr>
           </a:p>
         </p:txBody>
       </p:sp>
@@ -9363,10 +10937,10 @@
       </p:grpSpPr>
       <p:sp useBgFill="1">
         <p:nvSpPr>
-          <p:cNvPr id="135" name="Rectangle 134">
+          <p:cNvPr id="85" name="Rectangle 84">
             <a:extLst>
               <a:ext uri="{FF2B5EF4-FFF2-40B4-BE49-F238E27FC236}">
-                <a16:creationId xmlns:a16="http://schemas.microsoft.com/office/drawing/2014/main" id="{9203ABB4-7E2A-4248-9FE7-4A419AFF2F17}"/>
+                <a16:creationId xmlns:a16="http://schemas.microsoft.com/office/drawing/2014/main" id="{EB8AA617-0537-4ED7-91B6-66511A647507}"/>
               </a:ext>
               <a:ext uri="{C183D7F6-B498-43B3-948B-1728B52AA6E4}">
                 <adec:decorative xmlns:adec="http://schemas.microsoft.com/office/drawing/2017/decorative" val="1"/>
@@ -9423,10 +10997,10 @@
       </p:sp>
       <p:sp>
         <p:nvSpPr>
-          <p:cNvPr id="137" name="Rectangle 136">
+          <p:cNvPr id="87" name="Rectangle 86">
             <a:extLst>
               <a:ext uri="{FF2B5EF4-FFF2-40B4-BE49-F238E27FC236}">
-                <a16:creationId xmlns:a16="http://schemas.microsoft.com/office/drawing/2014/main" id="{3126970D-C1E5-4FB1-84E8-86CB9CED1C80}"/>
+                <a16:creationId xmlns:a16="http://schemas.microsoft.com/office/drawing/2014/main" id="{C2E8BF1F-CE61-45C5-92AC-552D23176C03}"/>
               </a:ext>
               <a:ext uri="{C183D7F6-B498-43B3-948B-1728B52AA6E4}">
                 <adec:decorative xmlns:adec="http://schemas.microsoft.com/office/drawing/2017/decorative" val="1"/>
@@ -9492,8 +11066,8 @@
         </p:nvSpPr>
         <p:spPr>
           <a:xfrm>
-            <a:off x="5023098" y="4503037"/>
-            <a:ext cx="6597884" cy="1293305"/>
+            <a:off x="1069848" y="4590661"/>
+            <a:ext cx="10210862" cy="1065690"/>
           </a:xfrm>
           <a:prstGeom prst="rect">
             <a:avLst/>
@@ -9532,7 +11106,7 @@
               </a:buClr>
             </a:pPr>
             <a:r>
-              <a:rPr lang="ru-RU" dirty="0"/>
+              <a:rPr lang="en-US"/>
               <a:t>Структура хранения</a:t>
             </a:r>
             <a:endParaRPr lang="en-US" dirty="0"/>
@@ -9555,13 +11129,13 @@
         </p:nvPicPr>
         <p:blipFill rotWithShape="1">
           <a:blip r:embed="rId2"/>
-          <a:srcRect t="34908"/>
+          <a:srcRect t="2809" r="1" b="973"/>
           <a:stretch/>
         </p:blipFill>
         <p:spPr>
           <a:xfrm>
-            <a:off x="120750" y="1177118"/>
-            <a:ext cx="11586617" cy="2626485"/>
+            <a:off x="1069847" y="484632"/>
+            <a:ext cx="10637520" cy="3556755"/>
           </a:xfrm>
           <a:prstGeom prst="rect">
             <a:avLst/>
@@ -9737,8 +11311,8 @@
         </p:nvSpPr>
         <p:spPr>
           <a:xfrm>
-            <a:off x="1800347" y="4348248"/>
-            <a:ext cx="8591303" cy="1293305"/>
+            <a:off x="757992" y="4518400"/>
+            <a:ext cx="8767748" cy="1531612"/>
           </a:xfrm>
           <a:prstGeom prst="rect">
             <a:avLst/>
@@ -9746,7 +11320,7 @@
         </p:spPr>
         <p:txBody>
           <a:bodyPr vert="horz" lIns="91440" tIns="45720" rIns="91440" bIns="45720" rtlCol="0" anchor="b">
-            <a:normAutofit fontScale="32500" lnSpcReduction="20000"/>
+            <a:normAutofit fontScale="85000" lnSpcReduction="20000"/>
           </a:bodyPr>
           <a:lstStyle>
             <a:lvl1pPr algn="l" defTabSz="914400" rtl="0" eaLnBrk="1" latinLnBrk="0" hangingPunct="1">
@@ -9769,6 +11343,9 @@
           </a:lstStyle>
           <a:p>
             <a:pPr>
+              <a:lnSpc>
+                <a:spcPct val="110000"/>
+              </a:lnSpc>
               <a:spcAft>
                 <a:spcPts val="600"/>
               </a:spcAft>
@@ -9777,38 +11354,44 @@
               </a:buClr>
             </a:pPr>
             <a:r>
-              <a:rPr lang="ru-RU" dirty="0">
+              <a:rPr lang="ru-RU" sz="2400" b="1" dirty="0">
                 <a:solidFill>
                   <a:schemeClr val="tx1">
                     <a:lumMod val="85000"/>
                     <a:lumOff val="15000"/>
                   </a:schemeClr>
                 </a:solidFill>
+                <a:latin typeface="+mn-lt"/>
               </a:rPr>
               <a:t>Одномерный массив</a:t>
             </a:r>
             <a:r>
-              <a:rPr lang="en-US" dirty="0">
+              <a:rPr lang="en-US" sz="2400" b="1" dirty="0">
                 <a:solidFill>
                   <a:schemeClr val="tx1">
                     <a:lumMod val="85000"/>
                     <a:lumOff val="15000"/>
                   </a:schemeClr>
                 </a:solidFill>
-              </a:rPr>
-              <a:t> Java</a:t>
-            </a:r>
-            <a:endParaRPr lang="ru-RU" dirty="0">
+                <a:latin typeface="+mn-lt"/>
+              </a:rPr>
+              <a:t> Garage</a:t>
+            </a:r>
+            <a:endParaRPr lang="ru-RU" sz="2400" b="1" dirty="0">
               <a:solidFill>
                 <a:schemeClr val="tx1">
                   <a:lumMod val="85000"/>
                   <a:lumOff val="15000"/>
                 </a:schemeClr>
               </a:solidFill>
+              <a:latin typeface="+mn-lt"/>
             </a:endParaRPr>
           </a:p>
           <a:p>
             <a:pPr>
+              <a:lnSpc>
+                <a:spcPct val="110000"/>
+              </a:lnSpc>
               <a:spcAft>
                 <a:spcPts val="600"/>
               </a:spcAft>
@@ -9816,17 +11399,21 @@
                 <a:schemeClr val="accent1"/>
               </a:buClr>
             </a:pPr>
-            <a:endParaRPr lang="ru-RU" dirty="0">
+            <a:endParaRPr lang="ru-RU" sz="2400" b="1" dirty="0">
               <a:solidFill>
                 <a:schemeClr val="tx1">
                   <a:lumMod val="85000"/>
                   <a:lumOff val="15000"/>
                 </a:schemeClr>
               </a:solidFill>
+              <a:latin typeface="+mn-lt"/>
             </a:endParaRPr>
           </a:p>
           <a:p>
             <a:pPr>
+              <a:lnSpc>
+                <a:spcPct val="110000"/>
+              </a:lnSpc>
               <a:spcAft>
                 <a:spcPts val="600"/>
               </a:spcAft>
@@ -9835,19 +11422,23 @@
               </a:buClr>
             </a:pPr>
             <a:r>
-              <a:rPr lang="ru-RU" dirty="0">
+              <a:rPr lang="ru-RU" sz="2400" b="1" dirty="0">
                 <a:solidFill>
                   <a:schemeClr val="tx1">
                     <a:lumMod val="85000"/>
                     <a:lumOff val="15000"/>
                   </a:schemeClr>
                 </a:solidFill>
+                <a:latin typeface="+mn-lt"/>
               </a:rPr>
               <a:t>Размер массива = 7</a:t>
             </a:r>
           </a:p>
           <a:p>
             <a:pPr>
+              <a:lnSpc>
+                <a:spcPct val="110000"/>
+              </a:lnSpc>
               <a:spcAft>
                 <a:spcPts val="600"/>
               </a:spcAft>
@@ -9856,13 +11447,14 @@
               </a:buClr>
             </a:pPr>
             <a:r>
-              <a:rPr lang="ru-RU" dirty="0">
+              <a:rPr lang="ru-RU" sz="2400" b="1" dirty="0">
                 <a:solidFill>
                   <a:schemeClr val="tx1">
                     <a:lumMod val="85000"/>
                     <a:lumOff val="15000"/>
                   </a:schemeClr>
                 </a:solidFill>
+                <a:latin typeface="+mn-lt"/>
               </a:rPr>
               <a:t>Тип массива - машины</a:t>
             </a:r>
@@ -9912,7 +11504,7 @@
         </p:nvSpPr>
         <p:spPr>
           <a:xfrm>
-            <a:off x="5272719" y="637925"/>
+            <a:off x="5053644" y="552564"/>
             <a:ext cx="2311017" cy="461665"/>
           </a:xfrm>
           <a:prstGeom prst="rect">
@@ -10218,6 +11810,35 @@
           </a:fontRef>
         </p:style>
       </p:cxnSp>
+      <p:pic>
+        <p:nvPicPr>
+          <p:cNvPr id="13" name="Рисунок 12">
+            <a:extLst>
+              <a:ext uri="{FF2B5EF4-FFF2-40B4-BE49-F238E27FC236}">
+                <a16:creationId xmlns:a16="http://schemas.microsoft.com/office/drawing/2014/main" id="{8D87BE03-C52B-488C-92FB-1FC5A9E73AD1}"/>
+              </a:ext>
+            </a:extLst>
+          </p:cNvPr>
+          <p:cNvPicPr>
+            <a:picLocks noChangeAspect="1"/>
+          </p:cNvPicPr>
+          <p:nvPr/>
+        </p:nvPicPr>
+        <p:blipFill rotWithShape="1">
+          <a:blip r:embed="rId2"/>
+          <a:srcRect t="11656" b="65789"/>
+          <a:stretch/>
+        </p:blipFill>
+        <p:spPr>
+          <a:xfrm>
+            <a:off x="634808" y="3451332"/>
+            <a:ext cx="10637520" cy="833757"/>
+          </a:xfrm>
+          <a:prstGeom prst="rect">
+            <a:avLst/>
+          </a:prstGeom>
+        </p:spPr>
+      </p:pic>
     </p:spTree>
     <p:extLst>
       <p:ext uri="{BB962C8B-B14F-4D97-AF65-F5344CB8AC3E}">
@@ -10745,530 +12366,488 @@
           </a:fontRef>
         </p:style>
       </p:sp>
-      <p:grpSp>
-        <p:nvGrpSpPr>
-          <p:cNvPr id="19" name="Группа 18">
+      <p:sp>
+        <p:nvSpPr>
+          <p:cNvPr id="20" name="Прямоугольник 19">
             <a:extLst>
               <a:ext uri="{FF2B5EF4-FFF2-40B4-BE49-F238E27FC236}">
-                <a16:creationId xmlns:a16="http://schemas.microsoft.com/office/drawing/2014/main" id="{2FDBAEF0-FED5-4FFD-9B3F-A43556ED9243}"/>
+                <a16:creationId xmlns:a16="http://schemas.microsoft.com/office/drawing/2014/main" id="{A5A09AAA-A8C3-434B-A52C-E46BCE1C572B}"/>
               </a:ext>
             </a:extLst>
           </p:cNvPr>
-          <p:cNvGrpSpPr/>
+          <p:cNvSpPr/>
           <p:nvPr/>
-        </p:nvGrpSpPr>
-        <p:grpSpPr>
+        </p:nvSpPr>
+        <p:spPr>
+          <a:xfrm>
+            <a:off x="481327" y="360349"/>
+            <a:ext cx="1932319" cy="1354217"/>
+          </a:xfrm>
+          <a:prstGeom prst="rect">
+            <a:avLst/>
+          </a:prstGeom>
+        </p:spPr>
+        <p:txBody>
+          <a:bodyPr wrap="square">
+            <a:spAutoFit/>
+          </a:bodyPr>
+          <a:lstStyle/>
+          <a:p>
+            <a:pPr>
+              <a:spcAft>
+                <a:spcPts val="600"/>
+              </a:spcAft>
+            </a:pPr>
+            <a:r>
+              <a:rPr lang="en-US" sz="2400" b="0" i="0" dirty="0">
+                <a:solidFill>
+                  <a:srgbClr val="A626A4"/>
+                </a:solidFill>
+                <a:effectLst/>
+                <a:latin typeface="SFMono-Regular"/>
+              </a:rPr>
+              <a:t>int</a:t>
+            </a:r>
+            <a:r>
+              <a:rPr lang="en-US" sz="2400" b="0" i="0" dirty="0">
+                <a:solidFill>
+                  <a:srgbClr val="383A42"/>
+                </a:solidFill>
+                <a:effectLst/>
+                <a:latin typeface="SFMono-Regular"/>
+              </a:rPr>
+              <a:t>[] a;</a:t>
+            </a:r>
+            <a:endParaRPr lang="ru-RU" sz="2400" b="0" i="0" dirty="0">
+              <a:solidFill>
+                <a:srgbClr val="383A42"/>
+              </a:solidFill>
+              <a:effectLst/>
+              <a:latin typeface="SFMono-Regular"/>
+            </a:endParaRPr>
+          </a:p>
+          <a:p>
+            <a:pPr>
+              <a:spcAft>
+                <a:spcPts val="600"/>
+              </a:spcAft>
+            </a:pPr>
+            <a:r>
+              <a:rPr lang="en-US" sz="2400" b="0" i="0" dirty="0">
+                <a:solidFill>
+                  <a:srgbClr val="A626A4"/>
+                </a:solidFill>
+                <a:effectLst/>
+                <a:latin typeface="SFMono-Regular"/>
+              </a:rPr>
+              <a:t>double</a:t>
+            </a:r>
+            <a:r>
+              <a:rPr lang="en-US" sz="2400" b="0" i="0" dirty="0">
+                <a:solidFill>
+                  <a:srgbClr val="383A42"/>
+                </a:solidFill>
+                <a:effectLst/>
+                <a:latin typeface="SFMono-Regular"/>
+              </a:rPr>
+              <a:t> [] b, c;</a:t>
+            </a:r>
+          </a:p>
+          <a:p>
+            <a:pPr>
+              <a:spcAft>
+                <a:spcPts val="600"/>
+              </a:spcAft>
+            </a:pPr>
+            <a:r>
+              <a:rPr lang="en-US" sz="2400" b="0" i="0" dirty="0">
+                <a:solidFill>
+                  <a:srgbClr val="A626A4"/>
+                </a:solidFill>
+                <a:effectLst/>
+                <a:latin typeface="SFMono-Regular"/>
+              </a:rPr>
+              <a:t>String</a:t>
+            </a:r>
+            <a:r>
+              <a:rPr lang="en-US" sz="2400" b="0" i="0" dirty="0">
+                <a:solidFill>
+                  <a:srgbClr val="383A42"/>
+                </a:solidFill>
+                <a:effectLst/>
+                <a:latin typeface="SFMono-Regular"/>
+              </a:rPr>
+              <a:t> [] s;</a:t>
+            </a:r>
+            <a:endParaRPr lang="ru-RU" sz="2400" dirty="0"/>
+          </a:p>
+        </p:txBody>
+      </p:sp>
+      <p:sp>
+        <p:nvSpPr>
+          <p:cNvPr id="21" name="Прямоугольник 20">
+            <a:extLst>
+              <a:ext uri="{FF2B5EF4-FFF2-40B4-BE49-F238E27FC236}">
+                <a16:creationId xmlns:a16="http://schemas.microsoft.com/office/drawing/2014/main" id="{40A533EB-3191-4460-BA7C-DCFB00750B0E}"/>
+              </a:ext>
+            </a:extLst>
+          </p:cNvPr>
+          <p:cNvSpPr/>
+          <p:nvPr/>
+        </p:nvSpPr>
+        <p:spPr>
           <a:xfrm>
             <a:off x="441101" y="321316"/>
             <a:ext cx="2448856" cy="1479767"/>
-            <a:chOff x="4382609" y="675342"/>
-            <a:chExt cx="7146525" cy="1479767"/>
           </a:xfrm>
-        </p:grpSpPr>
-        <p:sp>
-          <p:nvSpPr>
-            <p:cNvPr id="20" name="Прямоугольник 19">
-              <a:extLst>
-                <a:ext uri="{FF2B5EF4-FFF2-40B4-BE49-F238E27FC236}">
-                  <a16:creationId xmlns:a16="http://schemas.microsoft.com/office/drawing/2014/main" id="{A5A09AAA-A8C3-434B-A52C-E46BCE1C572B}"/>
-                </a:ext>
-              </a:extLst>
-            </p:cNvPr>
-            <p:cNvSpPr/>
-            <p:nvPr/>
-          </p:nvSpPr>
-          <p:spPr>
-            <a:xfrm>
-              <a:off x="4500000" y="714375"/>
-              <a:ext cx="5639110" cy="1354217"/>
-            </a:xfrm>
-            <a:prstGeom prst="rect">
-              <a:avLst/>
-            </a:prstGeom>
-          </p:spPr>
-          <p:txBody>
-            <a:bodyPr wrap="square">
-              <a:spAutoFit/>
-            </a:bodyPr>
-            <a:lstStyle/>
-            <a:p>
-              <a:pPr>
-                <a:spcAft>
-                  <a:spcPts val="600"/>
-                </a:spcAft>
-              </a:pPr>
-              <a:r>
-                <a:rPr lang="en-US" sz="2400" b="0" i="0" dirty="0">
-                  <a:solidFill>
-                    <a:srgbClr val="A626A4"/>
-                  </a:solidFill>
-                  <a:effectLst/>
-                  <a:latin typeface="SFMono-Regular"/>
-                </a:rPr>
-                <a:t>int</a:t>
-              </a:r>
-              <a:r>
-                <a:rPr lang="en-US" sz="2400" b="0" i="0" dirty="0">
-                  <a:solidFill>
-                    <a:srgbClr val="383A42"/>
-                  </a:solidFill>
-                  <a:effectLst/>
-                  <a:latin typeface="SFMono-Regular"/>
-                </a:rPr>
-                <a:t>[] a;</a:t>
-              </a:r>
-              <a:endParaRPr lang="ru-RU" sz="2400" b="0" i="0" dirty="0">
-                <a:solidFill>
-                  <a:srgbClr val="383A42"/>
-                </a:solidFill>
-                <a:effectLst/>
-                <a:latin typeface="SFMono-Regular"/>
-              </a:endParaRPr>
-            </a:p>
-            <a:p>
-              <a:pPr>
-                <a:spcAft>
-                  <a:spcPts val="600"/>
-                </a:spcAft>
-              </a:pPr>
-              <a:r>
-                <a:rPr lang="en-US" sz="2400" b="0" i="0" dirty="0">
-                  <a:solidFill>
-                    <a:srgbClr val="A626A4"/>
-                  </a:solidFill>
-                  <a:effectLst/>
-                  <a:latin typeface="SFMono-Regular"/>
-                </a:rPr>
-                <a:t>double</a:t>
-              </a:r>
-              <a:r>
-                <a:rPr lang="en-US" sz="2400" b="0" i="0" dirty="0">
-                  <a:solidFill>
-                    <a:srgbClr val="383A42"/>
-                  </a:solidFill>
-                  <a:effectLst/>
-                  <a:latin typeface="SFMono-Regular"/>
-                </a:rPr>
-                <a:t> [] b, c;</a:t>
-              </a:r>
-            </a:p>
-            <a:p>
-              <a:pPr>
-                <a:spcAft>
-                  <a:spcPts val="600"/>
-                </a:spcAft>
-              </a:pPr>
-              <a:r>
-                <a:rPr lang="en-US" sz="2400" b="0" i="0" dirty="0">
-                  <a:solidFill>
-                    <a:srgbClr val="A626A4"/>
-                  </a:solidFill>
-                  <a:effectLst/>
-                  <a:latin typeface="SFMono-Regular"/>
-                </a:rPr>
-                <a:t>String</a:t>
-              </a:r>
-              <a:r>
-                <a:rPr lang="en-US" sz="2400" b="0" i="0" dirty="0">
-                  <a:solidFill>
-                    <a:srgbClr val="383A42"/>
-                  </a:solidFill>
-                  <a:effectLst/>
-                  <a:latin typeface="SFMono-Regular"/>
-                </a:rPr>
-                <a:t> [] s;</a:t>
-              </a:r>
-              <a:endParaRPr lang="ru-RU" sz="2400" dirty="0"/>
-            </a:p>
-          </p:txBody>
-        </p:sp>
-        <p:sp>
-          <p:nvSpPr>
-            <p:cNvPr id="21" name="Прямоугольник 20">
-              <a:extLst>
-                <a:ext uri="{FF2B5EF4-FFF2-40B4-BE49-F238E27FC236}">
-                  <a16:creationId xmlns:a16="http://schemas.microsoft.com/office/drawing/2014/main" id="{40A533EB-3191-4460-BA7C-DCFB00750B0E}"/>
-                </a:ext>
-              </a:extLst>
-            </p:cNvPr>
-            <p:cNvSpPr/>
-            <p:nvPr/>
-          </p:nvSpPr>
-          <p:spPr>
-            <a:xfrm>
-              <a:off x="4382609" y="675342"/>
-              <a:ext cx="7146525" cy="1479767"/>
-            </a:xfrm>
-            <a:prstGeom prst="rect">
-              <a:avLst/>
-            </a:prstGeom>
-            <a:noFill/>
-            <a:ln w="38100">
-              <a:solidFill>
-                <a:schemeClr val="tx1">
-                  <a:lumMod val="50000"/>
-                  <a:lumOff val="50000"/>
-                </a:schemeClr>
-              </a:solidFill>
-            </a:ln>
-          </p:spPr>
-          <p:style>
-            <a:lnRef idx="2">
-              <a:schemeClr val="accent1">
-                <a:shade val="50000"/>
+          <a:prstGeom prst="rect">
+            <a:avLst/>
+          </a:prstGeom>
+          <a:noFill/>
+          <a:ln w="38100">
+            <a:solidFill>
+              <a:schemeClr val="tx1">
+                <a:lumMod val="50000"/>
+                <a:lumOff val="50000"/>
               </a:schemeClr>
-            </a:lnRef>
-            <a:fillRef idx="1">
-              <a:schemeClr val="accent1"/>
-            </a:fillRef>
-            <a:effectRef idx="0">
-              <a:schemeClr val="accent1"/>
-            </a:effectRef>
-            <a:fontRef idx="minor">
-              <a:schemeClr val="lt1"/>
-            </a:fontRef>
-          </p:style>
-          <p:txBody>
-            <a:bodyPr rtlCol="0" anchor="ctr"/>
-            <a:lstStyle/>
-            <a:p>
-              <a:pPr algn="ctr"/>
-              <a:endParaRPr lang="ru-RU">
-                <a:noFill/>
-              </a:endParaRPr>
-            </a:p>
-          </p:txBody>
-        </p:sp>
-      </p:grpSp>
-      <p:grpSp>
-        <p:nvGrpSpPr>
-          <p:cNvPr id="22" name="Группа 21">
+            </a:solidFill>
+          </a:ln>
+        </p:spPr>
+        <p:style>
+          <a:lnRef idx="2">
+            <a:schemeClr val="accent1">
+              <a:shade val="50000"/>
+            </a:schemeClr>
+          </a:lnRef>
+          <a:fillRef idx="1">
+            <a:schemeClr val="accent1"/>
+          </a:fillRef>
+          <a:effectRef idx="0">
+            <a:schemeClr val="accent1"/>
+          </a:effectRef>
+          <a:fontRef idx="minor">
+            <a:schemeClr val="lt1"/>
+          </a:fontRef>
+        </p:style>
+        <p:txBody>
+          <a:bodyPr rtlCol="0" anchor="ctr"/>
+          <a:lstStyle/>
+          <a:p>
+            <a:pPr algn="ctr"/>
+            <a:endParaRPr lang="ru-RU">
+              <a:noFill/>
+            </a:endParaRPr>
+          </a:p>
+        </p:txBody>
+      </p:sp>
+      <p:sp>
+        <p:nvSpPr>
+          <p:cNvPr id="23" name="Прямоугольник 22">
             <a:extLst>
               <a:ext uri="{FF2B5EF4-FFF2-40B4-BE49-F238E27FC236}">
-                <a16:creationId xmlns:a16="http://schemas.microsoft.com/office/drawing/2014/main" id="{1A5640CF-477F-4115-A83A-88999606D9DD}"/>
+                <a16:creationId xmlns:a16="http://schemas.microsoft.com/office/drawing/2014/main" id="{BF7E0AC6-0DEF-49F2-B642-0B682B1C41EF}"/>
               </a:ext>
             </a:extLst>
           </p:cNvPr>
-          <p:cNvGrpSpPr/>
+          <p:cNvSpPr/>
           <p:nvPr/>
-        </p:nvGrpSpPr>
-        <p:grpSpPr>
+        </p:nvSpPr>
+        <p:spPr>
           <a:xfrm>
-            <a:off x="441101" y="2080741"/>
-            <a:ext cx="7720766" cy="2017106"/>
-            <a:chOff x="4046433" y="2566665"/>
-            <a:chExt cx="4128117" cy="2017106"/>
+            <a:off x="441101" y="2158855"/>
+            <a:ext cx="7720766" cy="1938992"/>
           </a:xfrm>
-        </p:grpSpPr>
-        <p:sp>
-          <p:nvSpPr>
-            <p:cNvPr id="23" name="Прямоугольник 22">
-              <a:extLst>
-                <a:ext uri="{FF2B5EF4-FFF2-40B4-BE49-F238E27FC236}">
-                  <a16:creationId xmlns:a16="http://schemas.microsoft.com/office/drawing/2014/main" id="{BF7E0AC6-0DEF-49F2-B642-0B682B1C41EF}"/>
-                </a:ext>
-              </a:extLst>
-            </p:cNvPr>
-            <p:cNvSpPr/>
-            <p:nvPr/>
-          </p:nvSpPr>
-          <p:spPr>
-            <a:xfrm>
-              <a:off x="4046433" y="2644779"/>
-              <a:ext cx="4128117" cy="1938992"/>
-            </a:xfrm>
-            <a:prstGeom prst="rect">
-              <a:avLst/>
-            </a:prstGeom>
-          </p:spPr>
-          <p:txBody>
-            <a:bodyPr wrap="square">
-              <a:spAutoFit/>
-            </a:bodyPr>
-            <a:lstStyle/>
-            <a:p>
-              <a:r>
-                <a:rPr lang="ru-RU" sz="2400" b="0" i="1" dirty="0">
-                  <a:solidFill>
-                    <a:srgbClr val="A0A1A7"/>
-                  </a:solidFill>
-                  <a:effectLst/>
-                  <a:latin typeface="SFMono-Regular"/>
-                </a:rPr>
-                <a:t>//ПСЕВДОКОД</a:t>
-              </a:r>
-            </a:p>
-            <a:p>
-              <a:r>
-                <a:rPr lang="ru-RU" sz="2400" b="0" i="0" dirty="0">
-                  <a:solidFill>
-                    <a:srgbClr val="383A42"/>
-                  </a:solidFill>
-                  <a:effectLst/>
-                  <a:latin typeface="SFMono-Regular"/>
-                </a:rPr>
-                <a:t>&lt;имя массива&gt; = </a:t>
-              </a:r>
-              <a:r>
-                <a:rPr lang="ru-RU" sz="2400" b="0" i="0" dirty="0" err="1">
-                  <a:solidFill>
-                    <a:srgbClr val="A626A4"/>
-                  </a:solidFill>
-                  <a:effectLst/>
-                  <a:latin typeface="SFMono-Regular"/>
-                </a:rPr>
-                <a:t>new</a:t>
-              </a:r>
-              <a:r>
-                <a:rPr lang="ru-RU" sz="2400" b="0" i="0" dirty="0">
-                  <a:solidFill>
-                    <a:srgbClr val="383A42"/>
-                  </a:solidFill>
-                  <a:effectLst/>
-                  <a:latin typeface="SFMono-Regular"/>
-                </a:rPr>
-                <a:t> &lt;тип&gt; [&lt;</a:t>
-              </a:r>
-              <a:r>
-                <a:rPr lang="ru-RU" sz="2400" b="0" i="0" dirty="0">
-                  <a:solidFill>
-                    <a:srgbClr val="E45649"/>
-                  </a:solidFill>
-                  <a:effectLst/>
-                  <a:latin typeface="SFMono-Regular"/>
-                </a:rPr>
-                <a:t>размер</a:t>
-              </a:r>
-              <a:r>
-                <a:rPr lang="ru-RU" sz="2400" b="0" i="0" dirty="0">
-                  <a:solidFill>
-                    <a:srgbClr val="383A42"/>
-                  </a:solidFill>
-                  <a:effectLst/>
-                  <a:latin typeface="SFMono-Regular"/>
-                </a:rPr>
-                <a:t>&gt;]</a:t>
-              </a:r>
-            </a:p>
-            <a:p>
-              <a:endParaRPr lang="ru-RU" sz="2400" b="0" i="0" dirty="0">
+          <a:prstGeom prst="rect">
+            <a:avLst/>
+          </a:prstGeom>
+        </p:spPr>
+        <p:txBody>
+          <a:bodyPr wrap="square">
+            <a:spAutoFit/>
+          </a:bodyPr>
+          <a:lstStyle/>
+          <a:p>
+            <a:r>
+              <a:rPr lang="ru-RU" sz="2400" b="0" i="1" dirty="0">
+                <a:solidFill>
+                  <a:srgbClr val="A0A1A7"/>
+                </a:solidFill>
+                <a:effectLst/>
+                <a:latin typeface="SFMono-Regular"/>
+              </a:rPr>
+              <a:t>//ПСЕВДОКОД</a:t>
+            </a:r>
+          </a:p>
+          <a:p>
+            <a:r>
+              <a:rPr lang="ru-RU" sz="2400" b="0" i="0" dirty="0">
                 <a:solidFill>
                   <a:srgbClr val="383A42"/>
                 </a:solidFill>
                 <a:effectLst/>
                 <a:latin typeface="SFMono-Regular"/>
-              </a:endParaRPr>
-            </a:p>
-            <a:p>
-              <a:r>
-                <a:rPr lang="en-US" sz="2400" b="0" i="0" dirty="0">
-                  <a:solidFill>
-                    <a:srgbClr val="383A42"/>
-                  </a:solidFill>
-                  <a:effectLst/>
-                  <a:latin typeface="SFMono-Regular"/>
-                </a:rPr>
-                <a:t>a = </a:t>
-              </a:r>
-              <a:r>
-                <a:rPr lang="en-US" sz="2400" b="0" i="0" dirty="0">
-                  <a:solidFill>
-                    <a:srgbClr val="A626A4"/>
-                  </a:solidFill>
-                  <a:effectLst/>
-                  <a:latin typeface="SFMono-Regular"/>
-                </a:rPr>
-                <a:t>new</a:t>
-              </a:r>
-              <a:r>
-                <a:rPr lang="en-US" sz="2400" b="0" i="0" dirty="0">
-                  <a:solidFill>
-                    <a:srgbClr val="383A42"/>
-                  </a:solidFill>
-                  <a:effectLst/>
-                  <a:latin typeface="SFMono-Regular"/>
-                </a:rPr>
-                <a:t> </a:t>
-              </a:r>
-              <a:r>
-                <a:rPr lang="en-US" sz="2400" b="0" i="0" dirty="0">
-                  <a:solidFill>
-                    <a:srgbClr val="A626A4"/>
-                  </a:solidFill>
-                  <a:effectLst/>
-                  <a:latin typeface="SFMono-Regular"/>
-                </a:rPr>
-                <a:t>int</a:t>
-              </a:r>
-              <a:r>
-                <a:rPr lang="en-US" sz="2400" b="0" i="0" dirty="0">
-                  <a:solidFill>
-                    <a:srgbClr val="383A42"/>
-                  </a:solidFill>
-                  <a:effectLst/>
-                  <a:latin typeface="SFMono-Regular"/>
-                </a:rPr>
-                <a:t> [</a:t>
-              </a:r>
-              <a:r>
-                <a:rPr lang="en-US" sz="2400" b="0" i="0" dirty="0">
-                  <a:solidFill>
-                    <a:srgbClr val="986801"/>
-                  </a:solidFill>
-                  <a:effectLst/>
-                  <a:latin typeface="SFMono-Regular"/>
-                </a:rPr>
-                <a:t>10</a:t>
-              </a:r>
-              <a:r>
-                <a:rPr lang="en-US" sz="2400" b="0" i="0" dirty="0">
-                  <a:solidFill>
-                    <a:srgbClr val="383A42"/>
-                  </a:solidFill>
-                  <a:effectLst/>
-                  <a:latin typeface="SFMono-Regular"/>
-                </a:rPr>
-                <a:t>];</a:t>
-              </a:r>
-              <a:endParaRPr lang="ru-RU" sz="2400" b="0" i="0" dirty="0">
+              </a:rPr>
+              <a:t>&lt;имя массива&gt; = </a:t>
+            </a:r>
+            <a:r>
+              <a:rPr lang="ru-RU" sz="2400" b="0" i="0" dirty="0" err="1">
+                <a:solidFill>
+                  <a:srgbClr val="A626A4"/>
+                </a:solidFill>
+                <a:effectLst/>
+                <a:latin typeface="SFMono-Regular"/>
+              </a:rPr>
+              <a:t>new</a:t>
+            </a:r>
+            <a:r>
+              <a:rPr lang="ru-RU" sz="2400" b="0" i="0" dirty="0">
                 <a:solidFill>
                   <a:srgbClr val="383A42"/>
                 </a:solidFill>
                 <a:effectLst/>
                 <a:latin typeface="SFMono-Regular"/>
-              </a:endParaRPr>
-            </a:p>
-            <a:p>
-              <a:r>
-                <a:rPr lang="en-US" sz="2400" b="0" i="0" dirty="0">
-                  <a:solidFill>
-                    <a:srgbClr val="383A42"/>
-                  </a:solidFill>
-                  <a:effectLst/>
-                  <a:latin typeface="SFMono-Regular"/>
-                </a:rPr>
-                <a:t>b = </a:t>
-              </a:r>
-              <a:r>
-                <a:rPr lang="en-US" sz="2400" b="0" i="0" dirty="0">
-                  <a:solidFill>
-                    <a:srgbClr val="A626A4"/>
-                  </a:solidFill>
-                  <a:effectLst/>
-                  <a:latin typeface="SFMono-Regular"/>
-                </a:rPr>
-                <a:t>new</a:t>
-              </a:r>
-              <a:r>
-                <a:rPr lang="en-US" sz="2400" b="0" i="0" dirty="0">
-                  <a:solidFill>
-                    <a:srgbClr val="383A42"/>
-                  </a:solidFill>
-                  <a:effectLst/>
-                  <a:latin typeface="SFMono-Regular"/>
-                </a:rPr>
-                <a:t> </a:t>
-              </a:r>
-              <a:r>
-                <a:rPr lang="en-US" sz="2400" dirty="0">
-                  <a:solidFill>
-                    <a:srgbClr val="A626A4"/>
-                  </a:solidFill>
-                  <a:latin typeface="SFMono-Regular"/>
-                </a:rPr>
-                <a:t>double</a:t>
-              </a:r>
-              <a:r>
-                <a:rPr lang="en-US" sz="2400" b="0" i="0" dirty="0">
-                  <a:solidFill>
-                    <a:srgbClr val="383A42"/>
-                  </a:solidFill>
-                  <a:effectLst/>
-                  <a:latin typeface="SFMono-Regular"/>
-                </a:rPr>
-                <a:t> [</a:t>
-              </a:r>
-              <a:r>
-                <a:rPr lang="en-US" sz="2400" dirty="0">
-                  <a:solidFill>
-                    <a:srgbClr val="986801"/>
-                  </a:solidFill>
-                  <a:latin typeface="SFMono-Regular"/>
-                </a:rPr>
-                <a:t>8</a:t>
-              </a:r>
-              <a:r>
-                <a:rPr lang="en-US" sz="2400" b="0" i="0" dirty="0">
-                  <a:solidFill>
-                    <a:srgbClr val="383A42"/>
-                  </a:solidFill>
-                  <a:effectLst/>
-                  <a:latin typeface="SFMono-Regular"/>
-                </a:rPr>
-                <a:t>];</a:t>
-              </a:r>
-              <a:endParaRPr lang="ru-RU" sz="2400" dirty="0"/>
-            </a:p>
-          </p:txBody>
-        </p:sp>
-        <p:sp>
-          <p:nvSpPr>
-            <p:cNvPr id="24" name="Прямоугольник 23">
-              <a:extLst>
-                <a:ext uri="{FF2B5EF4-FFF2-40B4-BE49-F238E27FC236}">
-                  <a16:creationId xmlns:a16="http://schemas.microsoft.com/office/drawing/2014/main" id="{EED57BAD-0486-42D8-A220-21CFABD73713}"/>
-                </a:ext>
-              </a:extLst>
-            </p:cNvPr>
-            <p:cNvSpPr/>
-            <p:nvPr/>
-          </p:nvSpPr>
-          <p:spPr>
-            <a:xfrm>
-              <a:off x="4046434" y="2566665"/>
-              <a:ext cx="3937080" cy="2017106"/>
-            </a:xfrm>
-            <a:prstGeom prst="rect">
-              <a:avLst/>
-            </a:prstGeom>
-            <a:noFill/>
-            <a:ln w="38100">
+              </a:rPr>
+              <a:t> &lt;тип&gt; [&lt;</a:t>
+            </a:r>
+            <a:r>
+              <a:rPr lang="ru-RU" sz="2400" b="0" i="0" dirty="0">
+                <a:solidFill>
+                  <a:srgbClr val="E45649"/>
+                </a:solidFill>
+                <a:effectLst/>
+                <a:latin typeface="SFMono-Regular"/>
+              </a:rPr>
+              <a:t>размер</a:t>
+            </a:r>
+            <a:r>
+              <a:rPr lang="ru-RU" sz="2400" b="0" i="0" dirty="0">
+                <a:solidFill>
+                  <a:srgbClr val="383A42"/>
+                </a:solidFill>
+                <a:effectLst/>
+                <a:latin typeface="SFMono-Regular"/>
+              </a:rPr>
+              <a:t>&gt;]</a:t>
+            </a:r>
+          </a:p>
+          <a:p>
+            <a:endParaRPr lang="ru-RU" sz="2400" b="0" i="0" dirty="0">
               <a:solidFill>
-                <a:schemeClr val="tx1">
-                  <a:lumMod val="50000"/>
-                  <a:lumOff val="50000"/>
-                </a:schemeClr>
+                <a:srgbClr val="383A42"/>
               </a:solidFill>
-            </a:ln>
-          </p:spPr>
-          <p:style>
-            <a:lnRef idx="2">
-              <a:schemeClr val="accent1">
-                <a:shade val="50000"/>
+              <a:effectLst/>
+              <a:latin typeface="SFMono-Regular"/>
+            </a:endParaRPr>
+          </a:p>
+          <a:p>
+            <a:r>
+              <a:rPr lang="en-US" sz="2400" b="0" i="0" dirty="0">
+                <a:solidFill>
+                  <a:srgbClr val="383A42"/>
+                </a:solidFill>
+                <a:effectLst/>
+                <a:latin typeface="SFMono-Regular"/>
+              </a:rPr>
+              <a:t>a = </a:t>
+            </a:r>
+            <a:r>
+              <a:rPr lang="en-US" sz="2400" b="0" i="0" dirty="0">
+                <a:solidFill>
+                  <a:srgbClr val="A626A4"/>
+                </a:solidFill>
+                <a:effectLst/>
+                <a:latin typeface="SFMono-Regular"/>
+              </a:rPr>
+              <a:t>new</a:t>
+            </a:r>
+            <a:r>
+              <a:rPr lang="en-US" sz="2400" b="0" i="0" dirty="0">
+                <a:solidFill>
+                  <a:srgbClr val="383A42"/>
+                </a:solidFill>
+                <a:effectLst/>
+                <a:latin typeface="SFMono-Regular"/>
+              </a:rPr>
+              <a:t> </a:t>
+            </a:r>
+            <a:r>
+              <a:rPr lang="en-US" sz="2400" b="0" i="0" dirty="0">
+                <a:solidFill>
+                  <a:srgbClr val="A626A4"/>
+                </a:solidFill>
+                <a:effectLst/>
+                <a:latin typeface="SFMono-Regular"/>
+              </a:rPr>
+              <a:t>int</a:t>
+            </a:r>
+            <a:r>
+              <a:rPr lang="en-US" sz="2400" b="0" i="0" dirty="0">
+                <a:solidFill>
+                  <a:srgbClr val="383A42"/>
+                </a:solidFill>
+                <a:effectLst/>
+                <a:latin typeface="SFMono-Regular"/>
+              </a:rPr>
+              <a:t> [</a:t>
+            </a:r>
+            <a:r>
+              <a:rPr lang="en-US" sz="2400" b="0" i="0" dirty="0">
+                <a:solidFill>
+                  <a:srgbClr val="986801"/>
+                </a:solidFill>
+                <a:effectLst/>
+                <a:latin typeface="SFMono-Regular"/>
+              </a:rPr>
+              <a:t>10</a:t>
+            </a:r>
+            <a:r>
+              <a:rPr lang="en-US" sz="2400" b="0" i="0" dirty="0">
+                <a:solidFill>
+                  <a:srgbClr val="383A42"/>
+                </a:solidFill>
+                <a:effectLst/>
+                <a:latin typeface="SFMono-Regular"/>
+              </a:rPr>
+              <a:t>];</a:t>
+            </a:r>
+            <a:endParaRPr lang="ru-RU" sz="2400" b="0" i="0" dirty="0">
+              <a:solidFill>
+                <a:srgbClr val="383A42"/>
+              </a:solidFill>
+              <a:effectLst/>
+              <a:latin typeface="SFMono-Regular"/>
+            </a:endParaRPr>
+          </a:p>
+          <a:p>
+            <a:r>
+              <a:rPr lang="en-US" sz="2400" b="0" i="0" dirty="0">
+                <a:solidFill>
+                  <a:srgbClr val="383A42"/>
+                </a:solidFill>
+                <a:effectLst/>
+                <a:latin typeface="SFMono-Regular"/>
+              </a:rPr>
+              <a:t>b = </a:t>
+            </a:r>
+            <a:r>
+              <a:rPr lang="en-US" sz="2400" b="0" i="0" dirty="0">
+                <a:solidFill>
+                  <a:srgbClr val="A626A4"/>
+                </a:solidFill>
+                <a:effectLst/>
+                <a:latin typeface="SFMono-Regular"/>
+              </a:rPr>
+              <a:t>new</a:t>
+            </a:r>
+            <a:r>
+              <a:rPr lang="en-US" sz="2400" b="0" i="0" dirty="0">
+                <a:solidFill>
+                  <a:srgbClr val="383A42"/>
+                </a:solidFill>
+                <a:effectLst/>
+                <a:latin typeface="SFMono-Regular"/>
+              </a:rPr>
+              <a:t> </a:t>
+            </a:r>
+            <a:r>
+              <a:rPr lang="en-US" sz="2400" dirty="0">
+                <a:solidFill>
+                  <a:srgbClr val="A626A4"/>
+                </a:solidFill>
+                <a:latin typeface="SFMono-Regular"/>
+              </a:rPr>
+              <a:t>double</a:t>
+            </a:r>
+            <a:r>
+              <a:rPr lang="en-US" sz="2400" b="0" i="0" dirty="0">
+                <a:solidFill>
+                  <a:srgbClr val="383A42"/>
+                </a:solidFill>
+                <a:effectLst/>
+                <a:latin typeface="SFMono-Regular"/>
+              </a:rPr>
+              <a:t> [</a:t>
+            </a:r>
+            <a:r>
+              <a:rPr lang="en-US" sz="2400" dirty="0">
+                <a:solidFill>
+                  <a:srgbClr val="986801"/>
+                </a:solidFill>
+                <a:latin typeface="SFMono-Regular"/>
+              </a:rPr>
+              <a:t>8</a:t>
+            </a:r>
+            <a:r>
+              <a:rPr lang="en-US" sz="2400" b="0" i="0" dirty="0">
+                <a:solidFill>
+                  <a:srgbClr val="383A42"/>
+                </a:solidFill>
+                <a:effectLst/>
+                <a:latin typeface="SFMono-Regular"/>
+              </a:rPr>
+              <a:t>];</a:t>
+            </a:r>
+            <a:endParaRPr lang="ru-RU" sz="2400" dirty="0"/>
+          </a:p>
+        </p:txBody>
+      </p:sp>
+      <p:sp>
+        <p:nvSpPr>
+          <p:cNvPr id="24" name="Прямоугольник 23">
+            <a:extLst>
+              <a:ext uri="{FF2B5EF4-FFF2-40B4-BE49-F238E27FC236}">
+                <a16:creationId xmlns:a16="http://schemas.microsoft.com/office/drawing/2014/main" id="{EED57BAD-0486-42D8-A220-21CFABD73713}"/>
+              </a:ext>
+            </a:extLst>
+          </p:cNvPr>
+          <p:cNvSpPr/>
+          <p:nvPr/>
+        </p:nvSpPr>
+        <p:spPr>
+          <a:xfrm>
+            <a:off x="441103" y="2080741"/>
+            <a:ext cx="7363472" cy="2017106"/>
+          </a:xfrm>
+          <a:prstGeom prst="rect">
+            <a:avLst/>
+          </a:prstGeom>
+          <a:noFill/>
+          <a:ln w="38100">
+            <a:solidFill>
+              <a:schemeClr val="tx1">
+                <a:lumMod val="50000"/>
+                <a:lumOff val="50000"/>
               </a:schemeClr>
-            </a:lnRef>
-            <a:fillRef idx="1">
-              <a:schemeClr val="accent1"/>
-            </a:fillRef>
-            <a:effectRef idx="0">
-              <a:schemeClr val="accent1"/>
-            </a:effectRef>
-            <a:fontRef idx="minor">
-              <a:schemeClr val="lt1"/>
-            </a:fontRef>
-          </p:style>
-          <p:txBody>
-            <a:bodyPr rtlCol="0" anchor="ctr"/>
-            <a:lstStyle/>
-            <a:p>
-              <a:pPr algn="ctr"/>
-              <a:endParaRPr lang="ru-RU">
-                <a:noFill/>
-              </a:endParaRPr>
-            </a:p>
-          </p:txBody>
-        </p:sp>
-      </p:grpSp>
+            </a:solidFill>
+          </a:ln>
+        </p:spPr>
+        <p:style>
+          <a:lnRef idx="2">
+            <a:schemeClr val="accent1">
+              <a:shade val="50000"/>
+            </a:schemeClr>
+          </a:lnRef>
+          <a:fillRef idx="1">
+            <a:schemeClr val="accent1"/>
+          </a:fillRef>
+          <a:effectRef idx="0">
+            <a:schemeClr val="accent1"/>
+          </a:effectRef>
+          <a:fontRef idx="minor">
+            <a:schemeClr val="lt1"/>
+          </a:fontRef>
+        </p:style>
+        <p:txBody>
+          <a:bodyPr rtlCol="0" anchor="ctr"/>
+          <a:lstStyle/>
+          <a:p>
+            <a:pPr algn="ctr"/>
+            <a:endParaRPr lang="ru-RU">
+              <a:noFill/>
+            </a:endParaRPr>
+          </a:p>
+        </p:txBody>
+      </p:sp>
       <p:sp>
         <p:nvSpPr>
           <p:cNvPr id="28" name="Заголовок 1">

--- a/Samsung/Lesson7/Arrays.pptx
+++ b/Samsung/Lesson7/Arrays.pptx
@@ -9233,7 +9233,25 @@
                 </a:solidFill>
                 <a:effectLst/>
               </a:rPr>
-              <a:t>=n−1,;</a:t>
+              <a:t>=n−1</a:t>
+            </a:r>
+            <a:r>
+              <a:rPr lang="ru-RU" b="0" i="0" dirty="0">
+                <a:solidFill>
+                  <a:srgbClr val="FFFFFF"/>
+                </a:solidFill>
+                <a:effectLst/>
+              </a:rPr>
+              <a:t>)</a:t>
+            </a:r>
+            <a:r>
+              <a:rPr lang="en-US" b="0" i="0" dirty="0">
+                <a:solidFill>
+                  <a:srgbClr val="FFFFFF"/>
+                </a:solidFill>
+                <a:effectLst/>
+              </a:rPr>
+              <a:t>;</a:t>
             </a:r>
           </a:p>
           <a:p>
@@ -12450,7 +12468,7 @@
                 <a:effectLst/>
                 <a:latin typeface="SFMono-Regular"/>
               </a:rPr>
-              <a:t> [] b, c;</a:t>
+              <a:t>[] b, c;</a:t>
             </a:r>
           </a:p>
           <a:p>

--- a/Samsung/Lesson7/Arrays.pptx
+++ b/Samsung/Lesson7/Arrays.pptx
@@ -353,7 +353,7 @@
             <a:fld id="{5586B75A-687E-405C-8A0B-8D00578BA2C3}" type="datetimeFigureOut">
               <a:rPr lang="en-US" dirty="0"/>
               <a:pPr/>
-              <a:t>10/12/2020</a:t>
+              <a:t>10/22/2020</a:t>
             </a:fld>
             <a:endParaRPr lang="en-US" dirty="0"/>
           </a:p>
@@ -520,7 +520,7 @@
             <a:fld id="{5586B75A-687E-405C-8A0B-8D00578BA2C3}" type="datetimeFigureOut">
               <a:rPr lang="en-US" dirty="0"/>
               <a:pPr/>
-              <a:t>10/12/2020</a:t>
+              <a:t>10/22/2020</a:t>
             </a:fld>
             <a:endParaRPr lang="en-US" dirty="0"/>
           </a:p>
@@ -697,7 +697,7 @@
             <a:fld id="{5586B75A-687E-405C-8A0B-8D00578BA2C3}" type="datetimeFigureOut">
               <a:rPr lang="en-US" dirty="0"/>
               <a:pPr/>
-              <a:t>10/12/2020</a:t>
+              <a:t>10/22/2020</a:t>
             </a:fld>
             <a:endParaRPr lang="en-US" dirty="0"/>
           </a:p>
@@ -864,7 +864,7 @@
             <a:fld id="{5586B75A-687E-405C-8A0B-8D00578BA2C3}" type="datetimeFigureOut">
               <a:rPr lang="en-US" dirty="0"/>
               <a:pPr/>
-              <a:t>10/12/2020</a:t>
+              <a:t>10/22/2020</a:t>
             </a:fld>
             <a:endParaRPr lang="en-US" dirty="0"/>
           </a:p>
@@ -1119,7 +1119,7 @@
             <a:fld id="{5586B75A-687E-405C-8A0B-8D00578BA2C3}" type="datetimeFigureOut">
               <a:rPr lang="en-US" dirty="0"/>
               <a:pPr/>
-              <a:t>10/12/2020</a:t>
+              <a:t>10/22/2020</a:t>
             </a:fld>
             <a:endParaRPr lang="en-US" dirty="0"/>
           </a:p>
@@ -1404,7 +1404,7 @@
             <a:fld id="{5586B75A-687E-405C-8A0B-8D00578BA2C3}" type="datetimeFigureOut">
               <a:rPr lang="en-US" dirty="0"/>
               <a:pPr/>
-              <a:t>10/12/2020</a:t>
+              <a:t>10/22/2020</a:t>
             </a:fld>
             <a:endParaRPr lang="en-US" dirty="0"/>
           </a:p>
@@ -1843,7 +1843,7 @@
             <a:fld id="{5586B75A-687E-405C-8A0B-8D00578BA2C3}" type="datetimeFigureOut">
               <a:rPr lang="en-US" dirty="0"/>
               <a:pPr/>
-              <a:t>10/12/2020</a:t>
+              <a:t>10/22/2020</a:t>
             </a:fld>
             <a:endParaRPr lang="en-US" dirty="0"/>
           </a:p>
@@ -1958,7 +1958,7 @@
             <a:fld id="{5586B75A-687E-405C-8A0B-8D00578BA2C3}" type="datetimeFigureOut">
               <a:rPr lang="en-US" dirty="0"/>
               <a:pPr/>
-              <a:t>10/12/2020</a:t>
+              <a:t>10/22/2020</a:t>
             </a:fld>
             <a:endParaRPr lang="en-US" dirty="0"/>
           </a:p>
@@ -2050,7 +2050,7 @@
             <a:fld id="{5586B75A-687E-405C-8A0B-8D00578BA2C3}" type="datetimeFigureOut">
               <a:rPr lang="en-US" dirty="0"/>
               <a:pPr/>
-              <a:t>10/12/2020</a:t>
+              <a:t>10/22/2020</a:t>
             </a:fld>
             <a:endParaRPr lang="en-US" dirty="0"/>
           </a:p>
@@ -2335,7 +2335,7 @@
             <a:fld id="{5586B75A-687E-405C-8A0B-8D00578BA2C3}" type="datetimeFigureOut">
               <a:rPr lang="en-US" dirty="0"/>
               <a:pPr/>
-              <a:t>10/12/2020</a:t>
+              <a:t>10/22/2020</a:t>
             </a:fld>
             <a:endParaRPr lang="en-US" dirty="0"/>
           </a:p>
@@ -2605,7 +2605,7 @@
             <a:fld id="{5586B75A-687E-405C-8A0B-8D00578BA2C3}" type="datetimeFigureOut">
               <a:rPr lang="en-US" dirty="0"/>
               <a:pPr/>
-              <a:t>10/12/2020</a:t>
+              <a:t>10/22/2020</a:t>
             </a:fld>
             <a:endParaRPr lang="en-US" dirty="0"/>
           </a:p>
@@ -2899,7 +2899,7 @@
             <a:fld id="{5586B75A-687E-405C-8A0B-8D00578BA2C3}" type="datetimeFigureOut">
               <a:rPr lang="en-US" dirty="0"/>
               <a:pPr/>
-              <a:t>10/12/2020</a:t>
+              <a:t>10/22/2020</a:t>
             </a:fld>
             <a:endParaRPr lang="en-US" dirty="0"/>
           </a:p>
@@ -12823,7 +12823,7 @@
         </p:nvSpPr>
         <p:spPr>
           <a:xfrm>
-            <a:off x="441103" y="2080741"/>
+            <a:off x="481327" y="2080741"/>
             <a:ext cx="7363472" cy="2017106"/>
           </a:xfrm>
           <a:prstGeom prst="rect">
@@ -15694,9 +15694,9 @@
         <p:grpSpPr>
           <a:xfrm>
             <a:off x="441100" y="321316"/>
-            <a:ext cx="6895754" cy="3415306"/>
+            <a:ext cx="6895754" cy="2674014"/>
             <a:chOff x="4382609" y="675342"/>
-            <a:chExt cx="7146525" cy="1889989"/>
+            <a:chExt cx="7146525" cy="1479767"/>
           </a:xfrm>
         </p:grpSpPr>
         <p:sp>
@@ -15714,7 +15714,7 @@
           <p:spPr>
             <a:xfrm>
               <a:off x="4500001" y="714375"/>
-              <a:ext cx="5639108" cy="1850956"/>
+              <a:ext cx="5639108" cy="1024297"/>
             </a:xfrm>
             <a:prstGeom prst="rect">
               <a:avLst/>
@@ -15735,6 +15735,15 @@
                 </a:spcAft>
               </a:pPr>
               <a:r>
+                <a:rPr lang="en-US" sz="2400" dirty="0">
+                  <a:solidFill>
+                    <a:srgbClr val="A626A4"/>
+                  </a:solidFill>
+                  <a:latin typeface="SFMono-Regular"/>
+                </a:rPr>
+                <a:t>i</a:t>
+              </a:r>
+              <a:r>
                 <a:rPr lang="en-US" sz="2400" b="0" i="0" dirty="0">
                   <a:solidFill>
                     <a:srgbClr val="A626A4"/>
@@ -15742,7 +15751,7 @@
                   <a:effectLst/>
                   <a:latin typeface="SFMono-Regular"/>
                 </a:rPr>
-                <a:t>int</a:t>
+                <a:t>nt[]</a:t>
               </a:r>
               <a:r>
                 <a:rPr lang="en-US" sz="2400" b="0" i="0" dirty="0">
@@ -15752,7 +15761,7 @@
                   <a:effectLst/>
                   <a:latin typeface="SFMono-Regular"/>
                 </a:rPr>
-                <a:t> a[] = </a:t>
+                <a:t> a = </a:t>
               </a:r>
               <a:r>
                 <a:rPr lang="en-US" sz="2400" b="0" i="0" dirty="0">
